--- a/ML Group Project_Sentiment Analysis of Twitter Data.pptx
+++ b/ML Group Project_Sentiment Analysis of Twitter Data.pptx
@@ -5,10 +5,10 @@
     <p:sldMasterId id="2147483648" r:id="rId4"/>
   </p:sldMasterIdLst>
   <p:notesMasterIdLst>
-    <p:notesMasterId r:id="rId16"/>
+    <p:notesMasterId r:id="rId17"/>
   </p:notesMasterIdLst>
   <p:handoutMasterIdLst>
-    <p:handoutMasterId r:id="rId17"/>
+    <p:handoutMasterId r:id="rId18"/>
   </p:handoutMasterIdLst>
   <p:sldIdLst>
     <p:sldId id="256" r:id="rId5"/>
@@ -16,12 +16,13 @@
     <p:sldId id="260" r:id="rId7"/>
     <p:sldId id="269" r:id="rId8"/>
     <p:sldId id="262" r:id="rId9"/>
-    <p:sldId id="273" r:id="rId10"/>
-    <p:sldId id="274" r:id="rId11"/>
-    <p:sldId id="275" r:id="rId12"/>
-    <p:sldId id="277" r:id="rId13"/>
-    <p:sldId id="276" r:id="rId14"/>
-    <p:sldId id="272" r:id="rId15"/>
+    <p:sldId id="278" r:id="rId10"/>
+    <p:sldId id="273" r:id="rId11"/>
+    <p:sldId id="274" r:id="rId12"/>
+    <p:sldId id="275" r:id="rId13"/>
+    <p:sldId id="277" r:id="rId14"/>
+    <p:sldId id="276" r:id="rId15"/>
+    <p:sldId id="272" r:id="rId16"/>
   </p:sldIdLst>
   <p:sldSz cx="12192000" cy="6858000"/>
   <p:notesSz cx="6858000" cy="9144000"/>
@@ -241,7 +242,7 @@
           <a:p>
             <a:fld id="{872BFC85-49E4-447A-A7E3-16153CB2FE2A}" type="datetimeFigureOut">
               <a:rPr lang="en-US" smtClean="0"/>
-              <a:t>3/14/2021</a:t>
+              <a:t>3/17/2021</a:t>
             </a:fld>
             <a:endParaRPr lang="en-US" dirty="0"/>
           </a:p>
@@ -418,7 +419,7 @@
           <a:p>
             <a:fld id="{1071B50E-4C60-4F9E-B773-52059170945B}" type="datetimeFigureOut">
               <a:rPr lang="en-US" noProof="0" smtClean="0"/>
-              <a:t>3/14/2021</a:t>
+              <a:t>3/17/2021</a:t>
             </a:fld>
             <a:endParaRPr lang="en-US" noProof="0" dirty="0"/>
           </a:p>
@@ -13280,9 +13281,12 @@
           <a:p>
             <a:r>
               <a:rPr lang="en-US" dirty="0"/>
-              <a:t>Challenges</a:t>
-            </a:r>
-            <a:endParaRPr lang="en-US" b="0" dirty="0"/>
+              <a:t>Business </a:t>
+            </a:r>
+            <a:r>
+              <a:rPr lang="en-US" b="0" dirty="0"/>
+              <a:t>Impacts</a:t>
+            </a:r>
           </a:p>
         </p:txBody>
       </p:sp>
@@ -13305,7 +13309,7 @@
         <p:spPr>
           <a:xfrm>
             <a:off x="518678" y="2005762"/>
-            <a:ext cx="6285567" cy="1624465"/>
+            <a:ext cx="7363450" cy="3489782"/>
           </a:xfrm>
         </p:spPr>
         <p:txBody>
@@ -13321,7 +13325,46 @@
             </a:pPr>
             <a:r>
               <a:rPr lang="en-US" sz="3200" dirty="0"/>
-              <a:t>TEXT</a:t>
+              <a:t>Identify fashion trends</a:t>
+            </a:r>
+          </a:p>
+          <a:p>
+            <a:pPr marL="342900" indent="-342900">
+              <a:buClr>
+                <a:schemeClr val="accent2"/>
+              </a:buClr>
+              <a:buFont typeface="Arial" panose="020B0604020202020204" pitchFamily="34" charset="0"/>
+              <a:buChar char="•"/>
+            </a:pPr>
+            <a:r>
+              <a:rPr lang="en-US" sz="3200" dirty="0"/>
+              <a:t>Input on what direction large companies are heading</a:t>
+            </a:r>
+          </a:p>
+          <a:p>
+            <a:pPr marL="342900" indent="-342900">
+              <a:buClr>
+                <a:schemeClr val="accent2"/>
+              </a:buClr>
+              <a:buFont typeface="Arial" panose="020B0604020202020204" pitchFamily="34" charset="0"/>
+              <a:buChar char="•"/>
+            </a:pPr>
+            <a:r>
+              <a:rPr lang="en-US" sz="3200" dirty="0"/>
+              <a:t>Insight into public opinion</a:t>
+            </a:r>
+          </a:p>
+          <a:p>
+            <a:pPr marL="342900" indent="-342900">
+              <a:buClr>
+                <a:schemeClr val="accent2"/>
+              </a:buClr>
+              <a:buFont typeface="Arial" panose="020B0604020202020204" pitchFamily="34" charset="0"/>
+              <a:buChar char="•"/>
+            </a:pPr>
+            <a:r>
+              <a:rPr lang="en-US" sz="3200" b="1" dirty="0"/>
+              <a:t>Helps to guide decisions around marketing and product development for our firm</a:t>
             </a:r>
           </a:p>
           <a:p>
@@ -13416,10 +13459,74 @@
           </a:p>
         </p:txBody>
       </p:sp>
+      <p:pic>
+        <p:nvPicPr>
+          <p:cNvPr id="9" name="Picture Placeholder 58">
+            <a:extLst>
+              <a:ext uri="{FF2B5EF4-FFF2-40B4-BE49-F238E27FC236}">
+                <a16:creationId xmlns:a16="http://schemas.microsoft.com/office/drawing/2014/main" id="{94192711-1E99-4CE6-AF9A-B3BAF1B18E82}"/>
+              </a:ext>
+            </a:extLst>
+          </p:cNvPr>
+          <p:cNvPicPr>
+            <a:picLocks noChangeAspect="1"/>
+          </p:cNvPicPr>
+          <p:nvPr/>
+        </p:nvPicPr>
+        <p:blipFill rotWithShape="1">
+          <a:blip r:embed="rId2"/>
+          <a:srcRect l="9189" t="169" r="43097" b="-169"/>
+          <a:stretch/>
+        </p:blipFill>
+        <p:spPr>
+          <a:xfrm>
+            <a:off x="6180333" y="1444245"/>
+            <a:ext cx="6021821" cy="5422900"/>
+          </a:xfrm>
+          <a:custGeom>
+            <a:avLst/>
+            <a:gdLst>
+              <a:gd name="connsiteX0" fmla="*/ 6021821 w 6021821"/>
+              <a:gd name="connsiteY0" fmla="*/ 0 h 5422900"/>
+              <a:gd name="connsiteX1" fmla="*/ 6021821 w 6021821"/>
+              <a:gd name="connsiteY1" fmla="*/ 5422900 h 5422900"/>
+              <a:gd name="connsiteX2" fmla="*/ 0 w 6021821"/>
+              <a:gd name="connsiteY2" fmla="*/ 5422900 h 5422900"/>
+            </a:gdLst>
+            <a:ahLst/>
+            <a:cxnLst>
+              <a:cxn ang="0">
+                <a:pos x="connsiteX0" y="connsiteY0"/>
+              </a:cxn>
+              <a:cxn ang="0">
+                <a:pos x="connsiteX1" y="connsiteY1"/>
+              </a:cxn>
+              <a:cxn ang="0">
+                <a:pos x="connsiteX2" y="connsiteY2"/>
+              </a:cxn>
+            </a:cxnLst>
+            <a:rect l="l" t="t" r="r" b="b"/>
+            <a:pathLst>
+              <a:path w="6021821" h="5422900">
+                <a:moveTo>
+                  <a:pt x="6021821" y="0"/>
+                </a:moveTo>
+                <a:lnTo>
+                  <a:pt x="6021821" y="5422900"/>
+                </a:lnTo>
+                <a:lnTo>
+                  <a:pt x="0" y="5422900"/>
+                </a:lnTo>
+                <a:close/>
+              </a:path>
+            </a:pathLst>
+          </a:custGeom>
+        </p:spPr>
+      </p:pic>
     </p:spTree>
     <p:extLst>
       <p:ext uri="{BB962C8B-B14F-4D97-AF65-F5344CB8AC3E}">
-        <p14:creationId xmlns:p14="http://schemas.microsoft.com/office/powerpoint/2010/main" val="4052275316"/>
+        <p14:creationId xmlns:p14="http://schemas.microsoft.com/office/powerpoint/2010/main" val="3501123686"/>
       </p:ext>
     </p:extLst>
   </p:cSld>
@@ -13448,10 +13555,10 @@
       </p:grpSpPr>
       <p:sp>
         <p:nvSpPr>
-          <p:cNvPr id="4" name="Title 3">
-            <a:extLst>
-              <a:ext uri="{FF2B5EF4-FFF2-40B4-BE49-F238E27FC236}">
-                <a16:creationId xmlns:a16="http://schemas.microsoft.com/office/drawing/2014/main" id="{2A56B823-BF6B-45EC-8E26-5DB95B006EF8}"/>
+          <p:cNvPr id="18" name="Title 13">
+            <a:extLst>
+              <a:ext uri="{FF2B5EF4-FFF2-40B4-BE49-F238E27FC236}">
+                <a16:creationId xmlns:a16="http://schemas.microsoft.com/office/drawing/2014/main" id="{92896B42-4638-40D0-8887-7AB8D1D86B3D}"/>
               </a:ext>
             </a:extLst>
           </p:cNvPr>
@@ -13462,6 +13569,308 @@
             <p:ph type="title"/>
           </p:nvPr>
         </p:nvSpPr>
+        <p:spPr/>
+        <p:txBody>
+          <a:bodyPr/>
+          <a:lstStyle/>
+          <a:p>
+            <a:r>
+              <a:rPr lang="en-US" dirty="0"/>
+              <a:t>Challenges</a:t>
+            </a:r>
+            <a:endParaRPr lang="en-US" b="0" dirty="0"/>
+          </a:p>
+        </p:txBody>
+      </p:sp>
+      <p:sp>
+        <p:nvSpPr>
+          <p:cNvPr id="33" name="Text Placeholder 32">
+            <a:extLst>
+              <a:ext uri="{FF2B5EF4-FFF2-40B4-BE49-F238E27FC236}">
+                <a16:creationId xmlns:a16="http://schemas.microsoft.com/office/drawing/2014/main" id="{7CFD0302-279C-8A48-9E27-AD5B08D6501E}"/>
+              </a:ext>
+            </a:extLst>
+          </p:cNvPr>
+          <p:cNvSpPr>
+            <a:spLocks noGrp="1"/>
+          </p:cNvSpPr>
+          <p:nvPr>
+            <p:ph type="body" sz="quarter" idx="19"/>
+          </p:nvPr>
+        </p:nvSpPr>
+        <p:spPr>
+          <a:xfrm>
+            <a:off x="518678" y="2005762"/>
+            <a:ext cx="7189714" cy="4084142"/>
+          </a:xfrm>
+        </p:spPr>
+        <p:txBody>
+          <a:bodyPr/>
+          <a:lstStyle/>
+          <a:p>
+            <a:pPr marL="342900" indent="-342900">
+              <a:buClr>
+                <a:schemeClr val="accent2"/>
+              </a:buClr>
+              <a:buFont typeface="Arial" panose="020B0604020202020204" pitchFamily="34" charset="0"/>
+              <a:buChar char="•"/>
+            </a:pPr>
+            <a:r>
+              <a:rPr lang="en-US" sz="3200" dirty="0"/>
+              <a:t>Working with new python packages</a:t>
+            </a:r>
+          </a:p>
+          <a:p>
+            <a:pPr marL="342900" indent="-342900">
+              <a:buClr>
+                <a:schemeClr val="accent2"/>
+              </a:buClr>
+              <a:buFont typeface="Arial" panose="020B0604020202020204" pitchFamily="34" charset="0"/>
+              <a:buChar char="•"/>
+            </a:pPr>
+            <a:r>
+              <a:rPr lang="en-US" sz="3200" dirty="0"/>
+              <a:t>NLTK concept and application</a:t>
+            </a:r>
+          </a:p>
+          <a:p>
+            <a:pPr marL="342900" indent="-342900">
+              <a:buClr>
+                <a:schemeClr val="accent2"/>
+              </a:buClr>
+              <a:buFont typeface="Arial" panose="020B0604020202020204" pitchFamily="34" charset="0"/>
+              <a:buChar char="•"/>
+            </a:pPr>
+            <a:r>
+              <a:rPr lang="en-US" sz="3200" dirty="0"/>
+              <a:t>Twitter API access</a:t>
+            </a:r>
+          </a:p>
+          <a:p>
+            <a:pPr marL="342900" indent="-342900">
+              <a:buClr>
+                <a:schemeClr val="accent2"/>
+              </a:buClr>
+              <a:buFont typeface="Arial" panose="020B0604020202020204" pitchFamily="34" charset="0"/>
+              <a:buChar char="•"/>
+            </a:pPr>
+            <a:r>
+              <a:rPr lang="en-US" sz="3200" dirty="0"/>
+              <a:t>Visualizing the data</a:t>
+            </a:r>
+          </a:p>
+          <a:p>
+            <a:pPr marL="342900" indent="-342900">
+              <a:buClr>
+                <a:schemeClr val="accent2"/>
+              </a:buClr>
+              <a:buFont typeface="Arial" panose="020B0604020202020204" pitchFamily="34" charset="0"/>
+              <a:buChar char="•"/>
+            </a:pPr>
+            <a:endParaRPr lang="en-US" sz="3200" dirty="0"/>
+          </a:p>
+          <a:p>
+            <a:pPr>
+              <a:buClr>
+                <a:schemeClr val="accent2"/>
+              </a:buClr>
+            </a:pPr>
+            <a:endParaRPr lang="en-US" sz="2800" dirty="0"/>
+          </a:p>
+        </p:txBody>
+      </p:sp>
+      <p:sp>
+        <p:nvSpPr>
+          <p:cNvPr id="4" name="Slide Number Placeholder 3">
+            <a:extLst>
+              <a:ext uri="{FF2B5EF4-FFF2-40B4-BE49-F238E27FC236}">
+                <a16:creationId xmlns:a16="http://schemas.microsoft.com/office/drawing/2014/main" id="{B2228214-87DB-4B3A-BD81-9A709A69BAAC}"/>
+              </a:ext>
+            </a:extLst>
+          </p:cNvPr>
+          <p:cNvSpPr>
+            <a:spLocks noGrp="1"/>
+          </p:cNvSpPr>
+          <p:nvPr>
+            <p:ph type="sldNum" sz="quarter" idx="18"/>
+          </p:nvPr>
+        </p:nvSpPr>
+        <p:spPr/>
+        <p:txBody>
+          <a:bodyPr/>
+          <a:lstStyle/>
+          <a:p>
+            <a:fld id="{8699F50C-BE38-4BD0-BA84-9B090E1F2B9B}" type="slidenum">
+              <a:rPr lang="en-US" smtClean="0"/>
+              <a:pPr/>
+              <a:t>11</a:t>
+            </a:fld>
+            <a:endParaRPr lang="en-US" dirty="0"/>
+          </a:p>
+        </p:txBody>
+      </p:sp>
+      <p:sp>
+        <p:nvSpPr>
+          <p:cNvPr id="8" name="Rectangle 7">
+            <a:extLst>
+              <a:ext uri="{FF2B5EF4-FFF2-40B4-BE49-F238E27FC236}">
+                <a16:creationId xmlns:a16="http://schemas.microsoft.com/office/drawing/2014/main" id="{6F9714D7-847D-42AD-91A8-060CEF90428C}"/>
+              </a:ext>
+            </a:extLst>
+          </p:cNvPr>
+          <p:cNvSpPr/>
+          <p:nvPr/>
+        </p:nvSpPr>
+        <p:spPr>
+          <a:xfrm>
+            <a:off x="11146971" y="292608"/>
+            <a:ext cx="667077" cy="484632"/>
+          </a:xfrm>
+          <a:prstGeom prst="rect">
+            <a:avLst/>
+          </a:prstGeom>
+          <a:solidFill>
+            <a:schemeClr val="bg1"/>
+          </a:solidFill>
+          <a:ln>
+            <a:noFill/>
+          </a:ln>
+        </p:spPr>
+        <p:style>
+          <a:lnRef idx="2">
+            <a:schemeClr val="accent1">
+              <a:shade val="50000"/>
+            </a:schemeClr>
+          </a:lnRef>
+          <a:fillRef idx="1">
+            <a:schemeClr val="accent1"/>
+          </a:fillRef>
+          <a:effectRef idx="0">
+            <a:schemeClr val="accent1"/>
+          </a:effectRef>
+          <a:fontRef idx="minor">
+            <a:schemeClr val="lt1"/>
+          </a:fontRef>
+        </p:style>
+        <p:txBody>
+          <a:bodyPr rtlCol="0" anchor="ctr"/>
+          <a:lstStyle/>
+          <a:p>
+            <a:pPr algn="ctr"/>
+            <a:endParaRPr lang="en-US"/>
+          </a:p>
+        </p:txBody>
+      </p:sp>
+      <p:pic>
+        <p:nvPicPr>
+          <p:cNvPr id="6" name="Picture Placeholder 58">
+            <a:extLst>
+              <a:ext uri="{FF2B5EF4-FFF2-40B4-BE49-F238E27FC236}">
+                <a16:creationId xmlns:a16="http://schemas.microsoft.com/office/drawing/2014/main" id="{3C280E97-E9D1-4372-8655-0329B8783506}"/>
+              </a:ext>
+            </a:extLst>
+          </p:cNvPr>
+          <p:cNvPicPr>
+            <a:picLocks noChangeAspect="1"/>
+          </p:cNvPicPr>
+          <p:nvPr/>
+        </p:nvPicPr>
+        <p:blipFill>
+          <a:blip r:embed="rId2"/>
+          <a:srcRect l="13022" r="13022"/>
+          <a:stretch/>
+        </p:blipFill>
+        <p:spPr>
+          <a:xfrm>
+            <a:off x="6180333" y="1444245"/>
+            <a:ext cx="6021821" cy="5422900"/>
+          </a:xfrm>
+          <a:custGeom>
+            <a:avLst/>
+            <a:gdLst>
+              <a:gd name="connsiteX0" fmla="*/ 6021821 w 6021821"/>
+              <a:gd name="connsiteY0" fmla="*/ 0 h 5422900"/>
+              <a:gd name="connsiteX1" fmla="*/ 6021821 w 6021821"/>
+              <a:gd name="connsiteY1" fmla="*/ 5422900 h 5422900"/>
+              <a:gd name="connsiteX2" fmla="*/ 0 w 6021821"/>
+              <a:gd name="connsiteY2" fmla="*/ 5422900 h 5422900"/>
+            </a:gdLst>
+            <a:ahLst/>
+            <a:cxnLst>
+              <a:cxn ang="0">
+                <a:pos x="connsiteX0" y="connsiteY0"/>
+              </a:cxn>
+              <a:cxn ang="0">
+                <a:pos x="connsiteX1" y="connsiteY1"/>
+              </a:cxn>
+              <a:cxn ang="0">
+                <a:pos x="connsiteX2" y="connsiteY2"/>
+              </a:cxn>
+            </a:cxnLst>
+            <a:rect l="l" t="t" r="r" b="b"/>
+            <a:pathLst>
+              <a:path w="6021821" h="5422900">
+                <a:moveTo>
+                  <a:pt x="6021821" y="0"/>
+                </a:moveTo>
+                <a:lnTo>
+                  <a:pt x="6021821" y="5422900"/>
+                </a:lnTo>
+                <a:lnTo>
+                  <a:pt x="0" y="5422900"/>
+                </a:lnTo>
+                <a:close/>
+              </a:path>
+            </a:pathLst>
+          </a:custGeom>
+        </p:spPr>
+      </p:pic>
+    </p:spTree>
+    <p:extLst>
+      <p:ext uri="{BB962C8B-B14F-4D97-AF65-F5344CB8AC3E}">
+        <p14:creationId xmlns:p14="http://schemas.microsoft.com/office/powerpoint/2010/main" val="4052275316"/>
+      </p:ext>
+    </p:extLst>
+  </p:cSld>
+  <p:clrMapOvr>
+    <a:masterClrMapping/>
+  </p:clrMapOvr>
+</p:sld>
+</file>
+
+<file path=ppt/slides/slide12.xml><?xml version="1.0" encoding="utf-8"?>
+<p:sld xmlns:a="http://schemas.openxmlformats.org/drawingml/2006/main" xmlns:r="http://schemas.openxmlformats.org/officeDocument/2006/relationships" xmlns:p="http://schemas.openxmlformats.org/presentationml/2006/main">
+  <p:cSld>
+    <p:spTree>
+      <p:nvGrpSpPr>
+        <p:cNvPr id="1" name=""/>
+        <p:cNvGrpSpPr/>
+        <p:nvPr/>
+      </p:nvGrpSpPr>
+      <p:grpSpPr>
+        <a:xfrm>
+          <a:off x="0" y="0"/>
+          <a:ext cx="0" cy="0"/>
+          <a:chOff x="0" y="0"/>
+          <a:chExt cx="0" cy="0"/>
+        </a:xfrm>
+      </p:grpSpPr>
+      <p:sp>
+        <p:nvSpPr>
+          <p:cNvPr id="4" name="Title 3">
+            <a:extLst>
+              <a:ext uri="{FF2B5EF4-FFF2-40B4-BE49-F238E27FC236}">
+                <a16:creationId xmlns:a16="http://schemas.microsoft.com/office/drawing/2014/main" id="{2A56B823-BF6B-45EC-8E26-5DB95B006EF8}"/>
+              </a:ext>
+            </a:extLst>
+          </p:cNvPr>
+          <p:cNvSpPr>
+            <a:spLocks noGrp="1"/>
+          </p:cNvSpPr>
+          <p:nvPr>
+            <p:ph type="title"/>
+          </p:nvPr>
+        </p:nvSpPr>
         <p:spPr>
           <a:xfrm>
             <a:off x="394218" y="3429000"/>
@@ -13502,7 +13911,7 @@
           <a:p>
             <a:fld id="{8699F50C-BE38-4BD0-BA84-9B090E1F2B9B}" type="slidenum">
               <a:rPr lang="en-US" noProof="0" smtClean="0"/>
-              <a:t>11</a:t>
+              <a:t>12</a:t>
             </a:fld>
             <a:endParaRPr lang="en-US" noProof="0" dirty="0"/>
           </a:p>
@@ -14106,7 +14515,7 @@
             <a:pPr lvl="1"/>
             <a:r>
               <a:rPr lang="en-US" dirty="0"/>
-              <a:t>2020-03-01 to Present</a:t>
+              <a:t>2020-11-01 to Present</a:t>
             </a:r>
           </a:p>
           <a:p>
@@ -14120,7 +14529,7 @@
             <a:pPr lvl="1"/>
             <a:r>
               <a:rPr lang="en-US" dirty="0"/>
-              <a:t>Index of 1,500 values</a:t>
+              <a:t>Index of 2,400 values</a:t>
             </a:r>
           </a:p>
         </p:txBody>
@@ -14181,7 +14590,7 @@
           </a:bodyPr>
           <a:lstStyle/>
           <a:p>
-            <a:pPr algn="l">
+            <a:pPr>
               <a:buFont typeface="+mj-lt"/>
               <a:buAutoNum type="arabicPeriod"/>
             </a:pPr>
@@ -14193,7 +14602,7 @@
                 <a:effectLst/>
                 <a:latin typeface="-apple-system"/>
               </a:rPr>
-              <a:t> Fashion Nova - @FashionNova</a:t>
+              <a:t> Gucci - #gucci</a:t>
             </a:r>
           </a:p>
           <a:p>
@@ -14209,7 +14618,7 @@
                 <a:effectLst/>
                 <a:latin typeface="-apple-system"/>
               </a:rPr>
-              <a:t> Nike - @Nike</a:t>
+              <a:t> Polo - #polo</a:t>
             </a:r>
           </a:p>
           <a:p>
@@ -14225,7 +14634,7 @@
                 <a:effectLst/>
                 <a:latin typeface="-apple-system"/>
               </a:rPr>
-              <a:t> Victoria's Secret - @VictoriasSecret</a:t>
+              <a:t> Chanel - #chanel</a:t>
             </a:r>
           </a:p>
           <a:p>
@@ -14241,8 +14650,24 @@
                 <a:effectLst/>
                 <a:latin typeface="-apple-system"/>
               </a:rPr>
-              <a:t> Urban Outfitters - @UrbanOutfitters</a:t>
-            </a:r>
+              <a:t> </a:t>
+            </a:r>
+            <a:r>
+              <a:rPr lang="en-US" dirty="0">
+                <a:solidFill>
+                  <a:srgbClr val="24292E"/>
+                </a:solidFill>
+                <a:latin typeface="-apple-system"/>
+              </a:rPr>
+              <a:t>Burberry - #burberry</a:t>
+            </a:r>
+            <a:endParaRPr lang="en-US" b="0" i="0" dirty="0">
+              <a:solidFill>
+                <a:srgbClr val="24292E"/>
+              </a:solidFill>
+              <a:effectLst/>
+              <a:latin typeface="-apple-system"/>
+            </a:endParaRPr>
           </a:p>
           <a:p>
             <a:pPr algn="l">
@@ -14257,7 +14682,7 @@
                 <a:effectLst/>
                 <a:latin typeface="-apple-system"/>
               </a:rPr>
-              <a:t> Guess - @GUESS</a:t>
+              <a:t> Prada - #prada</a:t>
             </a:r>
           </a:p>
           <a:p>
@@ -14273,7 +14698,7 @@
                 <a:effectLst/>
                 <a:latin typeface="-apple-system"/>
               </a:rPr>
-              <a:t> Gucci - @gucci</a:t>
+              <a:t> Versace - #versace</a:t>
             </a:r>
           </a:p>
           <a:p>
@@ -14289,7 +14714,7 @@
                 <a:effectLst/>
                 <a:latin typeface="-apple-system"/>
               </a:rPr>
-              <a:t> Louis Vuitton - @LouisVuitton</a:t>
+              <a:t> Fendi - #fendi</a:t>
             </a:r>
           </a:p>
           <a:p>
@@ -14298,15 +14723,21 @@
               <a:buAutoNum type="arabicPeriod"/>
             </a:pPr>
             <a:r>
-              <a:rPr lang="en-US" b="0" i="0" dirty="0">
+              <a:rPr lang="en-US" dirty="0">
                 <a:solidFill>
                   <a:srgbClr val="24292E"/>
                 </a:solidFill>
-                <a:effectLst/>
                 <a:latin typeface="-apple-system"/>
               </a:rPr>
-              <a:t> Mango - @Mango</a:t>
-            </a:r>
+              <a:t> Hermes - #hermes</a:t>
+            </a:r>
+            <a:endParaRPr lang="en-US" b="0" i="0" dirty="0">
+              <a:solidFill>
+                <a:srgbClr val="24292E"/>
+              </a:solidFill>
+              <a:effectLst/>
+              <a:latin typeface="-apple-system"/>
+            </a:endParaRPr>
           </a:p>
         </p:txBody>
       </p:sp>
@@ -14937,10 +15368,10 @@
       </p:grpSpPr>
       <p:sp>
         <p:nvSpPr>
-          <p:cNvPr id="18" name="Title 13">
-            <a:extLst>
-              <a:ext uri="{FF2B5EF4-FFF2-40B4-BE49-F238E27FC236}">
-                <a16:creationId xmlns:a16="http://schemas.microsoft.com/office/drawing/2014/main" id="{92896B42-4638-40D0-8887-7AB8D1D86B3D}"/>
+          <p:cNvPr id="41" name="Title 3">
+            <a:extLst>
+              <a:ext uri="{FF2B5EF4-FFF2-40B4-BE49-F238E27FC236}">
+                <a16:creationId xmlns:a16="http://schemas.microsoft.com/office/drawing/2014/main" id="{1ABD613F-111C-41D6-9F8E-8B2C42A5E047}"/>
               </a:ext>
             </a:extLst>
           </p:cNvPr>
@@ -14958,6 +15389,304 @@
           <a:p>
             <a:r>
               <a:rPr lang="en-US" dirty="0"/>
+              <a:t>Python </a:t>
+            </a:r>
+            <a:r>
+              <a:rPr lang="en-US" b="0" dirty="0"/>
+              <a:t>Packages</a:t>
+            </a:r>
+          </a:p>
+        </p:txBody>
+      </p:sp>
+      <p:sp>
+        <p:nvSpPr>
+          <p:cNvPr id="43" name="Text Placeholder 8">
+            <a:extLst>
+              <a:ext uri="{FF2B5EF4-FFF2-40B4-BE49-F238E27FC236}">
+                <a16:creationId xmlns:a16="http://schemas.microsoft.com/office/drawing/2014/main" id="{EA7C22CB-613A-4C0B-90B3-4A405F793D3C}"/>
+              </a:ext>
+            </a:extLst>
+          </p:cNvPr>
+          <p:cNvSpPr>
+            <a:spLocks noGrp="1"/>
+          </p:cNvSpPr>
+          <p:nvPr>
+            <p:ph type="body" sz="quarter" idx="13"/>
+          </p:nvPr>
+        </p:nvSpPr>
+        <p:spPr/>
+        <p:txBody>
+          <a:bodyPr/>
+          <a:lstStyle/>
+          <a:p>
+            <a:r>
+              <a:rPr lang="en-US" dirty="0"/>
+              <a:t>Data Analysis Tools Used</a:t>
+            </a:r>
+          </a:p>
+        </p:txBody>
+      </p:sp>
+      <p:sp>
+        <p:nvSpPr>
+          <p:cNvPr id="42" name="Content Placeholder 6">
+            <a:extLst>
+              <a:ext uri="{FF2B5EF4-FFF2-40B4-BE49-F238E27FC236}">
+                <a16:creationId xmlns:a16="http://schemas.microsoft.com/office/drawing/2014/main" id="{55EACD59-7C51-4810-94C6-BCB4D12346DC}"/>
+              </a:ext>
+            </a:extLst>
+          </p:cNvPr>
+          <p:cNvSpPr>
+            <a:spLocks noGrp="1"/>
+          </p:cNvSpPr>
+          <p:nvPr>
+            <p:ph idx="1"/>
+          </p:nvPr>
+        </p:nvSpPr>
+        <p:spPr>
+          <a:xfrm>
+            <a:off x="531378" y="3196915"/>
+            <a:ext cx="6021821" cy="2958275"/>
+          </a:xfrm>
+        </p:spPr>
+        <p:txBody>
+          <a:bodyPr>
+            <a:normAutofit fontScale="85000" lnSpcReduction="20000"/>
+          </a:bodyPr>
+          <a:lstStyle/>
+          <a:p>
+            <a:pPr lvl="0"/>
+            <a:r>
+              <a:rPr lang="en-US" dirty="0"/>
+              <a:t>NLTK (Natural Language Tool Kit)</a:t>
+            </a:r>
+          </a:p>
+          <a:p>
+            <a:pPr lvl="0"/>
+            <a:r>
+              <a:rPr lang="en-US" dirty="0" err="1"/>
+              <a:t>Tweepy</a:t>
+            </a:r>
+            <a:endParaRPr lang="en-US" dirty="0"/>
+          </a:p>
+          <a:p>
+            <a:pPr lvl="0"/>
+            <a:r>
+              <a:rPr lang="en-US" dirty="0" err="1"/>
+              <a:t>TextBlob</a:t>
+            </a:r>
+            <a:endParaRPr lang="en-US" dirty="0"/>
+          </a:p>
+          <a:p>
+            <a:pPr lvl="1"/>
+            <a:r>
+              <a:rPr lang="en-US" dirty="0"/>
+              <a:t>Natural Language Processing (NLP)</a:t>
+            </a:r>
+          </a:p>
+          <a:p>
+            <a:pPr lvl="1"/>
+            <a:r>
+              <a:rPr lang="en-US" dirty="0"/>
+              <a:t>Accesses a pattern library to assign values</a:t>
+            </a:r>
+          </a:p>
+          <a:p>
+            <a:pPr lvl="1"/>
+            <a:r>
+              <a:rPr lang="en-US" dirty="0"/>
+              <a:t>Assessed Values:</a:t>
+            </a:r>
+          </a:p>
+          <a:p>
+            <a:pPr lvl="2"/>
+            <a:r>
+              <a:rPr lang="en-US" dirty="0"/>
+              <a:t>Polarity: Negative vs. Positive (-1.0 =&gt; +1.0)</a:t>
+            </a:r>
+          </a:p>
+          <a:p>
+            <a:pPr lvl="2"/>
+            <a:r>
+              <a:rPr lang="en-US" dirty="0"/>
+              <a:t>Subjectivity: Objective vs. Subjective (+0.0 =&gt; +1.0)</a:t>
+            </a:r>
+          </a:p>
+          <a:p>
+            <a:pPr lvl="2"/>
+            <a:r>
+              <a:rPr lang="en-US" dirty="0"/>
+              <a:t>Intensity: Modifies next word? (x0.5 =&gt; x2.0)</a:t>
+            </a:r>
+          </a:p>
+          <a:p>
+            <a:pPr lvl="1"/>
+            <a:r>
+              <a:rPr lang="en-US" dirty="0"/>
+              <a:t>Identifies words and phrases it can identify, assigns values, and calculates overall score</a:t>
+            </a:r>
+          </a:p>
+        </p:txBody>
+      </p:sp>
+      <p:pic>
+        <p:nvPicPr>
+          <p:cNvPr id="59" name="Picture Placeholder 58" title="Buildings">
+            <a:extLst>
+              <a:ext uri="{FF2B5EF4-FFF2-40B4-BE49-F238E27FC236}">
+                <a16:creationId xmlns:a16="http://schemas.microsoft.com/office/drawing/2014/main" id="{3FCCC668-2247-4814-9CC5-9C5D4B447AA3}"/>
+              </a:ext>
+            </a:extLst>
+          </p:cNvPr>
+          <p:cNvPicPr>
+            <a:picLocks noGrp="1" noChangeAspect="1"/>
+          </p:cNvPicPr>
+          <p:nvPr>
+            <p:ph type="pic" sz="quarter" idx="14"/>
+          </p:nvPr>
+        </p:nvPicPr>
+        <p:blipFill>
+          <a:blip r:embed="rId2"/>
+          <a:srcRect l="13492" r="13492"/>
+          <a:stretch>
+            <a:fillRect/>
+          </a:stretch>
+        </p:blipFill>
+        <p:spPr/>
+      </p:pic>
+      <p:sp>
+        <p:nvSpPr>
+          <p:cNvPr id="10" name="Slide Number Placeholder 9">
+            <a:extLst>
+              <a:ext uri="{FF2B5EF4-FFF2-40B4-BE49-F238E27FC236}">
+                <a16:creationId xmlns:a16="http://schemas.microsoft.com/office/drawing/2014/main" id="{A267D224-5586-43DC-82CA-8605E158298B}"/>
+              </a:ext>
+            </a:extLst>
+          </p:cNvPr>
+          <p:cNvSpPr>
+            <a:spLocks noGrp="1"/>
+          </p:cNvSpPr>
+          <p:nvPr>
+            <p:ph type="sldNum" sz="quarter" idx="16"/>
+          </p:nvPr>
+        </p:nvSpPr>
+        <p:spPr/>
+        <p:txBody>
+          <a:bodyPr/>
+          <a:lstStyle/>
+          <a:p>
+            <a:fld id="{8699F50C-BE38-4BD0-BA84-9B090E1F2B9B}" type="slidenum">
+              <a:rPr lang="en-US" smtClean="0"/>
+              <a:pPr/>
+              <a:t>6</a:t>
+            </a:fld>
+            <a:endParaRPr lang="en-US" dirty="0"/>
+          </a:p>
+        </p:txBody>
+      </p:sp>
+      <p:sp>
+        <p:nvSpPr>
+          <p:cNvPr id="2" name="Rectangle 1">
+            <a:extLst>
+              <a:ext uri="{FF2B5EF4-FFF2-40B4-BE49-F238E27FC236}">
+                <a16:creationId xmlns:a16="http://schemas.microsoft.com/office/drawing/2014/main" id="{2D890271-CBC4-4689-9182-78E90D5C4A62}"/>
+              </a:ext>
+            </a:extLst>
+          </p:cNvPr>
+          <p:cNvSpPr/>
+          <p:nvPr/>
+        </p:nvSpPr>
+        <p:spPr>
+          <a:xfrm>
+            <a:off x="11146971" y="292608"/>
+            <a:ext cx="667077" cy="484632"/>
+          </a:xfrm>
+          <a:prstGeom prst="rect">
+            <a:avLst/>
+          </a:prstGeom>
+          <a:solidFill>
+            <a:schemeClr val="tx2"/>
+          </a:solidFill>
+          <a:ln>
+            <a:noFill/>
+          </a:ln>
+        </p:spPr>
+        <p:style>
+          <a:lnRef idx="2">
+            <a:schemeClr val="accent1">
+              <a:shade val="50000"/>
+            </a:schemeClr>
+          </a:lnRef>
+          <a:fillRef idx="1">
+            <a:schemeClr val="accent1"/>
+          </a:fillRef>
+          <a:effectRef idx="0">
+            <a:schemeClr val="accent1"/>
+          </a:effectRef>
+          <a:fontRef idx="minor">
+            <a:schemeClr val="lt1"/>
+          </a:fontRef>
+        </p:style>
+        <p:txBody>
+          <a:bodyPr rtlCol="0" anchor="ctr"/>
+          <a:lstStyle/>
+          <a:p>
+            <a:pPr algn="ctr"/>
+            <a:endParaRPr lang="en-US"/>
+          </a:p>
+        </p:txBody>
+      </p:sp>
+    </p:spTree>
+    <p:extLst>
+      <p:ext uri="{BB962C8B-B14F-4D97-AF65-F5344CB8AC3E}">
+        <p14:creationId xmlns:p14="http://schemas.microsoft.com/office/powerpoint/2010/main" val="2449607994"/>
+      </p:ext>
+    </p:extLst>
+  </p:cSld>
+  <p:clrMapOvr>
+    <a:masterClrMapping/>
+  </p:clrMapOvr>
+</p:sld>
+</file>
+
+<file path=ppt/slides/slide7.xml><?xml version="1.0" encoding="utf-8"?>
+<p:sld xmlns:a="http://schemas.openxmlformats.org/drawingml/2006/main" xmlns:r="http://schemas.openxmlformats.org/officeDocument/2006/relationships" xmlns:p="http://schemas.openxmlformats.org/presentationml/2006/main">
+  <p:cSld>
+    <p:spTree>
+      <p:nvGrpSpPr>
+        <p:cNvPr id="1" name=""/>
+        <p:cNvGrpSpPr/>
+        <p:nvPr/>
+      </p:nvGrpSpPr>
+      <p:grpSpPr>
+        <a:xfrm>
+          <a:off x="0" y="0"/>
+          <a:ext cx="0" cy="0"/>
+          <a:chOff x="0" y="0"/>
+          <a:chExt cx="0" cy="0"/>
+        </a:xfrm>
+      </p:grpSpPr>
+      <p:sp>
+        <p:nvSpPr>
+          <p:cNvPr id="18" name="Title 13">
+            <a:extLst>
+              <a:ext uri="{FF2B5EF4-FFF2-40B4-BE49-F238E27FC236}">
+                <a16:creationId xmlns:a16="http://schemas.microsoft.com/office/drawing/2014/main" id="{92896B42-4638-40D0-8887-7AB8D1D86B3D}"/>
+              </a:ext>
+            </a:extLst>
+          </p:cNvPr>
+          <p:cNvSpPr>
+            <a:spLocks noGrp="1"/>
+          </p:cNvSpPr>
+          <p:nvPr>
+            <p:ph type="title"/>
+          </p:nvPr>
+        </p:nvSpPr>
+        <p:spPr/>
+        <p:txBody>
+          <a:bodyPr/>
+          <a:lstStyle/>
+          <a:p>
+            <a:r>
+              <a:rPr lang="en-US" dirty="0"/>
               <a:t>Data </a:t>
             </a:r>
             <a:r>
@@ -15013,8 +15742,8 @@
         </p:nvSpPr>
         <p:spPr>
           <a:xfrm>
-            <a:off x="518678" y="2005762"/>
-            <a:ext cx="6285567" cy="1624465"/>
+            <a:off x="518678" y="2289861"/>
+            <a:ext cx="7637770" cy="3260547"/>
           </a:xfrm>
         </p:spPr>
         <p:txBody>
@@ -15030,8 +15759,107 @@
             </a:pPr>
             <a:r>
               <a:rPr lang="en-US" sz="3200" dirty="0"/>
-              <a:t>TEXT</a:t>
-            </a:r>
+              <a:t>Read data into python using API</a:t>
+            </a:r>
+          </a:p>
+          <a:p>
+            <a:pPr marL="342900" indent="-342900">
+              <a:buClr>
+                <a:schemeClr val="accent2"/>
+              </a:buClr>
+              <a:buFont typeface="Arial" panose="020B0604020202020204" pitchFamily="34" charset="0"/>
+              <a:buChar char="•"/>
+            </a:pPr>
+            <a:r>
+              <a:rPr lang="en-US" sz="3200" dirty="0"/>
+              <a:t>Standardized the data by removing URLs</a:t>
+            </a:r>
+          </a:p>
+          <a:p>
+            <a:pPr marL="342900" indent="-342900">
+              <a:buClr>
+                <a:schemeClr val="accent2"/>
+              </a:buClr>
+              <a:buFont typeface="Arial" panose="020B0604020202020204" pitchFamily="34" charset="0"/>
+              <a:buChar char="•"/>
+            </a:pPr>
+            <a:r>
+              <a:rPr lang="en-US" sz="3200" dirty="0"/>
+              <a:t>Set sample size by Twitter handle</a:t>
+            </a:r>
+          </a:p>
+          <a:p>
+            <a:pPr marL="800100" lvl="1" indent="-342900">
+              <a:buClr>
+                <a:schemeClr val="accent2"/>
+              </a:buClr>
+              <a:buFont typeface="Arial" panose="020B0604020202020204" pitchFamily="34" charset="0"/>
+              <a:buChar char="•"/>
+            </a:pPr>
+            <a:r>
+              <a:rPr lang="en-US" sz="2800" dirty="0">
+                <a:solidFill>
+                  <a:schemeClr val="tx1"/>
+                </a:solidFill>
+              </a:rPr>
+              <a:t>300 samples per handle</a:t>
+            </a:r>
+            <a:endParaRPr lang="en-US" sz="3200" dirty="0"/>
+          </a:p>
+          <a:p>
+            <a:pPr marL="342900" indent="-342900">
+              <a:buClr>
+                <a:schemeClr val="accent2"/>
+              </a:buClr>
+              <a:buFont typeface="Arial" panose="020B0604020202020204" pitchFamily="34" charset="0"/>
+              <a:buChar char="•"/>
+            </a:pPr>
+            <a:r>
+              <a:rPr lang="en-US" sz="3200" dirty="0"/>
+              <a:t>Defined sentiment objects </a:t>
+            </a:r>
+          </a:p>
+          <a:p>
+            <a:pPr marL="342900" indent="-342900">
+              <a:buClr>
+                <a:schemeClr val="accent2"/>
+              </a:buClr>
+              <a:buFont typeface="Arial" panose="020B0604020202020204" pitchFamily="34" charset="0"/>
+              <a:buChar char="•"/>
+            </a:pPr>
+            <a:r>
+              <a:rPr lang="en-US" sz="3200" dirty="0"/>
+              <a:t>Created </a:t>
+            </a:r>
+            <a:r>
+              <a:rPr lang="en-US" sz="3200" dirty="0" err="1"/>
+              <a:t>TextBlobs</a:t>
+            </a:r>
+            <a:r>
+              <a:rPr lang="en-US" sz="3200" dirty="0"/>
+              <a:t> for analysis</a:t>
+            </a:r>
+          </a:p>
+          <a:p>
+            <a:pPr>
+              <a:buClr>
+                <a:schemeClr val="accent2"/>
+              </a:buClr>
+            </a:pPr>
+            <a:endParaRPr lang="en-US" sz="3200" dirty="0"/>
+          </a:p>
+          <a:p>
+            <a:pPr marL="342900" indent="-342900">
+              <a:buClr>
+                <a:schemeClr val="accent2"/>
+              </a:buClr>
+              <a:buFont typeface="Arial" panose="020B0604020202020204" pitchFamily="34" charset="0"/>
+              <a:buChar char="•"/>
+            </a:pPr>
+            <a:endParaRPr lang="en-US" sz="2000" dirty="0">
+              <a:latin typeface="Courier New" panose="02070309020205020404" pitchFamily="49" charset="0"/>
+              <a:cs typeface="Courier New" panose="02070309020205020404" pitchFamily="49" charset="0"/>
+            </a:endParaRPr>
           </a:p>
           <a:p>
             <a:pPr>
@@ -15067,7 +15895,7 @@
             <a:fld id="{8699F50C-BE38-4BD0-BA84-9B090E1F2B9B}" type="slidenum">
               <a:rPr lang="en-US" smtClean="0"/>
               <a:pPr/>
-              <a:t>6</a:t>
+              <a:t>7</a:t>
             </a:fld>
             <a:endParaRPr lang="en-US" dirty="0"/>
           </a:p>
@@ -15125,6 +15953,70 @@
           </a:p>
         </p:txBody>
       </p:sp>
+      <p:pic>
+        <p:nvPicPr>
+          <p:cNvPr id="9" name="Picture Placeholder 58">
+            <a:extLst>
+              <a:ext uri="{FF2B5EF4-FFF2-40B4-BE49-F238E27FC236}">
+                <a16:creationId xmlns:a16="http://schemas.microsoft.com/office/drawing/2014/main" id="{0051086B-4EAF-4D14-AB94-7D7212779144}"/>
+              </a:ext>
+            </a:extLst>
+          </p:cNvPr>
+          <p:cNvPicPr>
+            <a:picLocks noChangeAspect="1"/>
+          </p:cNvPicPr>
+          <p:nvPr/>
+        </p:nvPicPr>
+        <p:blipFill rotWithShape="1">
+          <a:blip r:embed="rId2"/>
+          <a:srcRect l="8476" t="2637" r="-154" b="26087"/>
+          <a:stretch/>
+        </p:blipFill>
+        <p:spPr>
+          <a:xfrm>
+            <a:off x="6180333" y="1444245"/>
+            <a:ext cx="6021821" cy="5422900"/>
+          </a:xfrm>
+          <a:custGeom>
+            <a:avLst/>
+            <a:gdLst>
+              <a:gd name="connsiteX0" fmla="*/ 6021821 w 6021821"/>
+              <a:gd name="connsiteY0" fmla="*/ 0 h 5422900"/>
+              <a:gd name="connsiteX1" fmla="*/ 6021821 w 6021821"/>
+              <a:gd name="connsiteY1" fmla="*/ 5422900 h 5422900"/>
+              <a:gd name="connsiteX2" fmla="*/ 0 w 6021821"/>
+              <a:gd name="connsiteY2" fmla="*/ 5422900 h 5422900"/>
+            </a:gdLst>
+            <a:ahLst/>
+            <a:cxnLst>
+              <a:cxn ang="0">
+                <a:pos x="connsiteX0" y="connsiteY0"/>
+              </a:cxn>
+              <a:cxn ang="0">
+                <a:pos x="connsiteX1" y="connsiteY1"/>
+              </a:cxn>
+              <a:cxn ang="0">
+                <a:pos x="connsiteX2" y="connsiteY2"/>
+              </a:cxn>
+            </a:cxnLst>
+            <a:rect l="l" t="t" r="r" b="b"/>
+            <a:pathLst>
+              <a:path w="6021821" h="5422900">
+                <a:moveTo>
+                  <a:pt x="6021821" y="0"/>
+                </a:moveTo>
+                <a:lnTo>
+                  <a:pt x="6021821" y="5422900"/>
+                </a:lnTo>
+                <a:lnTo>
+                  <a:pt x="0" y="5422900"/>
+                </a:lnTo>
+                <a:close/>
+              </a:path>
+            </a:pathLst>
+          </a:custGeom>
+        </p:spPr>
+      </p:pic>
     </p:spTree>
     <p:extLst>
       <p:ext uri="{BB962C8B-B14F-4D97-AF65-F5344CB8AC3E}">
@@ -15138,7 +16030,7 @@
 </p:sld>
 </file>
 
-<file path=ppt/slides/slide7.xml><?xml version="1.0" encoding="utf-8"?>
+<file path=ppt/slides/slide8.xml><?xml version="1.0" encoding="utf-8"?>
 <p:sld xmlns:a="http://schemas.openxmlformats.org/drawingml/2006/main" xmlns:r="http://schemas.openxmlformats.org/officeDocument/2006/relationships" xmlns:p="http://schemas.openxmlformats.org/presentationml/2006/main">
   <p:cSld>
     <p:spTree>
@@ -15206,7 +16098,7 @@
         <p:spPr>
           <a:xfrm>
             <a:off x="518678" y="2005762"/>
-            <a:ext cx="6285567" cy="1624465"/>
+            <a:ext cx="8963650" cy="1624465"/>
           </a:xfrm>
         </p:spPr>
         <p:txBody>
@@ -15222,8 +16114,73 @@
             </a:pPr>
             <a:r>
               <a:rPr lang="en-US" sz="3200" dirty="0"/>
-              <a:t>TEXT</a:t>
-            </a:r>
+              <a:t>Used </a:t>
+            </a:r>
+            <a:r>
+              <a:rPr lang="en-US" sz="3200" dirty="0" err="1"/>
+              <a:t>TextBlob</a:t>
+            </a:r>
+            <a:r>
+              <a:rPr lang="en-US" sz="3200" dirty="0"/>
+              <a:t> sentiment and polarity functionality</a:t>
+            </a:r>
+          </a:p>
+          <a:p>
+            <a:pPr marL="342900" indent="-342900">
+              <a:buClr>
+                <a:schemeClr val="accent2"/>
+              </a:buClr>
+              <a:buFont typeface="Arial" panose="020B0604020202020204" pitchFamily="34" charset="0"/>
+              <a:buChar char="•"/>
+            </a:pPr>
+            <a:r>
+              <a:rPr lang="en-US" sz="3200" dirty="0"/>
+              <a:t>Iterated list of tweets by brand through for loops to assess sentiment</a:t>
+            </a:r>
+          </a:p>
+          <a:p>
+            <a:pPr marL="342900" indent="-342900">
+              <a:buClr>
+                <a:schemeClr val="accent2"/>
+              </a:buClr>
+              <a:buFont typeface="Arial" panose="020B0604020202020204" pitchFamily="34" charset="0"/>
+              <a:buChar char="•"/>
+            </a:pPr>
+            <a:r>
+              <a:rPr lang="en-US" sz="3200" dirty="0"/>
+              <a:t>In line for loops used to increase efficiency </a:t>
+            </a:r>
+          </a:p>
+          <a:p>
+            <a:pPr marL="342900" indent="-342900">
+              <a:buClr>
+                <a:schemeClr val="accent2"/>
+              </a:buClr>
+              <a:buFont typeface="Arial" panose="020B0604020202020204" pitchFamily="34" charset="0"/>
+              <a:buChar char="•"/>
+            </a:pPr>
+            <a:r>
+              <a:rPr lang="en-US" sz="3200" dirty="0"/>
+              <a:t>Output to </a:t>
+            </a:r>
+            <a:r>
+              <a:rPr lang="en-US" sz="3200" dirty="0" err="1"/>
+              <a:t>dataframe</a:t>
+            </a:r>
+            <a:r>
+              <a:rPr lang="en-US" sz="3200" dirty="0"/>
+              <a:t> and visualization</a:t>
+            </a:r>
+          </a:p>
+          <a:p>
+            <a:pPr marL="342900" indent="-342900">
+              <a:buClr>
+                <a:schemeClr val="accent2"/>
+              </a:buClr>
+              <a:buFont typeface="Arial" panose="020B0604020202020204" pitchFamily="34" charset="0"/>
+              <a:buChar char="•"/>
+            </a:pPr>
+            <a:endParaRPr lang="en-US" sz="3200" dirty="0"/>
           </a:p>
           <a:p>
             <a:pPr>
@@ -15259,7 +16216,7 @@
             <a:fld id="{8699F50C-BE38-4BD0-BA84-9B090E1F2B9B}" type="slidenum">
               <a:rPr lang="en-US" smtClean="0"/>
               <a:pPr/>
-              <a:t>7</a:t>
+              <a:t>8</a:t>
             </a:fld>
             <a:endParaRPr lang="en-US" dirty="0"/>
           </a:p>
@@ -15317,6 +16274,70 @@
           </a:p>
         </p:txBody>
       </p:sp>
+      <p:pic>
+        <p:nvPicPr>
+          <p:cNvPr id="6" name="Picture Placeholder 58">
+            <a:extLst>
+              <a:ext uri="{FF2B5EF4-FFF2-40B4-BE49-F238E27FC236}">
+                <a16:creationId xmlns:a16="http://schemas.microsoft.com/office/drawing/2014/main" id="{0F8294FE-8C46-4100-B4CA-6B8F929BF511}"/>
+              </a:ext>
+            </a:extLst>
+          </p:cNvPr>
+          <p:cNvPicPr>
+            <a:picLocks noChangeAspect="1"/>
+          </p:cNvPicPr>
+          <p:nvPr/>
+        </p:nvPicPr>
+        <p:blipFill rotWithShape="1">
+          <a:blip r:embed="rId2"/>
+          <a:srcRect l="13153" t="169" r="24377" b="-169"/>
+          <a:stretch/>
+        </p:blipFill>
+        <p:spPr>
+          <a:xfrm>
+            <a:off x="6180333" y="1444245"/>
+            <a:ext cx="6021821" cy="5422900"/>
+          </a:xfrm>
+          <a:custGeom>
+            <a:avLst/>
+            <a:gdLst>
+              <a:gd name="connsiteX0" fmla="*/ 6021821 w 6021821"/>
+              <a:gd name="connsiteY0" fmla="*/ 0 h 5422900"/>
+              <a:gd name="connsiteX1" fmla="*/ 6021821 w 6021821"/>
+              <a:gd name="connsiteY1" fmla="*/ 5422900 h 5422900"/>
+              <a:gd name="connsiteX2" fmla="*/ 0 w 6021821"/>
+              <a:gd name="connsiteY2" fmla="*/ 5422900 h 5422900"/>
+            </a:gdLst>
+            <a:ahLst/>
+            <a:cxnLst>
+              <a:cxn ang="0">
+                <a:pos x="connsiteX0" y="connsiteY0"/>
+              </a:cxn>
+              <a:cxn ang="0">
+                <a:pos x="connsiteX1" y="connsiteY1"/>
+              </a:cxn>
+              <a:cxn ang="0">
+                <a:pos x="connsiteX2" y="connsiteY2"/>
+              </a:cxn>
+            </a:cxnLst>
+            <a:rect l="l" t="t" r="r" b="b"/>
+            <a:pathLst>
+              <a:path w="6021821" h="5422900">
+                <a:moveTo>
+                  <a:pt x="6021821" y="0"/>
+                </a:moveTo>
+                <a:lnTo>
+                  <a:pt x="6021821" y="5422900"/>
+                </a:lnTo>
+                <a:lnTo>
+                  <a:pt x="0" y="5422900"/>
+                </a:lnTo>
+                <a:close/>
+              </a:path>
+            </a:pathLst>
+          </a:custGeom>
+        </p:spPr>
+      </p:pic>
     </p:spTree>
     <p:extLst>
       <p:ext uri="{BB962C8B-B14F-4D97-AF65-F5344CB8AC3E}">
@@ -15330,7 +16351,7 @@
 </p:sld>
 </file>
 
-<file path=ppt/slides/slide8.xml><?xml version="1.0" encoding="utf-8"?>
+<file path=ppt/slides/slide9.xml><?xml version="1.0" encoding="utf-8"?>
 <p:sld xmlns:a="http://schemas.openxmlformats.org/drawingml/2006/main" xmlns:r="http://schemas.openxmlformats.org/officeDocument/2006/relationships" xmlns:p="http://schemas.openxmlformats.org/presentationml/2006/main">
   <p:cSld>
     <p:spTree>
@@ -15414,7 +16435,7 @@
             </a:pPr>
             <a:r>
               <a:rPr lang="en-US" sz="3200" dirty="0"/>
-              <a:t>TEXT</a:t>
+              <a:t>VISUALIZATIONS</a:t>
             </a:r>
           </a:p>
           <a:p>
@@ -15451,7 +16472,7 @@
             <a:fld id="{8699F50C-BE38-4BD0-BA84-9B090E1F2B9B}" type="slidenum">
               <a:rPr lang="en-US" smtClean="0"/>
               <a:pPr/>
-              <a:t>8</a:t>
+              <a:t>9</a:t>
             </a:fld>
             <a:endParaRPr lang="en-US" dirty="0"/>
           </a:p>
@@ -15513,198 +16534,6 @@
     <p:extLst>
       <p:ext uri="{BB962C8B-B14F-4D97-AF65-F5344CB8AC3E}">
         <p14:creationId xmlns:p14="http://schemas.microsoft.com/office/powerpoint/2010/main" val="2316906156"/>
-      </p:ext>
-    </p:extLst>
-  </p:cSld>
-  <p:clrMapOvr>
-    <a:masterClrMapping/>
-  </p:clrMapOvr>
-</p:sld>
-</file>
-
-<file path=ppt/slides/slide9.xml><?xml version="1.0" encoding="utf-8"?>
-<p:sld xmlns:a="http://schemas.openxmlformats.org/drawingml/2006/main" xmlns:r="http://schemas.openxmlformats.org/officeDocument/2006/relationships" xmlns:p="http://schemas.openxmlformats.org/presentationml/2006/main">
-  <p:cSld>
-    <p:spTree>
-      <p:nvGrpSpPr>
-        <p:cNvPr id="1" name=""/>
-        <p:cNvGrpSpPr/>
-        <p:nvPr/>
-      </p:nvGrpSpPr>
-      <p:grpSpPr>
-        <a:xfrm>
-          <a:off x="0" y="0"/>
-          <a:ext cx="0" cy="0"/>
-          <a:chOff x="0" y="0"/>
-          <a:chExt cx="0" cy="0"/>
-        </a:xfrm>
-      </p:grpSpPr>
-      <p:sp>
-        <p:nvSpPr>
-          <p:cNvPr id="18" name="Title 13">
-            <a:extLst>
-              <a:ext uri="{FF2B5EF4-FFF2-40B4-BE49-F238E27FC236}">
-                <a16:creationId xmlns:a16="http://schemas.microsoft.com/office/drawing/2014/main" id="{92896B42-4638-40D0-8887-7AB8D1D86B3D}"/>
-              </a:ext>
-            </a:extLst>
-          </p:cNvPr>
-          <p:cNvSpPr>
-            <a:spLocks noGrp="1"/>
-          </p:cNvSpPr>
-          <p:nvPr>
-            <p:ph type="title"/>
-          </p:nvPr>
-        </p:nvSpPr>
-        <p:spPr/>
-        <p:txBody>
-          <a:bodyPr/>
-          <a:lstStyle/>
-          <a:p>
-            <a:r>
-              <a:rPr lang="en-US" dirty="0"/>
-              <a:t>Business </a:t>
-            </a:r>
-            <a:r>
-              <a:rPr lang="en-US" b="0" dirty="0"/>
-              <a:t>Impacts</a:t>
-            </a:r>
-          </a:p>
-        </p:txBody>
-      </p:sp>
-      <p:sp>
-        <p:nvSpPr>
-          <p:cNvPr id="33" name="Text Placeholder 32">
-            <a:extLst>
-              <a:ext uri="{FF2B5EF4-FFF2-40B4-BE49-F238E27FC236}">
-                <a16:creationId xmlns:a16="http://schemas.microsoft.com/office/drawing/2014/main" id="{7CFD0302-279C-8A48-9E27-AD5B08D6501E}"/>
-              </a:ext>
-            </a:extLst>
-          </p:cNvPr>
-          <p:cNvSpPr>
-            <a:spLocks noGrp="1"/>
-          </p:cNvSpPr>
-          <p:nvPr>
-            <p:ph type="body" sz="quarter" idx="19"/>
-          </p:nvPr>
-        </p:nvSpPr>
-        <p:spPr>
-          <a:xfrm>
-            <a:off x="518678" y="2005762"/>
-            <a:ext cx="6285567" cy="1624465"/>
-          </a:xfrm>
-        </p:spPr>
-        <p:txBody>
-          <a:bodyPr/>
-          <a:lstStyle/>
-          <a:p>
-            <a:pPr marL="342900" indent="-342900">
-              <a:buClr>
-                <a:schemeClr val="accent2"/>
-              </a:buClr>
-              <a:buFont typeface="Arial" panose="020B0604020202020204" pitchFamily="34" charset="0"/>
-              <a:buChar char="•"/>
-            </a:pPr>
-            <a:r>
-              <a:rPr lang="en-US" sz="3200" dirty="0"/>
-              <a:t>TEXT</a:t>
-            </a:r>
-          </a:p>
-          <a:p>
-            <a:pPr>
-              <a:buClr>
-                <a:schemeClr val="accent2"/>
-              </a:buClr>
-            </a:pPr>
-            <a:endParaRPr lang="en-US" sz="2800" dirty="0"/>
-          </a:p>
-        </p:txBody>
-      </p:sp>
-      <p:sp>
-        <p:nvSpPr>
-          <p:cNvPr id="4" name="Slide Number Placeholder 3">
-            <a:extLst>
-              <a:ext uri="{FF2B5EF4-FFF2-40B4-BE49-F238E27FC236}">
-                <a16:creationId xmlns:a16="http://schemas.microsoft.com/office/drawing/2014/main" id="{B2228214-87DB-4B3A-BD81-9A709A69BAAC}"/>
-              </a:ext>
-            </a:extLst>
-          </p:cNvPr>
-          <p:cNvSpPr>
-            <a:spLocks noGrp="1"/>
-          </p:cNvSpPr>
-          <p:nvPr>
-            <p:ph type="sldNum" sz="quarter" idx="18"/>
-          </p:nvPr>
-        </p:nvSpPr>
-        <p:spPr/>
-        <p:txBody>
-          <a:bodyPr/>
-          <a:lstStyle/>
-          <a:p>
-            <a:fld id="{8699F50C-BE38-4BD0-BA84-9B090E1F2B9B}" type="slidenum">
-              <a:rPr lang="en-US" smtClean="0"/>
-              <a:pPr/>
-              <a:t>9</a:t>
-            </a:fld>
-            <a:endParaRPr lang="en-US" dirty="0"/>
-          </a:p>
-        </p:txBody>
-      </p:sp>
-      <p:sp>
-        <p:nvSpPr>
-          <p:cNvPr id="8" name="Rectangle 7">
-            <a:extLst>
-              <a:ext uri="{FF2B5EF4-FFF2-40B4-BE49-F238E27FC236}">
-                <a16:creationId xmlns:a16="http://schemas.microsoft.com/office/drawing/2014/main" id="{6F9714D7-847D-42AD-91A8-060CEF90428C}"/>
-              </a:ext>
-            </a:extLst>
-          </p:cNvPr>
-          <p:cNvSpPr/>
-          <p:nvPr/>
-        </p:nvSpPr>
-        <p:spPr>
-          <a:xfrm>
-            <a:off x="11146971" y="292608"/>
-            <a:ext cx="667077" cy="484632"/>
-          </a:xfrm>
-          <a:prstGeom prst="rect">
-            <a:avLst/>
-          </a:prstGeom>
-          <a:solidFill>
-            <a:schemeClr val="bg1"/>
-          </a:solidFill>
-          <a:ln>
-            <a:noFill/>
-          </a:ln>
-        </p:spPr>
-        <p:style>
-          <a:lnRef idx="2">
-            <a:schemeClr val="accent1">
-              <a:shade val="50000"/>
-            </a:schemeClr>
-          </a:lnRef>
-          <a:fillRef idx="1">
-            <a:schemeClr val="accent1"/>
-          </a:fillRef>
-          <a:effectRef idx="0">
-            <a:schemeClr val="accent1"/>
-          </a:effectRef>
-          <a:fontRef idx="minor">
-            <a:schemeClr val="lt1"/>
-          </a:fontRef>
-        </p:style>
-        <p:txBody>
-          <a:bodyPr rtlCol="0" anchor="ctr"/>
-          <a:lstStyle/>
-          <a:p>
-            <a:pPr algn="ctr"/>
-            <a:endParaRPr lang="en-US"/>
-          </a:p>
-        </p:txBody>
-      </p:sp>
-    </p:spTree>
-    <p:extLst>
-      <p:ext uri="{BB962C8B-B14F-4D97-AF65-F5344CB8AC3E}">
-        <p14:creationId xmlns:p14="http://schemas.microsoft.com/office/powerpoint/2010/main" val="3501123686"/>
       </p:ext>
     </p:extLst>
   </p:cSld>
@@ -16566,12 +17395,11 @@
 </file>
 
 <file path=customXml/item1.xml><?xml version="1.0" encoding="utf-8"?>
-<?mso-contentType ?>
-<FormTemplates xmlns="http://schemas.microsoft.com/sharepoint/v3/contenttype/forms">
-  <Display>DocumentLibraryForm</Display>
-  <Edit>DocumentLibraryForm</Edit>
-  <New>DocumentLibraryForm</New>
-</FormTemplates>
+<p:properties xmlns:p="http://schemas.microsoft.com/office/2006/metadata/properties" xmlns:xsi="http://www.w3.org/2001/XMLSchema-instance" xmlns:pc="http://schemas.microsoft.com/office/infopath/2007/PartnerControls">
+  <documentManagement>
+    <MediaServiceKeyPoints xmlns="71af3243-3dd4-4a8d-8c0d-dd76da1f02a5" xsi:nil="true"/>
+  </documentManagement>
+</p:properties>
 </file>
 
 <file path=customXml/item2.xml><?xml version="1.0" encoding="utf-8"?>
@@ -16786,17 +17614,20 @@
 </file>
 
 <file path=customXml/item3.xml><?xml version="1.0" encoding="utf-8"?>
-<p:properties xmlns:p="http://schemas.microsoft.com/office/2006/metadata/properties" xmlns:xsi="http://www.w3.org/2001/XMLSchema-instance" xmlns:pc="http://schemas.microsoft.com/office/infopath/2007/PartnerControls">
-  <documentManagement>
-    <MediaServiceKeyPoints xmlns="71af3243-3dd4-4a8d-8c0d-dd76da1f02a5" xsi:nil="true"/>
-  </documentManagement>
-</p:properties>
+<?mso-contentType ?>
+<FormTemplates xmlns="http://schemas.microsoft.com/sharepoint/v3/contenttype/forms">
+  <Display>DocumentLibraryForm</Display>
+  <Edit>DocumentLibraryForm</Edit>
+  <New>DocumentLibraryForm</New>
+</FormTemplates>
 </file>
 
 <file path=customXml/itemProps1.xml><?xml version="1.0" encoding="utf-8"?>
-<ds:datastoreItem xmlns:ds="http://schemas.openxmlformats.org/officeDocument/2006/customXml" ds:itemID="{A80A5AF1-8C57-4290-936E-5FD27C957251}">
+<ds:datastoreItem xmlns:ds="http://schemas.openxmlformats.org/officeDocument/2006/customXml" ds:itemID="{C87F4215-C6BB-44A3-9A5E-9446E6835900}">
   <ds:schemaRefs>
-    <ds:schemaRef ds:uri="http://schemas.microsoft.com/sharepoint/v3/contenttype/forms"/>
+    <ds:schemaRef ds:uri="http://schemas.microsoft.com/office/2006/metadata/properties"/>
+    <ds:schemaRef ds:uri="http://schemas.microsoft.com/office/infopath/2007/PartnerControls"/>
+    <ds:schemaRef ds:uri="71af3243-3dd4-4a8d-8c0d-dd76da1f02a5"/>
   </ds:schemaRefs>
 </ds:datastoreItem>
 </file>
@@ -16821,11 +17652,9 @@
 </file>
 
 <file path=customXml/itemProps3.xml><?xml version="1.0" encoding="utf-8"?>
-<ds:datastoreItem xmlns:ds="http://schemas.openxmlformats.org/officeDocument/2006/customXml" ds:itemID="{C87F4215-C6BB-44A3-9A5E-9446E6835900}">
+<ds:datastoreItem xmlns:ds="http://schemas.openxmlformats.org/officeDocument/2006/customXml" ds:itemID="{A80A5AF1-8C57-4290-936E-5FD27C957251}">
   <ds:schemaRefs>
-    <ds:schemaRef ds:uri="http://schemas.microsoft.com/office/2006/metadata/properties"/>
-    <ds:schemaRef ds:uri="http://schemas.microsoft.com/office/infopath/2007/PartnerControls"/>
-    <ds:schemaRef ds:uri="71af3243-3dd4-4a8d-8c0d-dd76da1f02a5"/>
+    <ds:schemaRef ds:uri="http://schemas.microsoft.com/sharepoint/v3/contenttype/forms"/>
   </ds:schemaRefs>
 </ds:datastoreItem>
 </file>
--- a/ML Group Project_Sentiment Analysis of Twitter Data.pptx
+++ b/ML Group Project_Sentiment Analysis of Twitter Data.pptx
@@ -5,10 +5,10 @@
     <p:sldMasterId id="2147483648" r:id="rId4"/>
   </p:sldMasterIdLst>
   <p:notesMasterIdLst>
-    <p:notesMasterId r:id="rId17"/>
+    <p:notesMasterId r:id="rId19"/>
   </p:notesMasterIdLst>
   <p:handoutMasterIdLst>
-    <p:handoutMasterId r:id="rId18"/>
+    <p:handoutMasterId r:id="rId20"/>
   </p:handoutMasterIdLst>
   <p:sldIdLst>
     <p:sldId id="256" r:id="rId5"/>
@@ -16,13 +16,15 @@
     <p:sldId id="260" r:id="rId7"/>
     <p:sldId id="269" r:id="rId8"/>
     <p:sldId id="262" r:id="rId9"/>
-    <p:sldId id="278" r:id="rId10"/>
-    <p:sldId id="273" r:id="rId11"/>
-    <p:sldId id="274" r:id="rId12"/>
-    <p:sldId id="275" r:id="rId13"/>
-    <p:sldId id="277" r:id="rId14"/>
-    <p:sldId id="276" r:id="rId15"/>
-    <p:sldId id="272" r:id="rId16"/>
+    <p:sldId id="279" r:id="rId10"/>
+    <p:sldId id="278" r:id="rId11"/>
+    <p:sldId id="273" r:id="rId12"/>
+    <p:sldId id="274" r:id="rId13"/>
+    <p:sldId id="275" r:id="rId14"/>
+    <p:sldId id="280" r:id="rId15"/>
+    <p:sldId id="277" r:id="rId16"/>
+    <p:sldId id="276" r:id="rId17"/>
+    <p:sldId id="272" r:id="rId18"/>
   </p:sldIdLst>
   <p:sldSz cx="12192000" cy="6858000"/>
   <p:notesSz cx="6858000" cy="9144000"/>
@@ -242,7 +244,7 @@
           <a:p>
             <a:fld id="{872BFC85-49E4-447A-A7E3-16153CB2FE2A}" type="datetimeFigureOut">
               <a:rPr lang="en-US" smtClean="0"/>
-              <a:t>3/17/2021</a:t>
+              <a:t>3/23/2021</a:t>
             </a:fld>
             <a:endParaRPr lang="en-US" dirty="0"/>
           </a:p>
@@ -419,7 +421,7 @@
           <a:p>
             <a:fld id="{1071B50E-4C60-4F9E-B773-52059170945B}" type="datetimeFigureOut">
               <a:rPr lang="en-US" noProof="0" smtClean="0"/>
-              <a:t>3/17/2021</a:t>
+              <a:t>3/23/2021</a:t>
             </a:fld>
             <a:endParaRPr lang="en-US" noProof="0" dirty="0"/>
           </a:p>
@@ -13281,11 +13283,11 @@
           <a:p>
             <a:r>
               <a:rPr lang="en-US" dirty="0"/>
-              <a:t>Business </a:t>
+              <a:t>Findings </a:t>
             </a:r>
             <a:r>
               <a:rPr lang="en-US" b="0" dirty="0"/>
-              <a:t>Impacts</a:t>
+              <a:t>&amp; Results</a:t>
             </a:r>
           </a:p>
         </p:txBody>
@@ -13309,7 +13311,7 @@
         <p:spPr>
           <a:xfrm>
             <a:off x="518678" y="2005762"/>
-            <a:ext cx="7363450" cy="3489782"/>
+            <a:ext cx="6285567" cy="1624465"/>
           </a:xfrm>
         </p:spPr>
         <p:txBody>
@@ -13325,9 +13327,193 @@
             </a:pPr>
             <a:r>
               <a:rPr lang="en-US" sz="3200" dirty="0"/>
-              <a:t>Identify fashion trends</a:t>
-            </a:r>
-          </a:p>
+              <a:t>WORD </a:t>
+            </a:r>
+            <a:r>
+              <a:rPr lang="en-US" sz="3200" dirty="0" err="1"/>
+              <a:t>freq</a:t>
+            </a:r>
+            <a:endParaRPr lang="en-US" sz="3200" dirty="0"/>
+          </a:p>
+          <a:p>
+            <a:pPr>
+              <a:buClr>
+                <a:schemeClr val="accent2"/>
+              </a:buClr>
+            </a:pPr>
+            <a:endParaRPr lang="en-US" sz="2800" dirty="0"/>
+          </a:p>
+        </p:txBody>
+      </p:sp>
+      <p:sp>
+        <p:nvSpPr>
+          <p:cNvPr id="4" name="Slide Number Placeholder 3">
+            <a:extLst>
+              <a:ext uri="{FF2B5EF4-FFF2-40B4-BE49-F238E27FC236}">
+                <a16:creationId xmlns:a16="http://schemas.microsoft.com/office/drawing/2014/main" id="{B2228214-87DB-4B3A-BD81-9A709A69BAAC}"/>
+              </a:ext>
+            </a:extLst>
+          </p:cNvPr>
+          <p:cNvSpPr>
+            <a:spLocks noGrp="1"/>
+          </p:cNvSpPr>
+          <p:nvPr>
+            <p:ph type="sldNum" sz="quarter" idx="18"/>
+          </p:nvPr>
+        </p:nvSpPr>
+        <p:spPr/>
+        <p:txBody>
+          <a:bodyPr/>
+          <a:lstStyle/>
+          <a:p>
+            <a:fld id="{8699F50C-BE38-4BD0-BA84-9B090E1F2B9B}" type="slidenum">
+              <a:rPr lang="en-US" smtClean="0"/>
+              <a:pPr/>
+              <a:t>10</a:t>
+            </a:fld>
+            <a:endParaRPr lang="en-US" dirty="0"/>
+          </a:p>
+        </p:txBody>
+      </p:sp>
+      <p:sp>
+        <p:nvSpPr>
+          <p:cNvPr id="8" name="Rectangle 7">
+            <a:extLst>
+              <a:ext uri="{FF2B5EF4-FFF2-40B4-BE49-F238E27FC236}">
+                <a16:creationId xmlns:a16="http://schemas.microsoft.com/office/drawing/2014/main" id="{6F9714D7-847D-42AD-91A8-060CEF90428C}"/>
+              </a:ext>
+            </a:extLst>
+          </p:cNvPr>
+          <p:cNvSpPr/>
+          <p:nvPr/>
+        </p:nvSpPr>
+        <p:spPr>
+          <a:xfrm>
+            <a:off x="11146971" y="292608"/>
+            <a:ext cx="667077" cy="484632"/>
+          </a:xfrm>
+          <a:prstGeom prst="rect">
+            <a:avLst/>
+          </a:prstGeom>
+          <a:solidFill>
+            <a:schemeClr val="bg1"/>
+          </a:solidFill>
+          <a:ln>
+            <a:noFill/>
+          </a:ln>
+        </p:spPr>
+        <p:style>
+          <a:lnRef idx="2">
+            <a:schemeClr val="accent1">
+              <a:shade val="50000"/>
+            </a:schemeClr>
+          </a:lnRef>
+          <a:fillRef idx="1">
+            <a:schemeClr val="accent1"/>
+          </a:fillRef>
+          <a:effectRef idx="0">
+            <a:schemeClr val="accent1"/>
+          </a:effectRef>
+          <a:fontRef idx="minor">
+            <a:schemeClr val="lt1"/>
+          </a:fontRef>
+        </p:style>
+        <p:txBody>
+          <a:bodyPr rtlCol="0" anchor="ctr"/>
+          <a:lstStyle/>
+          <a:p>
+            <a:pPr algn="ctr"/>
+            <a:endParaRPr lang="en-US"/>
+          </a:p>
+        </p:txBody>
+      </p:sp>
+    </p:spTree>
+    <p:extLst>
+      <p:ext uri="{BB962C8B-B14F-4D97-AF65-F5344CB8AC3E}">
+        <p14:creationId xmlns:p14="http://schemas.microsoft.com/office/powerpoint/2010/main" val="2316906156"/>
+      </p:ext>
+    </p:extLst>
+  </p:cSld>
+  <p:clrMapOvr>
+    <a:masterClrMapping/>
+  </p:clrMapOvr>
+</p:sld>
+</file>
+
+<file path=ppt/slides/slide11.xml><?xml version="1.0" encoding="utf-8"?>
+<p:sld xmlns:a="http://schemas.openxmlformats.org/drawingml/2006/main" xmlns:r="http://schemas.openxmlformats.org/officeDocument/2006/relationships" xmlns:p="http://schemas.openxmlformats.org/presentationml/2006/main">
+  <p:cSld>
+    <p:spTree>
+      <p:nvGrpSpPr>
+        <p:cNvPr id="1" name=""/>
+        <p:cNvGrpSpPr/>
+        <p:nvPr/>
+      </p:nvGrpSpPr>
+      <p:grpSpPr>
+        <a:xfrm>
+          <a:off x="0" y="0"/>
+          <a:ext cx="0" cy="0"/>
+          <a:chOff x="0" y="0"/>
+          <a:chExt cx="0" cy="0"/>
+        </a:xfrm>
+      </p:grpSpPr>
+      <p:sp>
+        <p:nvSpPr>
+          <p:cNvPr id="18" name="Title 13">
+            <a:extLst>
+              <a:ext uri="{FF2B5EF4-FFF2-40B4-BE49-F238E27FC236}">
+                <a16:creationId xmlns:a16="http://schemas.microsoft.com/office/drawing/2014/main" id="{92896B42-4638-40D0-8887-7AB8D1D86B3D}"/>
+              </a:ext>
+            </a:extLst>
+          </p:cNvPr>
+          <p:cNvSpPr>
+            <a:spLocks noGrp="1"/>
+          </p:cNvSpPr>
+          <p:nvPr>
+            <p:ph type="title"/>
+          </p:nvPr>
+        </p:nvSpPr>
+        <p:spPr/>
+        <p:txBody>
+          <a:bodyPr/>
+          <a:lstStyle/>
+          <a:p>
+            <a:r>
+              <a:rPr lang="en-US" dirty="0"/>
+              <a:t>Company </a:t>
+            </a:r>
+            <a:r>
+              <a:rPr lang="en-US" b="0" dirty="0"/>
+              <a:t>Analysis</a:t>
+            </a:r>
+          </a:p>
+        </p:txBody>
+      </p:sp>
+      <p:sp>
+        <p:nvSpPr>
+          <p:cNvPr id="33" name="Text Placeholder 32">
+            <a:extLst>
+              <a:ext uri="{FF2B5EF4-FFF2-40B4-BE49-F238E27FC236}">
+                <a16:creationId xmlns:a16="http://schemas.microsoft.com/office/drawing/2014/main" id="{7CFD0302-279C-8A48-9E27-AD5B08D6501E}"/>
+              </a:ext>
+            </a:extLst>
+          </p:cNvPr>
+          <p:cNvSpPr>
+            <a:spLocks noGrp="1"/>
+          </p:cNvSpPr>
+          <p:nvPr>
+            <p:ph type="body" sz="quarter" idx="19"/>
+          </p:nvPr>
+        </p:nvSpPr>
+        <p:spPr>
+          <a:xfrm>
+            <a:off x="518678" y="2005762"/>
+            <a:ext cx="6285567" cy="1624465"/>
+          </a:xfrm>
+        </p:spPr>
+        <p:txBody>
+          <a:bodyPr/>
+          <a:lstStyle/>
           <a:p>
             <a:pPr marL="342900" indent="-342900">
               <a:buClr>
@@ -13338,9 +13524,188 @@
             </a:pPr>
             <a:r>
               <a:rPr lang="en-US" sz="3200" dirty="0"/>
-              <a:t>Input on what direction large companies are heading</a:t>
-            </a:r>
-          </a:p>
+              <a:t>Histograms</a:t>
+            </a:r>
+          </a:p>
+          <a:p>
+            <a:pPr>
+              <a:buClr>
+                <a:schemeClr val="accent2"/>
+              </a:buClr>
+            </a:pPr>
+            <a:endParaRPr lang="en-US" sz="2800" dirty="0"/>
+          </a:p>
+        </p:txBody>
+      </p:sp>
+      <p:sp>
+        <p:nvSpPr>
+          <p:cNvPr id="4" name="Slide Number Placeholder 3">
+            <a:extLst>
+              <a:ext uri="{FF2B5EF4-FFF2-40B4-BE49-F238E27FC236}">
+                <a16:creationId xmlns:a16="http://schemas.microsoft.com/office/drawing/2014/main" id="{B2228214-87DB-4B3A-BD81-9A709A69BAAC}"/>
+              </a:ext>
+            </a:extLst>
+          </p:cNvPr>
+          <p:cNvSpPr>
+            <a:spLocks noGrp="1"/>
+          </p:cNvSpPr>
+          <p:nvPr>
+            <p:ph type="sldNum" sz="quarter" idx="18"/>
+          </p:nvPr>
+        </p:nvSpPr>
+        <p:spPr/>
+        <p:txBody>
+          <a:bodyPr/>
+          <a:lstStyle/>
+          <a:p>
+            <a:fld id="{8699F50C-BE38-4BD0-BA84-9B090E1F2B9B}" type="slidenum">
+              <a:rPr lang="en-US" smtClean="0"/>
+              <a:pPr/>
+              <a:t>11</a:t>
+            </a:fld>
+            <a:endParaRPr lang="en-US" dirty="0"/>
+          </a:p>
+        </p:txBody>
+      </p:sp>
+      <p:sp>
+        <p:nvSpPr>
+          <p:cNvPr id="8" name="Rectangle 7">
+            <a:extLst>
+              <a:ext uri="{FF2B5EF4-FFF2-40B4-BE49-F238E27FC236}">
+                <a16:creationId xmlns:a16="http://schemas.microsoft.com/office/drawing/2014/main" id="{6F9714D7-847D-42AD-91A8-060CEF90428C}"/>
+              </a:ext>
+            </a:extLst>
+          </p:cNvPr>
+          <p:cNvSpPr/>
+          <p:nvPr/>
+        </p:nvSpPr>
+        <p:spPr>
+          <a:xfrm>
+            <a:off x="11146971" y="292608"/>
+            <a:ext cx="667077" cy="484632"/>
+          </a:xfrm>
+          <a:prstGeom prst="rect">
+            <a:avLst/>
+          </a:prstGeom>
+          <a:solidFill>
+            <a:schemeClr val="bg1"/>
+          </a:solidFill>
+          <a:ln>
+            <a:noFill/>
+          </a:ln>
+        </p:spPr>
+        <p:style>
+          <a:lnRef idx="2">
+            <a:schemeClr val="accent1">
+              <a:shade val="50000"/>
+            </a:schemeClr>
+          </a:lnRef>
+          <a:fillRef idx="1">
+            <a:schemeClr val="accent1"/>
+          </a:fillRef>
+          <a:effectRef idx="0">
+            <a:schemeClr val="accent1"/>
+          </a:effectRef>
+          <a:fontRef idx="minor">
+            <a:schemeClr val="lt1"/>
+          </a:fontRef>
+        </p:style>
+        <p:txBody>
+          <a:bodyPr rtlCol="0" anchor="ctr"/>
+          <a:lstStyle/>
+          <a:p>
+            <a:pPr algn="ctr"/>
+            <a:endParaRPr lang="en-US"/>
+          </a:p>
+        </p:txBody>
+      </p:sp>
+    </p:spTree>
+    <p:extLst>
+      <p:ext uri="{BB962C8B-B14F-4D97-AF65-F5344CB8AC3E}">
+        <p14:creationId xmlns:p14="http://schemas.microsoft.com/office/powerpoint/2010/main" val="168838203"/>
+      </p:ext>
+    </p:extLst>
+  </p:cSld>
+  <p:clrMapOvr>
+    <a:masterClrMapping/>
+  </p:clrMapOvr>
+</p:sld>
+</file>
+
+<file path=ppt/slides/slide12.xml><?xml version="1.0" encoding="utf-8"?>
+<p:sld xmlns:a="http://schemas.openxmlformats.org/drawingml/2006/main" xmlns:r="http://schemas.openxmlformats.org/officeDocument/2006/relationships" xmlns:p="http://schemas.openxmlformats.org/presentationml/2006/main">
+  <p:cSld>
+    <p:spTree>
+      <p:nvGrpSpPr>
+        <p:cNvPr id="1" name=""/>
+        <p:cNvGrpSpPr/>
+        <p:nvPr/>
+      </p:nvGrpSpPr>
+      <p:grpSpPr>
+        <a:xfrm>
+          <a:off x="0" y="0"/>
+          <a:ext cx="0" cy="0"/>
+          <a:chOff x="0" y="0"/>
+          <a:chExt cx="0" cy="0"/>
+        </a:xfrm>
+      </p:grpSpPr>
+      <p:sp>
+        <p:nvSpPr>
+          <p:cNvPr id="18" name="Title 13">
+            <a:extLst>
+              <a:ext uri="{FF2B5EF4-FFF2-40B4-BE49-F238E27FC236}">
+                <a16:creationId xmlns:a16="http://schemas.microsoft.com/office/drawing/2014/main" id="{92896B42-4638-40D0-8887-7AB8D1D86B3D}"/>
+              </a:ext>
+            </a:extLst>
+          </p:cNvPr>
+          <p:cNvSpPr>
+            <a:spLocks noGrp="1"/>
+          </p:cNvSpPr>
+          <p:nvPr>
+            <p:ph type="title"/>
+          </p:nvPr>
+        </p:nvSpPr>
+        <p:spPr/>
+        <p:txBody>
+          <a:bodyPr/>
+          <a:lstStyle/>
+          <a:p>
+            <a:r>
+              <a:rPr lang="en-US" dirty="0"/>
+              <a:t>Business </a:t>
+            </a:r>
+            <a:r>
+              <a:rPr lang="en-US" b="0" dirty="0"/>
+              <a:t>Impacts</a:t>
+            </a:r>
+          </a:p>
+        </p:txBody>
+      </p:sp>
+      <p:sp>
+        <p:nvSpPr>
+          <p:cNvPr id="33" name="Text Placeholder 32">
+            <a:extLst>
+              <a:ext uri="{FF2B5EF4-FFF2-40B4-BE49-F238E27FC236}">
+                <a16:creationId xmlns:a16="http://schemas.microsoft.com/office/drawing/2014/main" id="{7CFD0302-279C-8A48-9E27-AD5B08D6501E}"/>
+              </a:ext>
+            </a:extLst>
+          </p:cNvPr>
+          <p:cNvSpPr>
+            <a:spLocks noGrp="1"/>
+          </p:cNvSpPr>
+          <p:nvPr>
+            <p:ph type="body" sz="quarter" idx="19"/>
+          </p:nvPr>
+        </p:nvSpPr>
+        <p:spPr>
+          <a:xfrm>
+            <a:off x="518678" y="2005762"/>
+            <a:ext cx="7363450" cy="3489782"/>
+          </a:xfrm>
+        </p:spPr>
+        <p:txBody>
+          <a:bodyPr/>
+          <a:lstStyle/>
           <a:p>
             <a:pPr marL="342900" indent="-342900">
               <a:buClr>
@@ -13351,7 +13716,7 @@
             </a:pPr>
             <a:r>
               <a:rPr lang="en-US" sz="3200" dirty="0"/>
-              <a:t>Insight into public opinion</a:t>
+              <a:t>Identify fashion trends</a:t>
             </a:r>
           </a:p>
           <a:p>
@@ -13363,6 +13728,32 @@
               <a:buChar char="•"/>
             </a:pPr>
             <a:r>
+              <a:rPr lang="en-US" sz="3200" dirty="0"/>
+              <a:t>Input on what direction large companies are heading</a:t>
+            </a:r>
+          </a:p>
+          <a:p>
+            <a:pPr marL="342900" indent="-342900">
+              <a:buClr>
+                <a:schemeClr val="accent2"/>
+              </a:buClr>
+              <a:buFont typeface="Arial" panose="020B0604020202020204" pitchFamily="34" charset="0"/>
+              <a:buChar char="•"/>
+            </a:pPr>
+            <a:r>
+              <a:rPr lang="en-US" sz="3200" dirty="0"/>
+              <a:t>Insight into public opinion</a:t>
+            </a:r>
+          </a:p>
+          <a:p>
+            <a:pPr marL="342900" indent="-342900">
+              <a:buClr>
+                <a:schemeClr val="accent2"/>
+              </a:buClr>
+              <a:buFont typeface="Arial" panose="020B0604020202020204" pitchFamily="34" charset="0"/>
+              <a:buChar char="•"/>
+            </a:pPr>
+            <a:r>
               <a:rPr lang="en-US" sz="3200" b="1" dirty="0"/>
               <a:t>Helps to guide decisions around marketing and product development for our firm</a:t>
             </a:r>
@@ -13401,7 +13792,7 @@
             <a:fld id="{8699F50C-BE38-4BD0-BA84-9B090E1F2B9B}" type="slidenum">
               <a:rPr lang="en-US" smtClean="0"/>
               <a:pPr/>
-              <a:t>10</a:t>
+              <a:t>12</a:t>
             </a:fld>
             <a:endParaRPr lang="en-US" dirty="0"/>
           </a:p>
@@ -13536,7 +13927,7 @@
 </p:sld>
 </file>
 
-<file path=ppt/slides/slide11.xml><?xml version="1.0" encoding="utf-8"?>
+<file path=ppt/slides/slide13.xml><?xml version="1.0" encoding="utf-8"?>
 <p:sld xmlns:a="http://schemas.openxmlformats.org/drawingml/2006/main" xmlns:r="http://schemas.openxmlformats.org/officeDocument/2006/relationships" xmlns:p="http://schemas.openxmlformats.org/presentationml/2006/main">
   <p:cSld>
     <p:spTree>
@@ -13703,7 +14094,7 @@
             <a:fld id="{8699F50C-BE38-4BD0-BA84-9B090E1F2B9B}" type="slidenum">
               <a:rPr lang="en-US" smtClean="0"/>
               <a:pPr/>
-              <a:t>11</a:t>
+              <a:t>13</a:t>
             </a:fld>
             <a:endParaRPr lang="en-US" dirty="0"/>
           </a:p>
@@ -13838,7 +14229,7 @@
 </p:sld>
 </file>
 
-<file path=ppt/slides/slide12.xml><?xml version="1.0" encoding="utf-8"?>
+<file path=ppt/slides/slide14.xml><?xml version="1.0" encoding="utf-8"?>
 <p:sld xmlns:a="http://schemas.openxmlformats.org/drawingml/2006/main" xmlns:r="http://schemas.openxmlformats.org/officeDocument/2006/relationships" xmlns:p="http://schemas.openxmlformats.org/presentationml/2006/main">
   <p:cSld>
     <p:spTree>
@@ -13911,7 +14302,7 @@
           <a:p>
             <a:fld id="{8699F50C-BE38-4BD0-BA84-9B090E1F2B9B}" type="slidenum">
               <a:rPr lang="en-US" noProof="0" smtClean="0"/>
-              <a:t>12</a:t>
+              <a:t>14</a:t>
             </a:fld>
             <a:endParaRPr lang="en-US" noProof="0" dirty="0"/>
           </a:p>
@@ -14878,8 +15269,8 @@
         </p:nvSpPr>
         <p:spPr>
           <a:xfrm>
-            <a:off x="2819969" y="4830613"/>
-            <a:ext cx="6285567" cy="1716491"/>
+            <a:off x="2819969" y="4485133"/>
+            <a:ext cx="6285567" cy="2061972"/>
           </a:xfrm>
           <a:prstGeom prst="rect">
             <a:avLst/>
@@ -14998,7 +15389,7 @@
         </p:nvSpPr>
         <p:spPr>
           <a:xfrm>
-            <a:off x="2819969" y="4830613"/>
+            <a:off x="2819969" y="4485132"/>
             <a:ext cx="6285567" cy="1624465"/>
           </a:xfrm>
         </p:spPr>
@@ -15014,7 +15405,7 @@
               <a:buChar char="•"/>
             </a:pPr>
             <a:r>
-              <a:rPr lang="en-US" sz="3200" dirty="0"/>
+              <a:rPr lang="en-US" sz="2800" dirty="0"/>
               <a:t>Publicly accessible information</a:t>
             </a:r>
           </a:p>
@@ -15027,7 +15418,7 @@
               <a:buChar char="•"/>
             </a:pPr>
             <a:r>
-              <a:rPr lang="en-US" sz="3200" dirty="0"/>
+              <a:rPr lang="en-US" sz="2800" dirty="0"/>
               <a:t>Twitter data imported using an API</a:t>
             </a:r>
           </a:p>
@@ -15040,8 +15431,21 @@
               <a:buChar char="•"/>
             </a:pPr>
             <a:r>
-              <a:rPr lang="en-US" sz="3200" dirty="0"/>
+              <a:rPr lang="en-US" sz="2800" dirty="0"/>
               <a:t>Limited to specific twitter handles</a:t>
+            </a:r>
+          </a:p>
+          <a:p>
+            <a:pPr marL="342900" indent="-342900">
+              <a:buClr>
+                <a:schemeClr val="accent2"/>
+              </a:buClr>
+              <a:buFont typeface="Arial" panose="020B0604020202020204" pitchFamily="34" charset="0"/>
+              <a:buChar char="•"/>
+            </a:pPr>
+            <a:r>
+              <a:rPr lang="en-US" sz="2800" dirty="0"/>
+              <a:t>Data sourced directly from Excel file</a:t>
             </a:r>
           </a:p>
           <a:p>
@@ -15050,7 +15454,7 @@
                 <a:schemeClr val="accent2"/>
               </a:buClr>
             </a:pPr>
-            <a:endParaRPr lang="en-US" sz="2800" dirty="0"/>
+            <a:endParaRPr lang="en-US" dirty="0"/>
           </a:p>
         </p:txBody>
       </p:sp>
@@ -15189,7 +15593,7 @@
         <p:spPr>
           <a:xfrm>
             <a:off x="4036417" y="2345436"/>
-            <a:ext cx="3852672" cy="2167128"/>
+            <a:ext cx="3852672" cy="2075644"/>
           </a:xfrm>
           <a:prstGeom prst="rect">
             <a:avLst/>
@@ -15368,6 +15772,315 @@
       </p:grpSpPr>
       <p:sp>
         <p:nvSpPr>
+          <p:cNvPr id="21" name="Rectangle 20">
+            <a:extLst>
+              <a:ext uri="{FF2B5EF4-FFF2-40B4-BE49-F238E27FC236}">
+                <a16:creationId xmlns:a16="http://schemas.microsoft.com/office/drawing/2014/main" id="{3C58DA02-7AFE-466B-9D91-421338A22ECF}"/>
+              </a:ext>
+            </a:extLst>
+          </p:cNvPr>
+          <p:cNvSpPr/>
+          <p:nvPr/>
+        </p:nvSpPr>
+        <p:spPr>
+          <a:xfrm>
+            <a:off x="5672804" y="3162471"/>
+            <a:ext cx="5655103" cy="2061972"/>
+          </a:xfrm>
+          <a:prstGeom prst="rect">
+            <a:avLst/>
+          </a:prstGeom>
+          <a:solidFill>
+            <a:schemeClr val="accent3">
+              <a:lumMod val="90000"/>
+            </a:schemeClr>
+          </a:solidFill>
+          <a:ln>
+            <a:solidFill>
+              <a:schemeClr val="tx1"/>
+            </a:solidFill>
+          </a:ln>
+        </p:spPr>
+        <p:style>
+          <a:lnRef idx="2">
+            <a:schemeClr val="accent1">
+              <a:shade val="50000"/>
+            </a:schemeClr>
+          </a:lnRef>
+          <a:fillRef idx="1">
+            <a:schemeClr val="accent1"/>
+          </a:fillRef>
+          <a:effectRef idx="0">
+            <a:schemeClr val="accent1"/>
+          </a:effectRef>
+          <a:fontRef idx="minor">
+            <a:schemeClr val="lt1"/>
+          </a:fontRef>
+        </p:style>
+        <p:txBody>
+          <a:bodyPr rtlCol="0" anchor="ctr"/>
+          <a:lstStyle/>
+          <a:p>
+            <a:pPr algn="ctr"/>
+            <a:endParaRPr lang="en-US"/>
+          </a:p>
+        </p:txBody>
+      </p:sp>
+      <p:sp>
+        <p:nvSpPr>
+          <p:cNvPr id="18" name="Title 13">
+            <a:extLst>
+              <a:ext uri="{FF2B5EF4-FFF2-40B4-BE49-F238E27FC236}">
+                <a16:creationId xmlns:a16="http://schemas.microsoft.com/office/drawing/2014/main" id="{92896B42-4638-40D0-8887-7AB8D1D86B3D}"/>
+              </a:ext>
+            </a:extLst>
+          </p:cNvPr>
+          <p:cNvSpPr>
+            <a:spLocks noGrp="1"/>
+          </p:cNvSpPr>
+          <p:nvPr>
+            <p:ph type="title"/>
+          </p:nvPr>
+        </p:nvSpPr>
+        <p:spPr/>
+        <p:txBody>
+          <a:bodyPr/>
+          <a:lstStyle/>
+          <a:p>
+            <a:r>
+              <a:rPr lang="en-US" dirty="0"/>
+              <a:t>Use </a:t>
+            </a:r>
+            <a:r>
+              <a:rPr lang="en-US" b="0" dirty="0"/>
+              <a:t>Case</a:t>
+            </a:r>
+          </a:p>
+        </p:txBody>
+      </p:sp>
+      <p:sp>
+        <p:nvSpPr>
+          <p:cNvPr id="33" name="Text Placeholder 32">
+            <a:extLst>
+              <a:ext uri="{FF2B5EF4-FFF2-40B4-BE49-F238E27FC236}">
+                <a16:creationId xmlns:a16="http://schemas.microsoft.com/office/drawing/2014/main" id="{7CFD0302-279C-8A48-9E27-AD5B08D6501E}"/>
+              </a:ext>
+            </a:extLst>
+          </p:cNvPr>
+          <p:cNvSpPr>
+            <a:spLocks noGrp="1"/>
+          </p:cNvSpPr>
+          <p:nvPr>
+            <p:ph type="body" sz="quarter" idx="19"/>
+          </p:nvPr>
+        </p:nvSpPr>
+        <p:spPr>
+          <a:xfrm>
+            <a:off x="5709116" y="3251135"/>
+            <a:ext cx="5618791" cy="1809137"/>
+          </a:xfrm>
+        </p:spPr>
+        <p:txBody>
+          <a:bodyPr/>
+          <a:lstStyle/>
+          <a:p>
+            <a:pPr marL="342900" indent="-342900">
+              <a:buClr>
+                <a:schemeClr val="accent2"/>
+              </a:buClr>
+              <a:buFont typeface="Arial" panose="020B0604020202020204" pitchFamily="34" charset="0"/>
+              <a:buChar char="•"/>
+            </a:pPr>
+            <a:r>
+              <a:rPr lang="en-US" dirty="0"/>
+              <a:t>User accesses data through Twitter API</a:t>
+            </a:r>
+          </a:p>
+          <a:p>
+            <a:pPr marL="342900" indent="-342900">
+              <a:buClr>
+                <a:schemeClr val="accent2"/>
+              </a:buClr>
+              <a:buFont typeface="Arial" panose="020B0604020202020204" pitchFamily="34" charset="0"/>
+              <a:buChar char="•"/>
+            </a:pPr>
+            <a:r>
+              <a:rPr lang="en-US" dirty="0"/>
+              <a:t>Tweets by brand names</a:t>
+            </a:r>
+          </a:p>
+          <a:p>
+            <a:pPr marL="342900" indent="-342900">
+              <a:buClr>
+                <a:schemeClr val="accent2"/>
+              </a:buClr>
+              <a:buFont typeface="Arial" panose="020B0604020202020204" pitchFamily="34" charset="0"/>
+              <a:buChar char="•"/>
+            </a:pPr>
+            <a:r>
+              <a:rPr lang="en-US" dirty="0"/>
+              <a:t>Sentiment analysis</a:t>
+            </a:r>
+          </a:p>
+          <a:p>
+            <a:pPr marL="342900" indent="-342900">
+              <a:buClr>
+                <a:schemeClr val="accent2"/>
+              </a:buClr>
+              <a:buFont typeface="Arial" panose="020B0604020202020204" pitchFamily="34" charset="0"/>
+              <a:buChar char="•"/>
+            </a:pPr>
+            <a:r>
+              <a:rPr lang="en-US" dirty="0"/>
+              <a:t>Visualize the data</a:t>
+            </a:r>
+          </a:p>
+        </p:txBody>
+      </p:sp>
+      <p:sp>
+        <p:nvSpPr>
+          <p:cNvPr id="4" name="Slide Number Placeholder 3">
+            <a:extLst>
+              <a:ext uri="{FF2B5EF4-FFF2-40B4-BE49-F238E27FC236}">
+                <a16:creationId xmlns:a16="http://schemas.microsoft.com/office/drawing/2014/main" id="{B2228214-87DB-4B3A-BD81-9A709A69BAAC}"/>
+              </a:ext>
+            </a:extLst>
+          </p:cNvPr>
+          <p:cNvSpPr>
+            <a:spLocks noGrp="1"/>
+          </p:cNvSpPr>
+          <p:nvPr>
+            <p:ph type="sldNum" sz="quarter" idx="18"/>
+          </p:nvPr>
+        </p:nvSpPr>
+        <p:spPr/>
+        <p:txBody>
+          <a:bodyPr/>
+          <a:lstStyle/>
+          <a:p>
+            <a:fld id="{8699F50C-BE38-4BD0-BA84-9B090E1F2B9B}" type="slidenum">
+              <a:rPr lang="en-US" smtClean="0"/>
+              <a:pPr/>
+              <a:t>6</a:t>
+            </a:fld>
+            <a:endParaRPr lang="en-US" dirty="0"/>
+          </a:p>
+        </p:txBody>
+      </p:sp>
+      <p:sp>
+        <p:nvSpPr>
+          <p:cNvPr id="8" name="Rectangle 7">
+            <a:extLst>
+              <a:ext uri="{FF2B5EF4-FFF2-40B4-BE49-F238E27FC236}">
+                <a16:creationId xmlns:a16="http://schemas.microsoft.com/office/drawing/2014/main" id="{6F9714D7-847D-42AD-91A8-060CEF90428C}"/>
+              </a:ext>
+            </a:extLst>
+          </p:cNvPr>
+          <p:cNvSpPr/>
+          <p:nvPr/>
+        </p:nvSpPr>
+        <p:spPr>
+          <a:xfrm>
+            <a:off x="11146971" y="292608"/>
+            <a:ext cx="667077" cy="484632"/>
+          </a:xfrm>
+          <a:prstGeom prst="rect">
+            <a:avLst/>
+          </a:prstGeom>
+          <a:solidFill>
+            <a:schemeClr val="bg1"/>
+          </a:solidFill>
+          <a:ln>
+            <a:noFill/>
+          </a:ln>
+        </p:spPr>
+        <p:style>
+          <a:lnRef idx="2">
+            <a:schemeClr val="accent1">
+              <a:shade val="50000"/>
+            </a:schemeClr>
+          </a:lnRef>
+          <a:fillRef idx="1">
+            <a:schemeClr val="accent1"/>
+          </a:fillRef>
+          <a:effectRef idx="0">
+            <a:schemeClr val="accent1"/>
+          </a:effectRef>
+          <a:fontRef idx="minor">
+            <a:schemeClr val="lt1"/>
+          </a:fontRef>
+        </p:style>
+        <p:txBody>
+          <a:bodyPr rtlCol="0" anchor="ctr"/>
+          <a:lstStyle/>
+          <a:p>
+            <a:pPr algn="ctr"/>
+            <a:endParaRPr lang="en-US"/>
+          </a:p>
+        </p:txBody>
+      </p:sp>
+      <p:pic>
+        <p:nvPicPr>
+          <p:cNvPr id="3" name="Picture 2">
+            <a:extLst>
+              <a:ext uri="{FF2B5EF4-FFF2-40B4-BE49-F238E27FC236}">
+                <a16:creationId xmlns:a16="http://schemas.microsoft.com/office/drawing/2014/main" id="{2C0A43AE-691B-41D8-BEDF-ECB8B90DA903}"/>
+              </a:ext>
+            </a:extLst>
+          </p:cNvPr>
+          <p:cNvPicPr>
+            <a:picLocks noChangeAspect="1"/>
+          </p:cNvPicPr>
+          <p:nvPr/>
+        </p:nvPicPr>
+        <p:blipFill>
+          <a:blip r:embed="rId2"/>
+          <a:stretch>
+            <a:fillRect/>
+          </a:stretch>
+        </p:blipFill>
+        <p:spPr>
+          <a:xfrm>
+            <a:off x="518678" y="1839809"/>
+            <a:ext cx="5121775" cy="4707296"/>
+          </a:xfrm>
+          <a:prstGeom prst="rect">
+            <a:avLst/>
+          </a:prstGeom>
+        </p:spPr>
+      </p:pic>
+    </p:spTree>
+    <p:extLst>
+      <p:ext uri="{BB962C8B-B14F-4D97-AF65-F5344CB8AC3E}">
+        <p14:creationId xmlns:p14="http://schemas.microsoft.com/office/powerpoint/2010/main" val="955045886"/>
+      </p:ext>
+    </p:extLst>
+  </p:cSld>
+  <p:clrMapOvr>
+    <a:masterClrMapping/>
+  </p:clrMapOvr>
+</p:sld>
+</file>
+
+<file path=ppt/slides/slide7.xml><?xml version="1.0" encoding="utf-8"?>
+<p:sld xmlns:a="http://schemas.openxmlformats.org/drawingml/2006/main" xmlns:r="http://schemas.openxmlformats.org/officeDocument/2006/relationships" xmlns:p="http://schemas.openxmlformats.org/presentationml/2006/main">
+  <p:cSld>
+    <p:spTree>
+      <p:nvGrpSpPr>
+        <p:cNvPr id="1" name=""/>
+        <p:cNvGrpSpPr/>
+        <p:nvPr/>
+      </p:nvGrpSpPr>
+      <p:grpSpPr>
+        <a:xfrm>
+          <a:off x="0" y="0"/>
+          <a:ext cx="0" cy="0"/>
+          <a:chOff x="0" y="0"/>
+          <a:chExt cx="0" cy="0"/>
+        </a:xfrm>
+      </p:grpSpPr>
+      <p:sp>
+        <p:nvSpPr>
           <p:cNvPr id="41" name="Title 3">
             <a:extLst>
               <a:ext uri="{FF2B5EF4-FFF2-40B4-BE49-F238E27FC236}">
@@ -15576,7 +16289,7 @@
             <a:fld id="{8699F50C-BE38-4BD0-BA84-9B090E1F2B9B}" type="slidenum">
               <a:rPr lang="en-US" smtClean="0"/>
               <a:pPr/>
-              <a:t>6</a:t>
+              <a:t>7</a:t>
             </a:fld>
             <a:endParaRPr lang="en-US" dirty="0"/>
           </a:p>
@@ -15647,7 +16360,7 @@
 </p:sld>
 </file>
 
-<file path=ppt/slides/slide7.xml><?xml version="1.0" encoding="utf-8"?>
+<file path=ppt/slides/slide8.xml><?xml version="1.0" encoding="utf-8"?>
 <p:sld xmlns:a="http://schemas.openxmlformats.org/drawingml/2006/main" xmlns:r="http://schemas.openxmlformats.org/officeDocument/2006/relationships" xmlns:p="http://schemas.openxmlformats.org/presentationml/2006/main">
   <p:cSld>
     <p:spTree>
@@ -15895,7 +16608,7 @@
             <a:fld id="{8699F50C-BE38-4BD0-BA84-9B090E1F2B9B}" type="slidenum">
               <a:rPr lang="en-US" smtClean="0"/>
               <a:pPr/>
-              <a:t>7</a:t>
+              <a:t>8</a:t>
             </a:fld>
             <a:endParaRPr lang="en-US" dirty="0"/>
           </a:p>
@@ -16030,7 +16743,7 @@
 </p:sld>
 </file>
 
-<file path=ppt/slides/slide8.xml><?xml version="1.0" encoding="utf-8"?>
+<file path=ppt/slides/slide9.xml><?xml version="1.0" encoding="utf-8"?>
 <p:sld xmlns:a="http://schemas.openxmlformats.org/drawingml/2006/main" xmlns:r="http://schemas.openxmlformats.org/officeDocument/2006/relationships" xmlns:p="http://schemas.openxmlformats.org/presentationml/2006/main">
   <p:cSld>
     <p:spTree>
@@ -16216,7 +16929,7 @@
             <a:fld id="{8699F50C-BE38-4BD0-BA84-9B090E1F2B9B}" type="slidenum">
               <a:rPr lang="en-US" smtClean="0"/>
               <a:pPr/>
-              <a:t>8</a:t>
+              <a:t>9</a:t>
             </a:fld>
             <a:endParaRPr lang="en-US" dirty="0"/>
           </a:p>
@@ -16342,198 +17055,6 @@
     <p:extLst>
       <p:ext uri="{BB962C8B-B14F-4D97-AF65-F5344CB8AC3E}">
         <p14:creationId xmlns:p14="http://schemas.microsoft.com/office/powerpoint/2010/main" val="2158201031"/>
-      </p:ext>
-    </p:extLst>
-  </p:cSld>
-  <p:clrMapOvr>
-    <a:masterClrMapping/>
-  </p:clrMapOvr>
-</p:sld>
-</file>
-
-<file path=ppt/slides/slide9.xml><?xml version="1.0" encoding="utf-8"?>
-<p:sld xmlns:a="http://schemas.openxmlformats.org/drawingml/2006/main" xmlns:r="http://schemas.openxmlformats.org/officeDocument/2006/relationships" xmlns:p="http://schemas.openxmlformats.org/presentationml/2006/main">
-  <p:cSld>
-    <p:spTree>
-      <p:nvGrpSpPr>
-        <p:cNvPr id="1" name=""/>
-        <p:cNvGrpSpPr/>
-        <p:nvPr/>
-      </p:nvGrpSpPr>
-      <p:grpSpPr>
-        <a:xfrm>
-          <a:off x="0" y="0"/>
-          <a:ext cx="0" cy="0"/>
-          <a:chOff x="0" y="0"/>
-          <a:chExt cx="0" cy="0"/>
-        </a:xfrm>
-      </p:grpSpPr>
-      <p:sp>
-        <p:nvSpPr>
-          <p:cNvPr id="18" name="Title 13">
-            <a:extLst>
-              <a:ext uri="{FF2B5EF4-FFF2-40B4-BE49-F238E27FC236}">
-                <a16:creationId xmlns:a16="http://schemas.microsoft.com/office/drawing/2014/main" id="{92896B42-4638-40D0-8887-7AB8D1D86B3D}"/>
-              </a:ext>
-            </a:extLst>
-          </p:cNvPr>
-          <p:cNvSpPr>
-            <a:spLocks noGrp="1"/>
-          </p:cNvSpPr>
-          <p:nvPr>
-            <p:ph type="title"/>
-          </p:nvPr>
-        </p:nvSpPr>
-        <p:spPr/>
-        <p:txBody>
-          <a:bodyPr/>
-          <a:lstStyle/>
-          <a:p>
-            <a:r>
-              <a:rPr lang="en-US" dirty="0"/>
-              <a:t>Findings </a:t>
-            </a:r>
-            <a:r>
-              <a:rPr lang="en-US" b="0" dirty="0"/>
-              <a:t>&amp; Results</a:t>
-            </a:r>
-          </a:p>
-        </p:txBody>
-      </p:sp>
-      <p:sp>
-        <p:nvSpPr>
-          <p:cNvPr id="33" name="Text Placeholder 32">
-            <a:extLst>
-              <a:ext uri="{FF2B5EF4-FFF2-40B4-BE49-F238E27FC236}">
-                <a16:creationId xmlns:a16="http://schemas.microsoft.com/office/drawing/2014/main" id="{7CFD0302-279C-8A48-9E27-AD5B08D6501E}"/>
-              </a:ext>
-            </a:extLst>
-          </p:cNvPr>
-          <p:cNvSpPr>
-            <a:spLocks noGrp="1"/>
-          </p:cNvSpPr>
-          <p:nvPr>
-            <p:ph type="body" sz="quarter" idx="19"/>
-          </p:nvPr>
-        </p:nvSpPr>
-        <p:spPr>
-          <a:xfrm>
-            <a:off x="518678" y="2005762"/>
-            <a:ext cx="6285567" cy="1624465"/>
-          </a:xfrm>
-        </p:spPr>
-        <p:txBody>
-          <a:bodyPr/>
-          <a:lstStyle/>
-          <a:p>
-            <a:pPr marL="342900" indent="-342900">
-              <a:buClr>
-                <a:schemeClr val="accent2"/>
-              </a:buClr>
-              <a:buFont typeface="Arial" panose="020B0604020202020204" pitchFamily="34" charset="0"/>
-              <a:buChar char="•"/>
-            </a:pPr>
-            <a:r>
-              <a:rPr lang="en-US" sz="3200" dirty="0"/>
-              <a:t>VISUALIZATIONS</a:t>
-            </a:r>
-          </a:p>
-          <a:p>
-            <a:pPr>
-              <a:buClr>
-                <a:schemeClr val="accent2"/>
-              </a:buClr>
-            </a:pPr>
-            <a:endParaRPr lang="en-US" sz="2800" dirty="0"/>
-          </a:p>
-        </p:txBody>
-      </p:sp>
-      <p:sp>
-        <p:nvSpPr>
-          <p:cNvPr id="4" name="Slide Number Placeholder 3">
-            <a:extLst>
-              <a:ext uri="{FF2B5EF4-FFF2-40B4-BE49-F238E27FC236}">
-                <a16:creationId xmlns:a16="http://schemas.microsoft.com/office/drawing/2014/main" id="{B2228214-87DB-4B3A-BD81-9A709A69BAAC}"/>
-              </a:ext>
-            </a:extLst>
-          </p:cNvPr>
-          <p:cNvSpPr>
-            <a:spLocks noGrp="1"/>
-          </p:cNvSpPr>
-          <p:nvPr>
-            <p:ph type="sldNum" sz="quarter" idx="18"/>
-          </p:nvPr>
-        </p:nvSpPr>
-        <p:spPr/>
-        <p:txBody>
-          <a:bodyPr/>
-          <a:lstStyle/>
-          <a:p>
-            <a:fld id="{8699F50C-BE38-4BD0-BA84-9B090E1F2B9B}" type="slidenum">
-              <a:rPr lang="en-US" smtClean="0"/>
-              <a:pPr/>
-              <a:t>9</a:t>
-            </a:fld>
-            <a:endParaRPr lang="en-US" dirty="0"/>
-          </a:p>
-        </p:txBody>
-      </p:sp>
-      <p:sp>
-        <p:nvSpPr>
-          <p:cNvPr id="8" name="Rectangle 7">
-            <a:extLst>
-              <a:ext uri="{FF2B5EF4-FFF2-40B4-BE49-F238E27FC236}">
-                <a16:creationId xmlns:a16="http://schemas.microsoft.com/office/drawing/2014/main" id="{6F9714D7-847D-42AD-91A8-060CEF90428C}"/>
-              </a:ext>
-            </a:extLst>
-          </p:cNvPr>
-          <p:cNvSpPr/>
-          <p:nvPr/>
-        </p:nvSpPr>
-        <p:spPr>
-          <a:xfrm>
-            <a:off x="11146971" y="292608"/>
-            <a:ext cx="667077" cy="484632"/>
-          </a:xfrm>
-          <a:prstGeom prst="rect">
-            <a:avLst/>
-          </a:prstGeom>
-          <a:solidFill>
-            <a:schemeClr val="bg1"/>
-          </a:solidFill>
-          <a:ln>
-            <a:noFill/>
-          </a:ln>
-        </p:spPr>
-        <p:style>
-          <a:lnRef idx="2">
-            <a:schemeClr val="accent1">
-              <a:shade val="50000"/>
-            </a:schemeClr>
-          </a:lnRef>
-          <a:fillRef idx="1">
-            <a:schemeClr val="accent1"/>
-          </a:fillRef>
-          <a:effectRef idx="0">
-            <a:schemeClr val="accent1"/>
-          </a:effectRef>
-          <a:fontRef idx="minor">
-            <a:schemeClr val="lt1"/>
-          </a:fontRef>
-        </p:style>
-        <p:txBody>
-          <a:bodyPr rtlCol="0" anchor="ctr"/>
-          <a:lstStyle/>
-          <a:p>
-            <a:pPr algn="ctr"/>
-            <a:endParaRPr lang="en-US"/>
-          </a:p>
-        </p:txBody>
-      </p:sp>
-    </p:spTree>
-    <p:extLst>
-      <p:ext uri="{BB962C8B-B14F-4D97-AF65-F5344CB8AC3E}">
-        <p14:creationId xmlns:p14="http://schemas.microsoft.com/office/powerpoint/2010/main" val="2316906156"/>
       </p:ext>
     </p:extLst>
   </p:cSld>
@@ -17403,6 +17924,15 @@
 </file>
 
 <file path=customXml/item2.xml><?xml version="1.0" encoding="utf-8"?>
+<?mso-contentType ?>
+<FormTemplates xmlns="http://schemas.microsoft.com/sharepoint/v3/contenttype/forms">
+  <Display>DocumentLibraryForm</Display>
+  <Edit>DocumentLibraryForm</Edit>
+  <New>DocumentLibraryForm</New>
+</FormTemplates>
+</file>
+
+<file path=customXml/item3.xml><?xml version="1.0" encoding="utf-8"?>
 <ct:contentTypeSchema xmlns:ct="http://schemas.microsoft.com/office/2006/metadata/contentType" xmlns:ma="http://schemas.microsoft.com/office/2006/metadata/properties/metaAttributes" ct:_="" ma:_="" ma:contentTypeName="Document" ma:contentTypeID="0x01010079F111ED35F8CC479449609E8A0923A6" ma:contentTypeVersion="11" ma:contentTypeDescription="Create a new document." ma:contentTypeScope="" ma:versionID="96291512c1ee715ab617f4c07df79fc1">
   <xsd:schema xmlns:xsd="http://www.w3.org/2001/XMLSchema" xmlns:xs="http://www.w3.org/2001/XMLSchema" xmlns:p="http://schemas.microsoft.com/office/2006/metadata/properties" xmlns:ns2="71af3243-3dd4-4a8d-8c0d-dd76da1f02a5" xmlns:ns3="16c05727-aa75-4e4a-9b5f-8a80a1165891" targetNamespace="http://schemas.microsoft.com/office/2006/metadata/properties" ma:root="true" ma:fieldsID="8256c27c40ca5c40ce1cf6c44f0205df" ns2:_="" ns3:_="">
     <xsd:import namespace="71af3243-3dd4-4a8d-8c0d-dd76da1f02a5"/>
@@ -17613,15 +18143,6 @@
 </ct:contentTypeSchema>
 </file>
 
-<file path=customXml/item3.xml><?xml version="1.0" encoding="utf-8"?>
-<?mso-contentType ?>
-<FormTemplates xmlns="http://schemas.microsoft.com/sharepoint/v3/contenttype/forms">
-  <Display>DocumentLibraryForm</Display>
-  <Edit>DocumentLibraryForm</Edit>
-  <New>DocumentLibraryForm</New>
-</FormTemplates>
-</file>
-
 <file path=customXml/itemProps1.xml><?xml version="1.0" encoding="utf-8"?>
 <ds:datastoreItem xmlns:ds="http://schemas.openxmlformats.org/officeDocument/2006/customXml" ds:itemID="{C87F4215-C6BB-44A3-9A5E-9446E6835900}">
   <ds:schemaRefs>
@@ -17633,6 +18154,14 @@
 </file>
 
 <file path=customXml/itemProps2.xml><?xml version="1.0" encoding="utf-8"?>
+<ds:datastoreItem xmlns:ds="http://schemas.openxmlformats.org/officeDocument/2006/customXml" ds:itemID="{A80A5AF1-8C57-4290-936E-5FD27C957251}">
+  <ds:schemaRefs>
+    <ds:schemaRef ds:uri="http://schemas.microsoft.com/sharepoint/v3/contenttype/forms"/>
+  </ds:schemaRefs>
+</ds:datastoreItem>
+</file>
+
+<file path=customXml/itemProps3.xml><?xml version="1.0" encoding="utf-8"?>
 <ds:datastoreItem xmlns:ds="http://schemas.openxmlformats.org/officeDocument/2006/customXml" ds:itemID="{8F8919DE-9BD9-47A9-9F5D-16EBB9687974}">
   <ds:schemaRefs>
     <ds:schemaRef ds:uri="http://schemas.microsoft.com/office/2006/metadata/contentType"/>
@@ -17649,12 +18178,4 @@
     <ds:schemaRef ds:uri="http://schemas.microsoft.com/internal/obd"/>
   </ds:schemaRefs>
 </ds:datastoreItem>
-</file>
-
-<file path=customXml/itemProps3.xml><?xml version="1.0" encoding="utf-8"?>
-<ds:datastoreItem xmlns:ds="http://schemas.openxmlformats.org/officeDocument/2006/customXml" ds:itemID="{A80A5AF1-8C57-4290-936E-5FD27C957251}">
-  <ds:schemaRefs>
-    <ds:schemaRef ds:uri="http://schemas.microsoft.com/sharepoint/v3/contenttype/forms"/>
-  </ds:schemaRefs>
-</ds:datastoreItem>
 </file>
--- a/ML Group Project_Sentiment Analysis of Twitter Data.pptx
+++ b/ML Group Project_Sentiment Analysis of Twitter Data.pptx
@@ -5,10 +5,10 @@
     <p:sldMasterId id="2147483648" r:id="rId4"/>
   </p:sldMasterIdLst>
   <p:notesMasterIdLst>
-    <p:notesMasterId r:id="rId19"/>
+    <p:notesMasterId r:id="rId21"/>
   </p:notesMasterIdLst>
   <p:handoutMasterIdLst>
-    <p:handoutMasterId r:id="rId20"/>
+    <p:handoutMasterId r:id="rId22"/>
   </p:handoutMasterIdLst>
   <p:sldIdLst>
     <p:sldId id="256" r:id="rId5"/>
@@ -20,11 +20,13 @@
     <p:sldId id="278" r:id="rId11"/>
     <p:sldId id="273" r:id="rId12"/>
     <p:sldId id="274" r:id="rId13"/>
-    <p:sldId id="275" r:id="rId14"/>
-    <p:sldId id="280" r:id="rId15"/>
-    <p:sldId id="277" r:id="rId16"/>
-    <p:sldId id="276" r:id="rId17"/>
-    <p:sldId id="272" r:id="rId18"/>
+    <p:sldId id="281" r:id="rId14"/>
+    <p:sldId id="275" r:id="rId15"/>
+    <p:sldId id="280" r:id="rId16"/>
+    <p:sldId id="282" r:id="rId17"/>
+    <p:sldId id="277" r:id="rId18"/>
+    <p:sldId id="276" r:id="rId19"/>
+    <p:sldId id="272" r:id="rId20"/>
   </p:sldIdLst>
   <p:sldSz cx="12192000" cy="6858000"/>
   <p:notesSz cx="6858000" cy="9144000"/>
@@ -244,7 +246,7 @@
           <a:p>
             <a:fld id="{872BFC85-49E4-447A-A7E3-16153CB2FE2A}" type="datetimeFigureOut">
               <a:rPr lang="en-US" smtClean="0"/>
-              <a:t>3/23/2021</a:t>
+              <a:t>3/24/2021</a:t>
             </a:fld>
             <a:endParaRPr lang="en-US" dirty="0"/>
           </a:p>
@@ -421,7 +423,7 @@
           <a:p>
             <a:fld id="{1071B50E-4C60-4F9E-B773-52059170945B}" type="datetimeFigureOut">
               <a:rPr lang="en-US" noProof="0" smtClean="0"/>
-              <a:t>3/23/2021</a:t>
+              <a:t>3/24/2021</a:t>
             </a:fld>
             <a:endParaRPr lang="en-US" noProof="0" dirty="0"/>
           </a:p>
@@ -13318,24 +13320,6 @@
           <a:bodyPr/>
           <a:lstStyle/>
           <a:p>
-            <a:pPr marL="342900" indent="-342900">
-              <a:buClr>
-                <a:schemeClr val="accent2"/>
-              </a:buClr>
-              <a:buFont typeface="Arial" panose="020B0604020202020204" pitchFamily="34" charset="0"/>
-              <a:buChar char="•"/>
-            </a:pPr>
-            <a:r>
-              <a:rPr lang="en-US" sz="3200" dirty="0"/>
-              <a:t>WORD </a:t>
-            </a:r>
-            <a:r>
-              <a:rPr lang="en-US" sz="3200" dirty="0" err="1"/>
-              <a:t>freq</a:t>
-            </a:r>
-            <a:endParaRPr lang="en-US" sz="3200" dirty="0"/>
-          </a:p>
-          <a:p>
             <a:pPr>
               <a:buClr>
                 <a:schemeClr val="accent2"/>
@@ -13427,10 +13411,40 @@
           </a:p>
         </p:txBody>
       </p:sp>
+      <p:pic>
+        <p:nvPicPr>
+          <p:cNvPr id="5" name="Picture 4" descr="A picture containing qr code&#10;&#10;Description automatically generated">
+            <a:extLst>
+              <a:ext uri="{FF2B5EF4-FFF2-40B4-BE49-F238E27FC236}">
+                <a16:creationId xmlns:a16="http://schemas.microsoft.com/office/drawing/2014/main" id="{E1E93317-0A3E-4CFB-8423-518867774A01}"/>
+              </a:ext>
+            </a:extLst>
+          </p:cNvPr>
+          <p:cNvPicPr>
+            <a:picLocks noChangeAspect="1"/>
+          </p:cNvPicPr>
+          <p:nvPr/>
+        </p:nvPicPr>
+        <p:blipFill>
+          <a:blip r:embed="rId2"/>
+          <a:stretch>
+            <a:fillRect/>
+          </a:stretch>
+        </p:blipFill>
+        <p:spPr>
+          <a:xfrm>
+            <a:off x="352339" y="1551963"/>
+            <a:ext cx="11190912" cy="4941116"/>
+          </a:xfrm>
+          <a:prstGeom prst="rect">
+            <a:avLst/>
+          </a:prstGeom>
+        </p:spPr>
+      </p:pic>
     </p:spTree>
     <p:extLst>
       <p:ext uri="{BB962C8B-B14F-4D97-AF65-F5344CB8AC3E}">
-        <p14:creationId xmlns:p14="http://schemas.microsoft.com/office/powerpoint/2010/main" val="2316906156"/>
+        <p14:creationId xmlns:p14="http://schemas.microsoft.com/office/powerpoint/2010/main" val="3882435783"/>
       </p:ext>
     </p:extLst>
   </p:cSld>
@@ -13473,18 +13487,23 @@
             <p:ph type="title"/>
           </p:nvPr>
         </p:nvSpPr>
-        <p:spPr/>
+        <p:spPr>
+          <a:xfrm>
+            <a:off x="518678" y="209028"/>
+            <a:ext cx="8333222" cy="814429"/>
+          </a:xfrm>
+        </p:spPr>
         <p:txBody>
           <a:bodyPr/>
           <a:lstStyle/>
           <a:p>
             <a:r>
               <a:rPr lang="en-US" dirty="0"/>
-              <a:t>Company </a:t>
+              <a:t>Findings </a:t>
             </a:r>
             <a:r>
               <a:rPr lang="en-US" b="0" dirty="0"/>
-              <a:t>Analysis</a:t>
+              <a:t>&amp; Results</a:t>
             </a:r>
           </a:p>
         </p:txBody>
@@ -13514,19 +13533,6 @@
         <p:txBody>
           <a:bodyPr/>
           <a:lstStyle/>
-          <a:p>
-            <a:pPr marL="342900" indent="-342900">
-              <a:buClr>
-                <a:schemeClr val="accent2"/>
-              </a:buClr>
-              <a:buFont typeface="Arial" panose="020B0604020202020204" pitchFamily="34" charset="0"/>
-              <a:buChar char="•"/>
-            </a:pPr>
-            <a:r>
-              <a:rPr lang="en-US" sz="3200" dirty="0"/>
-              <a:t>Histograms</a:t>
-            </a:r>
-          </a:p>
           <a:p>
             <a:pPr>
               <a:buClr>
@@ -13619,10 +13625,40 @@
           </a:p>
         </p:txBody>
       </p:sp>
+      <p:pic>
+        <p:nvPicPr>
+          <p:cNvPr id="3" name="Picture 2" descr="Chart, bar chart&#10;&#10;Description automatically generated">
+            <a:extLst>
+              <a:ext uri="{FF2B5EF4-FFF2-40B4-BE49-F238E27FC236}">
+                <a16:creationId xmlns:a16="http://schemas.microsoft.com/office/drawing/2014/main" id="{989A9155-9DFF-4AA3-9A4A-16DF708C9425}"/>
+              </a:ext>
+            </a:extLst>
+          </p:cNvPr>
+          <p:cNvPicPr>
+            <a:picLocks noChangeAspect="1"/>
+          </p:cNvPicPr>
+          <p:nvPr/>
+        </p:nvPicPr>
+        <p:blipFill>
+          <a:blip r:embed="rId2"/>
+          <a:stretch>
+            <a:fillRect/>
+          </a:stretch>
+        </p:blipFill>
+        <p:spPr>
+          <a:xfrm>
+            <a:off x="518678" y="1132515"/>
+            <a:ext cx="9858504" cy="5725486"/>
+          </a:xfrm>
+          <a:prstGeom prst="rect">
+            <a:avLst/>
+          </a:prstGeom>
+        </p:spPr>
+      </p:pic>
     </p:spTree>
     <p:extLst>
       <p:ext uri="{BB962C8B-B14F-4D97-AF65-F5344CB8AC3E}">
-        <p14:creationId xmlns:p14="http://schemas.microsoft.com/office/powerpoint/2010/main" val="168838203"/>
+        <p14:creationId xmlns:p14="http://schemas.microsoft.com/office/powerpoint/2010/main" val="2316906156"/>
       </p:ext>
     </p:extLst>
   </p:cSld>
@@ -13665,18 +13701,408 @@
             <p:ph type="title"/>
           </p:nvPr>
         </p:nvSpPr>
-        <p:spPr/>
+        <p:spPr>
+          <a:xfrm>
+            <a:off x="1725296" y="86934"/>
+            <a:ext cx="8333222" cy="1147969"/>
+          </a:xfrm>
+        </p:spPr>
         <p:txBody>
           <a:bodyPr/>
           <a:lstStyle/>
           <a:p>
+            <a:pPr algn="ctr"/>
             <a:r>
               <a:rPr lang="en-US" dirty="0"/>
-              <a:t>Business </a:t>
+              <a:t>Company </a:t>
             </a:r>
             <a:r>
               <a:rPr lang="en-US" b="0" dirty="0"/>
-              <a:t>Impacts</a:t>
+              <a:t>Analysis</a:t>
+            </a:r>
+          </a:p>
+        </p:txBody>
+      </p:sp>
+      <p:sp>
+        <p:nvSpPr>
+          <p:cNvPr id="4" name="Slide Number Placeholder 3">
+            <a:extLst>
+              <a:ext uri="{FF2B5EF4-FFF2-40B4-BE49-F238E27FC236}">
+                <a16:creationId xmlns:a16="http://schemas.microsoft.com/office/drawing/2014/main" id="{B2228214-87DB-4B3A-BD81-9A709A69BAAC}"/>
+              </a:ext>
+            </a:extLst>
+          </p:cNvPr>
+          <p:cNvSpPr>
+            <a:spLocks noGrp="1"/>
+          </p:cNvSpPr>
+          <p:nvPr>
+            <p:ph type="sldNum" sz="quarter" idx="18"/>
+          </p:nvPr>
+        </p:nvSpPr>
+        <p:spPr/>
+        <p:txBody>
+          <a:bodyPr/>
+          <a:lstStyle/>
+          <a:p>
+            <a:fld id="{8699F50C-BE38-4BD0-BA84-9B090E1F2B9B}" type="slidenum">
+              <a:rPr lang="en-US" smtClean="0"/>
+              <a:pPr/>
+              <a:t>12</a:t>
+            </a:fld>
+            <a:endParaRPr lang="en-US" dirty="0"/>
+          </a:p>
+        </p:txBody>
+      </p:sp>
+      <p:sp>
+        <p:nvSpPr>
+          <p:cNvPr id="8" name="Rectangle 7">
+            <a:extLst>
+              <a:ext uri="{FF2B5EF4-FFF2-40B4-BE49-F238E27FC236}">
+                <a16:creationId xmlns:a16="http://schemas.microsoft.com/office/drawing/2014/main" id="{6F9714D7-847D-42AD-91A8-060CEF90428C}"/>
+              </a:ext>
+            </a:extLst>
+          </p:cNvPr>
+          <p:cNvSpPr/>
+          <p:nvPr/>
+        </p:nvSpPr>
+        <p:spPr>
+          <a:xfrm>
+            <a:off x="11146971" y="292608"/>
+            <a:ext cx="667077" cy="484632"/>
+          </a:xfrm>
+          <a:prstGeom prst="rect">
+            <a:avLst/>
+          </a:prstGeom>
+          <a:solidFill>
+            <a:schemeClr val="bg1"/>
+          </a:solidFill>
+          <a:ln>
+            <a:noFill/>
+          </a:ln>
+        </p:spPr>
+        <p:style>
+          <a:lnRef idx="2">
+            <a:schemeClr val="accent1">
+              <a:shade val="50000"/>
+            </a:schemeClr>
+          </a:lnRef>
+          <a:fillRef idx="1">
+            <a:schemeClr val="accent1"/>
+          </a:fillRef>
+          <a:effectRef idx="0">
+            <a:schemeClr val="accent1"/>
+          </a:effectRef>
+          <a:fontRef idx="minor">
+            <a:schemeClr val="lt1"/>
+          </a:fontRef>
+        </p:style>
+        <p:txBody>
+          <a:bodyPr rtlCol="0" anchor="ctr"/>
+          <a:lstStyle/>
+          <a:p>
+            <a:pPr algn="ctr"/>
+            <a:endParaRPr lang="en-US"/>
+          </a:p>
+        </p:txBody>
+      </p:sp>
+      <p:pic>
+        <p:nvPicPr>
+          <p:cNvPr id="3" name="Picture 2" descr="Chart, histogram&#10;&#10;Description automatically generated">
+            <a:extLst>
+              <a:ext uri="{FF2B5EF4-FFF2-40B4-BE49-F238E27FC236}">
+                <a16:creationId xmlns:a16="http://schemas.microsoft.com/office/drawing/2014/main" id="{5E33C8A4-8B79-4E8A-960A-6367E05B2030}"/>
+              </a:ext>
+            </a:extLst>
+          </p:cNvPr>
+          <p:cNvPicPr>
+            <a:picLocks noChangeAspect="1"/>
+          </p:cNvPicPr>
+          <p:nvPr/>
+        </p:nvPicPr>
+        <p:blipFill>
+          <a:blip r:embed="rId2"/>
+          <a:stretch>
+            <a:fillRect/>
+          </a:stretch>
+        </p:blipFill>
+        <p:spPr>
+          <a:xfrm>
+            <a:off x="254387" y="1476463"/>
+            <a:ext cx="2941819" cy="2491530"/>
+          </a:xfrm>
+          <a:prstGeom prst="rect">
+            <a:avLst/>
+          </a:prstGeom>
+        </p:spPr>
+      </p:pic>
+      <p:pic>
+        <p:nvPicPr>
+          <p:cNvPr id="9" name="Picture 8" descr="Chart, histogram&#10;&#10;Description automatically generated">
+            <a:extLst>
+              <a:ext uri="{FF2B5EF4-FFF2-40B4-BE49-F238E27FC236}">
+                <a16:creationId xmlns:a16="http://schemas.microsoft.com/office/drawing/2014/main" id="{0F970402-2CEC-4886-8E93-821B7376A48D}"/>
+              </a:ext>
+            </a:extLst>
+          </p:cNvPr>
+          <p:cNvPicPr>
+            <a:picLocks noChangeAspect="1"/>
+          </p:cNvPicPr>
+          <p:nvPr/>
+        </p:nvPicPr>
+        <p:blipFill>
+          <a:blip r:embed="rId3"/>
+          <a:stretch>
+            <a:fillRect/>
+          </a:stretch>
+        </p:blipFill>
+        <p:spPr>
+          <a:xfrm>
+            <a:off x="6339360" y="1476463"/>
+            <a:ext cx="2813030" cy="2492658"/>
+          </a:xfrm>
+          <a:prstGeom prst="rect">
+            <a:avLst/>
+          </a:prstGeom>
+        </p:spPr>
+      </p:pic>
+      <p:pic>
+        <p:nvPicPr>
+          <p:cNvPr id="11" name="Picture 10" descr="Chart, histogram&#10;&#10;Description automatically generated">
+            <a:extLst>
+              <a:ext uri="{FF2B5EF4-FFF2-40B4-BE49-F238E27FC236}">
+                <a16:creationId xmlns:a16="http://schemas.microsoft.com/office/drawing/2014/main" id="{5270071C-9F9E-4ECF-B972-A740FFAFFD3E}"/>
+              </a:ext>
+            </a:extLst>
+          </p:cNvPr>
+          <p:cNvPicPr>
+            <a:picLocks noChangeAspect="1"/>
+          </p:cNvPicPr>
+          <p:nvPr/>
+        </p:nvPicPr>
+        <p:blipFill>
+          <a:blip r:embed="rId4"/>
+          <a:stretch>
+            <a:fillRect/>
+          </a:stretch>
+        </p:blipFill>
+        <p:spPr>
+          <a:xfrm>
+            <a:off x="9152390" y="1476800"/>
+            <a:ext cx="2653717" cy="2486542"/>
+          </a:xfrm>
+          <a:prstGeom prst="rect">
+            <a:avLst/>
+          </a:prstGeom>
+        </p:spPr>
+      </p:pic>
+      <p:pic>
+        <p:nvPicPr>
+          <p:cNvPr id="13" name="Picture 12" descr="Chart, histogram&#10;&#10;Description automatically generated">
+            <a:extLst>
+              <a:ext uri="{FF2B5EF4-FFF2-40B4-BE49-F238E27FC236}">
+                <a16:creationId xmlns:a16="http://schemas.microsoft.com/office/drawing/2014/main" id="{6AC0697E-AFB1-4F09-87E2-AD1538C0C481}"/>
+              </a:ext>
+            </a:extLst>
+          </p:cNvPr>
+          <p:cNvPicPr>
+            <a:picLocks noChangeAspect="1"/>
+          </p:cNvPicPr>
+          <p:nvPr/>
+        </p:nvPicPr>
+        <p:blipFill>
+          <a:blip r:embed="rId5"/>
+          <a:stretch>
+            <a:fillRect/>
+          </a:stretch>
+        </p:blipFill>
+        <p:spPr>
+          <a:xfrm>
+            <a:off x="254387" y="4356151"/>
+            <a:ext cx="2460849" cy="2501849"/>
+          </a:xfrm>
+          <a:prstGeom prst="rect">
+            <a:avLst/>
+          </a:prstGeom>
+        </p:spPr>
+      </p:pic>
+      <p:pic>
+        <p:nvPicPr>
+          <p:cNvPr id="15" name="Picture 14" descr="Chart, histogram&#10;&#10;Description automatically generated">
+            <a:extLst>
+              <a:ext uri="{FF2B5EF4-FFF2-40B4-BE49-F238E27FC236}">
+                <a16:creationId xmlns:a16="http://schemas.microsoft.com/office/drawing/2014/main" id="{4B8D0811-A181-403E-BD18-45A9841B150C}"/>
+              </a:ext>
+            </a:extLst>
+          </p:cNvPr>
+          <p:cNvPicPr>
+            <a:picLocks noChangeAspect="1"/>
+          </p:cNvPicPr>
+          <p:nvPr/>
+        </p:nvPicPr>
+        <p:blipFill>
+          <a:blip r:embed="rId6"/>
+          <a:stretch>
+            <a:fillRect/>
+          </a:stretch>
+        </p:blipFill>
+        <p:spPr>
+          <a:xfrm>
+            <a:off x="3196206" y="4356152"/>
+            <a:ext cx="2460849" cy="2431692"/>
+          </a:xfrm>
+          <a:prstGeom prst="rect">
+            <a:avLst/>
+          </a:prstGeom>
+        </p:spPr>
+      </p:pic>
+      <p:pic>
+        <p:nvPicPr>
+          <p:cNvPr id="17" name="Picture 16" descr="Chart, histogram&#10;&#10;Description automatically generated">
+            <a:extLst>
+              <a:ext uri="{FF2B5EF4-FFF2-40B4-BE49-F238E27FC236}">
+                <a16:creationId xmlns:a16="http://schemas.microsoft.com/office/drawing/2014/main" id="{47AEA447-1D30-4268-B763-42F40A7BB9B8}"/>
+              </a:ext>
+            </a:extLst>
+          </p:cNvPr>
+          <p:cNvPicPr>
+            <a:picLocks noChangeAspect="1"/>
+          </p:cNvPicPr>
+          <p:nvPr/>
+        </p:nvPicPr>
+        <p:blipFill>
+          <a:blip r:embed="rId7"/>
+          <a:stretch>
+            <a:fillRect/>
+          </a:stretch>
+        </p:blipFill>
+        <p:spPr>
+          <a:xfrm>
+            <a:off x="5981194" y="4356151"/>
+            <a:ext cx="2944537" cy="2431692"/>
+          </a:xfrm>
+          <a:prstGeom prst="rect">
+            <a:avLst/>
+          </a:prstGeom>
+        </p:spPr>
+      </p:pic>
+      <p:pic>
+        <p:nvPicPr>
+          <p:cNvPr id="20" name="Picture 19" descr="Chart, histogram&#10;&#10;Description automatically generated">
+            <a:extLst>
+              <a:ext uri="{FF2B5EF4-FFF2-40B4-BE49-F238E27FC236}">
+                <a16:creationId xmlns:a16="http://schemas.microsoft.com/office/drawing/2014/main" id="{4CA2A155-7D44-4756-97FB-63CE755BD252}"/>
+              </a:ext>
+            </a:extLst>
+          </p:cNvPr>
+          <p:cNvPicPr>
+            <a:picLocks noChangeAspect="1"/>
+          </p:cNvPicPr>
+          <p:nvPr/>
+        </p:nvPicPr>
+        <p:blipFill>
+          <a:blip r:embed="rId8"/>
+          <a:stretch>
+            <a:fillRect/>
+          </a:stretch>
+        </p:blipFill>
+        <p:spPr>
+          <a:xfrm>
+            <a:off x="9152390" y="4356151"/>
+            <a:ext cx="2858084" cy="2501849"/>
+          </a:xfrm>
+          <a:prstGeom prst="rect">
+            <a:avLst/>
+          </a:prstGeom>
+        </p:spPr>
+      </p:pic>
+      <p:pic>
+        <p:nvPicPr>
+          <p:cNvPr id="24" name="Picture 23" descr="Chart, histogram&#10;&#10;Description automatically generated">
+            <a:extLst>
+              <a:ext uri="{FF2B5EF4-FFF2-40B4-BE49-F238E27FC236}">
+                <a16:creationId xmlns:a16="http://schemas.microsoft.com/office/drawing/2014/main" id="{622F476A-EF42-4A4D-9F77-70FAAB2B977C}"/>
+              </a:ext>
+            </a:extLst>
+          </p:cNvPr>
+          <p:cNvPicPr>
+            <a:picLocks noChangeAspect="1"/>
+          </p:cNvPicPr>
+          <p:nvPr/>
+        </p:nvPicPr>
+        <p:blipFill>
+          <a:blip r:embed="rId9"/>
+          <a:stretch>
+            <a:fillRect/>
+          </a:stretch>
+        </p:blipFill>
+        <p:spPr>
+          <a:xfrm>
+            <a:off x="3196206" y="1470686"/>
+            <a:ext cx="3095537" cy="2497308"/>
+          </a:xfrm>
+          <a:prstGeom prst="rect">
+            <a:avLst/>
+          </a:prstGeom>
+        </p:spPr>
+      </p:pic>
+    </p:spTree>
+    <p:extLst>
+      <p:ext uri="{BB962C8B-B14F-4D97-AF65-F5344CB8AC3E}">
+        <p14:creationId xmlns:p14="http://schemas.microsoft.com/office/powerpoint/2010/main" val="168838203"/>
+      </p:ext>
+    </p:extLst>
+  </p:cSld>
+  <p:clrMapOvr>
+    <a:masterClrMapping/>
+  </p:clrMapOvr>
+</p:sld>
+</file>
+
+<file path=ppt/slides/slide13.xml><?xml version="1.0" encoding="utf-8"?>
+<p:sld xmlns:a="http://schemas.openxmlformats.org/drawingml/2006/main" xmlns:r="http://schemas.openxmlformats.org/officeDocument/2006/relationships" xmlns:p="http://schemas.openxmlformats.org/presentationml/2006/main">
+  <p:cSld>
+    <p:spTree>
+      <p:nvGrpSpPr>
+        <p:cNvPr id="1" name=""/>
+        <p:cNvGrpSpPr/>
+        <p:nvPr/>
+      </p:nvGrpSpPr>
+      <p:grpSpPr>
+        <a:xfrm>
+          <a:off x="0" y="0"/>
+          <a:ext cx="0" cy="0"/>
+          <a:chOff x="0" y="0"/>
+          <a:chExt cx="0" cy="0"/>
+        </a:xfrm>
+      </p:grpSpPr>
+      <p:sp>
+        <p:nvSpPr>
+          <p:cNvPr id="18" name="Title 13">
+            <a:extLst>
+              <a:ext uri="{FF2B5EF4-FFF2-40B4-BE49-F238E27FC236}">
+                <a16:creationId xmlns:a16="http://schemas.microsoft.com/office/drawing/2014/main" id="{92896B42-4638-40D0-8887-7AB8D1D86B3D}"/>
+              </a:ext>
+            </a:extLst>
+          </p:cNvPr>
+          <p:cNvSpPr>
+            <a:spLocks noGrp="1"/>
+          </p:cNvSpPr>
+          <p:nvPr>
+            <p:ph type="title"/>
+          </p:nvPr>
+        </p:nvSpPr>
+        <p:spPr/>
+        <p:txBody>
+          <a:bodyPr/>
+          <a:lstStyle/>
+          <a:p>
+            <a:r>
+              <a:rPr lang="en-US" dirty="0"/>
+              <a:t>Data </a:t>
+            </a:r>
+            <a:r>
+              <a:rPr lang="en-US" b="0" dirty="0"/>
+              <a:t>Analysis – Suggesting Model</a:t>
             </a:r>
           </a:p>
         </p:txBody>
@@ -13700,7 +14126,7 @@
         <p:spPr>
           <a:xfrm>
             <a:off x="518678" y="2005762"/>
-            <a:ext cx="7363450" cy="3489782"/>
+            <a:ext cx="8963650" cy="4350588"/>
           </a:xfrm>
         </p:spPr>
         <p:txBody>
@@ -13716,7 +14142,7 @@
             </a:pPr>
             <a:r>
               <a:rPr lang="en-US" sz="3200" dirty="0"/>
-              <a:t>Identify fashion trends</a:t>
+              <a:t>Using Classification Method to predict the fashion trend</a:t>
             </a:r>
           </a:p>
           <a:p>
@@ -13729,9 +14155,291 @@
             </a:pPr>
             <a:r>
               <a:rPr lang="en-US" sz="3200" dirty="0"/>
-              <a:t>Input on what direction large companies are heading</a:t>
-            </a:r>
-          </a:p>
+              <a:t>Classification method</a:t>
+            </a:r>
+          </a:p>
+          <a:p>
+            <a:pPr marL="971550" lvl="1" indent="-514350">
+              <a:buClr>
+                <a:schemeClr val="accent2"/>
+              </a:buClr>
+              <a:buFont typeface="+mj-lt"/>
+              <a:buAutoNum type="arabicPeriod"/>
+            </a:pPr>
+            <a:r>
+              <a:rPr lang="en-US" sz="2800" dirty="0"/>
+              <a:t>-</a:t>
+            </a:r>
+            <a:r>
+              <a:rPr lang="en-US" sz="2800" dirty="0">
+                <a:solidFill>
+                  <a:schemeClr val="tx1"/>
+                </a:solidFill>
+              </a:rPr>
+              <a:t>The Naïve Bayes Model: Polarity</a:t>
+            </a:r>
+          </a:p>
+          <a:p>
+            <a:pPr marL="971550" lvl="1" indent="-514350">
+              <a:buClr>
+                <a:schemeClr val="accent2"/>
+              </a:buClr>
+              <a:buFont typeface="+mj-lt"/>
+              <a:buAutoNum type="arabicPeriod"/>
+            </a:pPr>
+            <a:r>
+              <a:rPr lang="en-US" sz="2800" dirty="0">
+                <a:solidFill>
+                  <a:schemeClr val="tx1"/>
+                </a:solidFill>
+              </a:rPr>
+              <a:t>Decision Tree: words in Tweet</a:t>
+            </a:r>
+            <a:endParaRPr lang="en-US" sz="2800" dirty="0"/>
+          </a:p>
+          <a:p>
+            <a:pPr>
+              <a:buClr>
+                <a:schemeClr val="accent2"/>
+              </a:buClr>
+            </a:pPr>
+            <a:endParaRPr lang="en-US" sz="2800" dirty="0"/>
+          </a:p>
+        </p:txBody>
+      </p:sp>
+      <p:sp>
+        <p:nvSpPr>
+          <p:cNvPr id="4" name="Slide Number Placeholder 3">
+            <a:extLst>
+              <a:ext uri="{FF2B5EF4-FFF2-40B4-BE49-F238E27FC236}">
+                <a16:creationId xmlns:a16="http://schemas.microsoft.com/office/drawing/2014/main" id="{B2228214-87DB-4B3A-BD81-9A709A69BAAC}"/>
+              </a:ext>
+            </a:extLst>
+          </p:cNvPr>
+          <p:cNvSpPr>
+            <a:spLocks noGrp="1"/>
+          </p:cNvSpPr>
+          <p:nvPr>
+            <p:ph type="sldNum" sz="quarter" idx="18"/>
+          </p:nvPr>
+        </p:nvSpPr>
+        <p:spPr/>
+        <p:txBody>
+          <a:bodyPr/>
+          <a:lstStyle/>
+          <a:p>
+            <a:fld id="{8699F50C-BE38-4BD0-BA84-9B090E1F2B9B}" type="slidenum">
+              <a:rPr lang="en-US" smtClean="0"/>
+              <a:pPr/>
+              <a:t>13</a:t>
+            </a:fld>
+            <a:endParaRPr lang="en-US" dirty="0"/>
+          </a:p>
+        </p:txBody>
+      </p:sp>
+      <p:sp>
+        <p:nvSpPr>
+          <p:cNvPr id="8" name="Rectangle 7">
+            <a:extLst>
+              <a:ext uri="{FF2B5EF4-FFF2-40B4-BE49-F238E27FC236}">
+                <a16:creationId xmlns:a16="http://schemas.microsoft.com/office/drawing/2014/main" id="{6F9714D7-847D-42AD-91A8-060CEF90428C}"/>
+              </a:ext>
+            </a:extLst>
+          </p:cNvPr>
+          <p:cNvSpPr/>
+          <p:nvPr/>
+        </p:nvSpPr>
+        <p:spPr>
+          <a:xfrm>
+            <a:off x="11146971" y="292608"/>
+            <a:ext cx="667077" cy="484632"/>
+          </a:xfrm>
+          <a:prstGeom prst="rect">
+            <a:avLst/>
+          </a:prstGeom>
+          <a:solidFill>
+            <a:schemeClr val="bg1"/>
+          </a:solidFill>
+          <a:ln>
+            <a:noFill/>
+          </a:ln>
+        </p:spPr>
+        <p:style>
+          <a:lnRef idx="2">
+            <a:schemeClr val="accent1">
+              <a:shade val="50000"/>
+            </a:schemeClr>
+          </a:lnRef>
+          <a:fillRef idx="1">
+            <a:schemeClr val="accent1"/>
+          </a:fillRef>
+          <a:effectRef idx="0">
+            <a:schemeClr val="accent1"/>
+          </a:effectRef>
+          <a:fontRef idx="minor">
+            <a:schemeClr val="lt1"/>
+          </a:fontRef>
+        </p:style>
+        <p:txBody>
+          <a:bodyPr rtlCol="0" anchor="ctr"/>
+          <a:lstStyle/>
+          <a:p>
+            <a:pPr algn="ctr"/>
+            <a:endParaRPr lang="en-US"/>
+          </a:p>
+        </p:txBody>
+      </p:sp>
+      <p:pic>
+        <p:nvPicPr>
+          <p:cNvPr id="6" name="Picture Placeholder 58">
+            <a:extLst>
+              <a:ext uri="{FF2B5EF4-FFF2-40B4-BE49-F238E27FC236}">
+                <a16:creationId xmlns:a16="http://schemas.microsoft.com/office/drawing/2014/main" id="{0F8294FE-8C46-4100-B4CA-6B8F929BF511}"/>
+              </a:ext>
+            </a:extLst>
+          </p:cNvPr>
+          <p:cNvPicPr>
+            <a:picLocks noChangeAspect="1"/>
+          </p:cNvPicPr>
+          <p:nvPr/>
+        </p:nvPicPr>
+        <p:blipFill rotWithShape="1">
+          <a:blip r:embed="rId2"/>
+          <a:srcRect l="13153" t="169" r="24377" b="-169"/>
+          <a:stretch/>
+        </p:blipFill>
+        <p:spPr>
+          <a:xfrm>
+            <a:off x="6180333" y="1444245"/>
+            <a:ext cx="6021821" cy="5422900"/>
+          </a:xfrm>
+          <a:custGeom>
+            <a:avLst/>
+            <a:gdLst>
+              <a:gd name="connsiteX0" fmla="*/ 6021821 w 6021821"/>
+              <a:gd name="connsiteY0" fmla="*/ 0 h 5422900"/>
+              <a:gd name="connsiteX1" fmla="*/ 6021821 w 6021821"/>
+              <a:gd name="connsiteY1" fmla="*/ 5422900 h 5422900"/>
+              <a:gd name="connsiteX2" fmla="*/ 0 w 6021821"/>
+              <a:gd name="connsiteY2" fmla="*/ 5422900 h 5422900"/>
+            </a:gdLst>
+            <a:ahLst/>
+            <a:cxnLst>
+              <a:cxn ang="0">
+                <a:pos x="connsiteX0" y="connsiteY0"/>
+              </a:cxn>
+              <a:cxn ang="0">
+                <a:pos x="connsiteX1" y="connsiteY1"/>
+              </a:cxn>
+              <a:cxn ang="0">
+                <a:pos x="connsiteX2" y="connsiteY2"/>
+              </a:cxn>
+            </a:cxnLst>
+            <a:rect l="l" t="t" r="r" b="b"/>
+            <a:pathLst>
+              <a:path w="6021821" h="5422900">
+                <a:moveTo>
+                  <a:pt x="6021821" y="0"/>
+                </a:moveTo>
+                <a:lnTo>
+                  <a:pt x="6021821" y="5422900"/>
+                </a:lnTo>
+                <a:lnTo>
+                  <a:pt x="0" y="5422900"/>
+                </a:lnTo>
+                <a:close/>
+              </a:path>
+            </a:pathLst>
+          </a:custGeom>
+        </p:spPr>
+      </p:pic>
+    </p:spTree>
+    <p:extLst>
+      <p:ext uri="{BB962C8B-B14F-4D97-AF65-F5344CB8AC3E}">
+        <p14:creationId xmlns:p14="http://schemas.microsoft.com/office/powerpoint/2010/main" val="1207392506"/>
+      </p:ext>
+    </p:extLst>
+  </p:cSld>
+  <p:clrMapOvr>
+    <a:masterClrMapping/>
+  </p:clrMapOvr>
+</p:sld>
+</file>
+
+<file path=ppt/slides/slide14.xml><?xml version="1.0" encoding="utf-8"?>
+<p:sld xmlns:a="http://schemas.openxmlformats.org/drawingml/2006/main" xmlns:r="http://schemas.openxmlformats.org/officeDocument/2006/relationships" xmlns:p="http://schemas.openxmlformats.org/presentationml/2006/main">
+  <p:cSld>
+    <p:spTree>
+      <p:nvGrpSpPr>
+        <p:cNvPr id="1" name=""/>
+        <p:cNvGrpSpPr/>
+        <p:nvPr/>
+      </p:nvGrpSpPr>
+      <p:grpSpPr>
+        <a:xfrm>
+          <a:off x="0" y="0"/>
+          <a:ext cx="0" cy="0"/>
+          <a:chOff x="0" y="0"/>
+          <a:chExt cx="0" cy="0"/>
+        </a:xfrm>
+      </p:grpSpPr>
+      <p:sp>
+        <p:nvSpPr>
+          <p:cNvPr id="18" name="Title 13">
+            <a:extLst>
+              <a:ext uri="{FF2B5EF4-FFF2-40B4-BE49-F238E27FC236}">
+                <a16:creationId xmlns:a16="http://schemas.microsoft.com/office/drawing/2014/main" id="{92896B42-4638-40D0-8887-7AB8D1D86B3D}"/>
+              </a:ext>
+            </a:extLst>
+          </p:cNvPr>
+          <p:cNvSpPr>
+            <a:spLocks noGrp="1"/>
+          </p:cNvSpPr>
+          <p:nvPr>
+            <p:ph type="title"/>
+          </p:nvPr>
+        </p:nvSpPr>
+        <p:spPr/>
+        <p:txBody>
+          <a:bodyPr/>
+          <a:lstStyle/>
+          <a:p>
+            <a:r>
+              <a:rPr lang="en-US" dirty="0"/>
+              <a:t>Business </a:t>
+            </a:r>
+            <a:r>
+              <a:rPr lang="en-US" b="0" dirty="0"/>
+              <a:t>Impacts</a:t>
+            </a:r>
+          </a:p>
+        </p:txBody>
+      </p:sp>
+      <p:sp>
+        <p:nvSpPr>
+          <p:cNvPr id="33" name="Text Placeholder 32">
+            <a:extLst>
+              <a:ext uri="{FF2B5EF4-FFF2-40B4-BE49-F238E27FC236}">
+                <a16:creationId xmlns:a16="http://schemas.microsoft.com/office/drawing/2014/main" id="{7CFD0302-279C-8A48-9E27-AD5B08D6501E}"/>
+              </a:ext>
+            </a:extLst>
+          </p:cNvPr>
+          <p:cNvSpPr>
+            <a:spLocks noGrp="1"/>
+          </p:cNvSpPr>
+          <p:nvPr>
+            <p:ph type="body" sz="quarter" idx="19"/>
+          </p:nvPr>
+        </p:nvSpPr>
+        <p:spPr>
+          <a:xfrm>
+            <a:off x="518678" y="2005762"/>
+            <a:ext cx="7363450" cy="3489782"/>
+          </a:xfrm>
+        </p:spPr>
+        <p:txBody>
+          <a:bodyPr/>
+          <a:lstStyle/>
           <a:p>
             <a:pPr marL="342900" indent="-342900">
               <a:buClr>
@@ -13742,7 +14450,7 @@
             </a:pPr>
             <a:r>
               <a:rPr lang="en-US" sz="3200" dirty="0"/>
-              <a:t>Insight into public opinion</a:t>
+              <a:t>Identify fashion trends</a:t>
             </a:r>
           </a:p>
           <a:p>
@@ -13754,6 +14462,32 @@
               <a:buChar char="•"/>
             </a:pPr>
             <a:r>
+              <a:rPr lang="en-US" sz="3200" dirty="0"/>
+              <a:t>Input on what direction large companies are heading</a:t>
+            </a:r>
+          </a:p>
+          <a:p>
+            <a:pPr marL="342900" indent="-342900">
+              <a:buClr>
+                <a:schemeClr val="accent2"/>
+              </a:buClr>
+              <a:buFont typeface="Arial" panose="020B0604020202020204" pitchFamily="34" charset="0"/>
+              <a:buChar char="•"/>
+            </a:pPr>
+            <a:r>
+              <a:rPr lang="en-US" sz="3200" dirty="0"/>
+              <a:t>Insight into public opinion</a:t>
+            </a:r>
+          </a:p>
+          <a:p>
+            <a:pPr marL="342900" indent="-342900">
+              <a:buClr>
+                <a:schemeClr val="accent2"/>
+              </a:buClr>
+              <a:buFont typeface="Arial" panose="020B0604020202020204" pitchFamily="34" charset="0"/>
+              <a:buChar char="•"/>
+            </a:pPr>
+            <a:r>
               <a:rPr lang="en-US" sz="3200" b="1" dirty="0"/>
               <a:t>Helps to guide decisions around marketing and product development for our firm</a:t>
             </a:r>
@@ -13792,7 +14526,7 @@
             <a:fld id="{8699F50C-BE38-4BD0-BA84-9B090E1F2B9B}" type="slidenum">
               <a:rPr lang="en-US" smtClean="0"/>
               <a:pPr/>
-              <a:t>12</a:t>
+              <a:t>14</a:t>
             </a:fld>
             <a:endParaRPr lang="en-US" dirty="0"/>
           </a:p>
@@ -13927,7 +14661,7 @@
 </p:sld>
 </file>
 
-<file path=ppt/slides/slide13.xml><?xml version="1.0" encoding="utf-8"?>
+<file path=ppt/slides/slide15.xml><?xml version="1.0" encoding="utf-8"?>
 <p:sld xmlns:a="http://schemas.openxmlformats.org/drawingml/2006/main" xmlns:r="http://schemas.openxmlformats.org/officeDocument/2006/relationships" xmlns:p="http://schemas.openxmlformats.org/presentationml/2006/main">
   <p:cSld>
     <p:spTree>
@@ -14094,7 +14828,7 @@
             <a:fld id="{8699F50C-BE38-4BD0-BA84-9B090E1F2B9B}" type="slidenum">
               <a:rPr lang="en-US" smtClean="0"/>
               <a:pPr/>
-              <a:t>13</a:t>
+              <a:t>15</a:t>
             </a:fld>
             <a:endParaRPr lang="en-US" dirty="0"/>
           </a:p>
@@ -14229,7 +14963,7 @@
 </p:sld>
 </file>
 
-<file path=ppt/slides/slide14.xml><?xml version="1.0" encoding="utf-8"?>
+<file path=ppt/slides/slide16.xml><?xml version="1.0" encoding="utf-8"?>
 <p:sld xmlns:a="http://schemas.openxmlformats.org/drawingml/2006/main" xmlns:r="http://schemas.openxmlformats.org/officeDocument/2006/relationships" xmlns:p="http://schemas.openxmlformats.org/presentationml/2006/main">
   <p:cSld>
     <p:spTree>
@@ -14302,7 +15036,7 @@
           <a:p>
             <a:fld id="{8699F50C-BE38-4BD0-BA84-9B090E1F2B9B}" type="slidenum">
               <a:rPr lang="en-US" noProof="0" smtClean="0"/>
-              <a:t>14</a:t>
+              <a:t>16</a:t>
             </a:fld>
             <a:endParaRPr lang="en-US" noProof="0" dirty="0"/>
           </a:p>
@@ -16787,7 +17521,7 @@
             </a:r>
             <a:r>
               <a:rPr lang="en-US" b="0" dirty="0"/>
-              <a:t>Analysis</a:t>
+              <a:t>Analysis Process</a:t>
             </a:r>
           </a:p>
         </p:txBody>
@@ -16811,7 +17545,7 @@
         <p:spPr>
           <a:xfrm>
             <a:off x="518678" y="2005762"/>
-            <a:ext cx="8963650" cy="1624465"/>
+            <a:ext cx="8963650" cy="4643210"/>
           </a:xfrm>
         </p:spPr>
         <p:txBody>
@@ -16827,15 +17561,15 @@
             </a:pPr>
             <a:r>
               <a:rPr lang="en-US" sz="3200" dirty="0"/>
-              <a:t>Used </a:t>
+              <a:t>Apply Spark </a:t>
             </a:r>
             <a:r>
               <a:rPr lang="en-US" sz="3200" dirty="0" err="1"/>
-              <a:t>TextBlob</a:t>
+              <a:t>Dataframe</a:t>
             </a:r>
             <a:r>
               <a:rPr lang="en-US" sz="3200" dirty="0"/>
-              <a:t> sentiment and polarity functionality</a:t>
+              <a:t> to manipulate and discover data</a:t>
             </a:r>
           </a:p>
           <a:p>
@@ -16848,7 +17582,107 @@
             </a:pPr>
             <a:r>
               <a:rPr lang="en-US" sz="3200" dirty="0"/>
-              <a:t>Iterated list of tweets by brand through for loops to assess sentiment</a:t>
+              <a:t>Preprocess Data</a:t>
+            </a:r>
+          </a:p>
+          <a:p>
+            <a:pPr marL="914400" lvl="1" indent="-457200">
+              <a:buClr>
+                <a:schemeClr val="accent2"/>
+              </a:buClr>
+              <a:buFont typeface="+mj-lt"/>
+              <a:buAutoNum type="arabicPeriod"/>
+            </a:pPr>
+            <a:r>
+              <a:rPr lang="en-US" dirty="0">
+                <a:solidFill>
+                  <a:schemeClr val="tx1"/>
+                </a:solidFill>
+              </a:rPr>
+              <a:t>Remove duplicated tweets</a:t>
+            </a:r>
+          </a:p>
+          <a:p>
+            <a:pPr marL="914400" lvl="1" indent="-457200">
+              <a:buClr>
+                <a:schemeClr val="accent2"/>
+              </a:buClr>
+              <a:buFont typeface="+mj-lt"/>
+              <a:buAutoNum type="arabicPeriod"/>
+            </a:pPr>
+            <a:r>
+              <a:rPr lang="en-US" dirty="0">
+                <a:solidFill>
+                  <a:schemeClr val="tx1"/>
+                </a:solidFill>
+              </a:rPr>
+              <a:t>Remove missing values</a:t>
+            </a:r>
+          </a:p>
+          <a:p>
+            <a:pPr marL="914400" lvl="1" indent="-457200">
+              <a:buClr>
+                <a:schemeClr val="accent2"/>
+              </a:buClr>
+              <a:buFont typeface="+mj-lt"/>
+              <a:buAutoNum type="arabicPeriod"/>
+            </a:pPr>
+            <a:r>
+              <a:rPr lang="en-US" dirty="0">
+                <a:solidFill>
+                  <a:schemeClr val="tx1"/>
+                </a:solidFill>
+              </a:rPr>
+              <a:t>Eliminate </a:t>
+            </a:r>
+            <a:r>
+              <a:rPr lang="en-US" dirty="0" err="1">
+                <a:solidFill>
+                  <a:schemeClr val="tx1"/>
+                </a:solidFill>
+              </a:rPr>
+              <a:t>uneccesary</a:t>
+            </a:r>
+            <a:r>
+              <a:rPr lang="en-US" dirty="0">
+                <a:solidFill>
+                  <a:schemeClr val="tx1"/>
+                </a:solidFill>
+              </a:rPr>
+              <a:t> words such as </a:t>
+            </a:r>
+            <a:r>
+              <a:rPr lang="en-US" dirty="0" err="1">
+                <a:solidFill>
+                  <a:schemeClr val="tx1"/>
+                </a:solidFill>
+              </a:rPr>
+              <a:t>I,are,is,the</a:t>
+            </a:r>
+            <a:r>
+              <a:rPr lang="en-US" dirty="0">
+                <a:solidFill>
+                  <a:schemeClr val="tx1"/>
+                </a:solidFill>
+              </a:rPr>
+              <a:t>,..</a:t>
+            </a:r>
+          </a:p>
+          <a:p>
+            <a:pPr marL="914400" lvl="1" indent="-457200">
+              <a:buClr>
+                <a:schemeClr val="accent2"/>
+              </a:buClr>
+              <a:buFont typeface="+mj-lt"/>
+              <a:buAutoNum type="arabicPeriod"/>
+            </a:pPr>
+            <a:r>
+              <a:rPr lang="en-US" dirty="0">
+                <a:solidFill>
+                  <a:schemeClr val="tx1"/>
+                </a:solidFill>
+              </a:rPr>
+              <a:t>Eliminate all icons</a:t>
             </a:r>
           </a:p>
           <a:p>
@@ -16861,39 +17695,34 @@
             </a:pPr>
             <a:r>
               <a:rPr lang="en-US" sz="3200" dirty="0"/>
-              <a:t>In line for loops used to increase efficiency </a:t>
-            </a:r>
-          </a:p>
-          <a:p>
-            <a:pPr marL="342900" indent="-342900">
+              <a:t>Explore Data</a:t>
+            </a:r>
+          </a:p>
+          <a:p>
+            <a:pPr marL="514350" indent="-514350">
               <a:buClr>
                 <a:schemeClr val="accent2"/>
               </a:buClr>
-              <a:buFont typeface="Arial" panose="020B0604020202020204" pitchFamily="34" charset="0"/>
-              <a:buChar char="•"/>
+              <a:buFont typeface="+mj-lt"/>
+              <a:buAutoNum type="arabicPeriod"/>
             </a:pPr>
             <a:r>
-              <a:rPr lang="en-US" sz="3200" dirty="0"/>
-              <a:t>Output to </a:t>
-            </a:r>
-            <a:r>
-              <a:rPr lang="en-US" sz="3200" dirty="0" err="1"/>
-              <a:t>dataframe</a:t>
-            </a:r>
-            <a:r>
-              <a:rPr lang="en-US" sz="3200" dirty="0"/>
-              <a:t> and visualization</a:t>
-            </a:r>
-          </a:p>
-          <a:p>
-            <a:pPr marL="342900" indent="-342900">
+              <a:rPr lang="en-US" dirty="0"/>
+              <a:t>Dataset has 1104 tweets</a:t>
+            </a:r>
+          </a:p>
+          <a:p>
+            <a:pPr marL="514350" indent="-514350">
               <a:buClr>
                 <a:schemeClr val="accent2"/>
               </a:buClr>
-              <a:buFont typeface="Arial" panose="020B0604020202020204" pitchFamily="34" charset="0"/>
-              <a:buChar char="•"/>
+              <a:buFont typeface="+mj-lt"/>
+              <a:buAutoNum type="arabicPeriod"/>
             </a:pPr>
-            <a:endParaRPr lang="en-US" sz="3200" dirty="0"/>
+            <a:r>
+              <a:rPr lang="en-US" dirty="0"/>
+              <a:t>Average word is 94</a:t>
+            </a:r>
           </a:p>
           <a:p>
             <a:pPr>
@@ -17916,23 +18745,6 @@
 </file>
 
 <file path=customXml/item1.xml><?xml version="1.0" encoding="utf-8"?>
-<p:properties xmlns:p="http://schemas.microsoft.com/office/2006/metadata/properties" xmlns:xsi="http://www.w3.org/2001/XMLSchema-instance" xmlns:pc="http://schemas.microsoft.com/office/infopath/2007/PartnerControls">
-  <documentManagement>
-    <MediaServiceKeyPoints xmlns="71af3243-3dd4-4a8d-8c0d-dd76da1f02a5" xsi:nil="true"/>
-  </documentManagement>
-</p:properties>
-</file>
-
-<file path=customXml/item2.xml><?xml version="1.0" encoding="utf-8"?>
-<?mso-contentType ?>
-<FormTemplates xmlns="http://schemas.microsoft.com/sharepoint/v3/contenttype/forms">
-  <Display>DocumentLibraryForm</Display>
-  <Edit>DocumentLibraryForm</Edit>
-  <New>DocumentLibraryForm</New>
-</FormTemplates>
-</file>
-
-<file path=customXml/item3.xml><?xml version="1.0" encoding="utf-8"?>
 <ct:contentTypeSchema xmlns:ct="http://schemas.microsoft.com/office/2006/metadata/contentType" xmlns:ma="http://schemas.microsoft.com/office/2006/metadata/properties/metaAttributes" ct:_="" ma:_="" ma:contentTypeName="Document" ma:contentTypeID="0x01010079F111ED35F8CC479449609E8A0923A6" ma:contentTypeVersion="11" ma:contentTypeDescription="Create a new document." ma:contentTypeScope="" ma:versionID="96291512c1ee715ab617f4c07df79fc1">
   <xsd:schema xmlns:xsd="http://www.w3.org/2001/XMLSchema" xmlns:xs="http://www.w3.org/2001/XMLSchema" xmlns:p="http://schemas.microsoft.com/office/2006/metadata/properties" xmlns:ns2="71af3243-3dd4-4a8d-8c0d-dd76da1f02a5" xmlns:ns3="16c05727-aa75-4e4a-9b5f-8a80a1165891" targetNamespace="http://schemas.microsoft.com/office/2006/metadata/properties" ma:root="true" ma:fieldsID="8256c27c40ca5c40ce1cf6c44f0205df" ns2:_="" ns3:_="">
     <xsd:import namespace="71af3243-3dd4-4a8d-8c0d-dd76da1f02a5"/>
@@ -18143,25 +18955,24 @@
 </ct:contentTypeSchema>
 </file>
 
-<file path=customXml/itemProps1.xml><?xml version="1.0" encoding="utf-8"?>
-<ds:datastoreItem xmlns:ds="http://schemas.openxmlformats.org/officeDocument/2006/customXml" ds:itemID="{C87F4215-C6BB-44A3-9A5E-9446E6835900}">
-  <ds:schemaRefs>
-    <ds:schemaRef ds:uri="http://schemas.microsoft.com/office/2006/metadata/properties"/>
-    <ds:schemaRef ds:uri="http://schemas.microsoft.com/office/infopath/2007/PartnerControls"/>
-    <ds:schemaRef ds:uri="71af3243-3dd4-4a8d-8c0d-dd76da1f02a5"/>
-  </ds:schemaRefs>
-</ds:datastoreItem>
+<file path=customXml/item2.xml><?xml version="1.0" encoding="utf-8"?>
+<?mso-contentType ?>
+<FormTemplates xmlns="http://schemas.microsoft.com/sharepoint/v3/contenttype/forms">
+  <Display>DocumentLibraryForm</Display>
+  <Edit>DocumentLibraryForm</Edit>
+  <New>DocumentLibraryForm</New>
+</FormTemplates>
 </file>
 
-<file path=customXml/itemProps2.xml><?xml version="1.0" encoding="utf-8"?>
-<ds:datastoreItem xmlns:ds="http://schemas.openxmlformats.org/officeDocument/2006/customXml" ds:itemID="{A80A5AF1-8C57-4290-936E-5FD27C957251}">
-  <ds:schemaRefs>
-    <ds:schemaRef ds:uri="http://schemas.microsoft.com/sharepoint/v3/contenttype/forms"/>
-  </ds:schemaRefs>
-</ds:datastoreItem>
+<file path=customXml/item3.xml><?xml version="1.0" encoding="utf-8"?>
+<p:properties xmlns:p="http://schemas.microsoft.com/office/2006/metadata/properties" xmlns:xsi="http://www.w3.org/2001/XMLSchema-instance" xmlns:pc="http://schemas.microsoft.com/office/infopath/2007/PartnerControls">
+  <documentManagement>
+    <MediaServiceKeyPoints xmlns="71af3243-3dd4-4a8d-8c0d-dd76da1f02a5" xsi:nil="true"/>
+  </documentManagement>
+</p:properties>
 </file>
 
-<file path=customXml/itemProps3.xml><?xml version="1.0" encoding="utf-8"?>
+<file path=customXml/itemProps1.xml><?xml version="1.0" encoding="utf-8"?>
 <ds:datastoreItem xmlns:ds="http://schemas.openxmlformats.org/officeDocument/2006/customXml" ds:itemID="{8F8919DE-9BD9-47A9-9F5D-16EBB9687974}">
   <ds:schemaRefs>
     <ds:schemaRef ds:uri="http://schemas.microsoft.com/office/2006/metadata/contentType"/>
@@ -18178,4 +18989,22 @@
     <ds:schemaRef ds:uri="http://schemas.microsoft.com/internal/obd"/>
   </ds:schemaRefs>
 </ds:datastoreItem>
+</file>
+
+<file path=customXml/itemProps2.xml><?xml version="1.0" encoding="utf-8"?>
+<ds:datastoreItem xmlns:ds="http://schemas.openxmlformats.org/officeDocument/2006/customXml" ds:itemID="{A80A5AF1-8C57-4290-936E-5FD27C957251}">
+  <ds:schemaRefs>
+    <ds:schemaRef ds:uri="http://schemas.microsoft.com/sharepoint/v3/contenttype/forms"/>
+  </ds:schemaRefs>
+</ds:datastoreItem>
+</file>
+
+<file path=customXml/itemProps3.xml><?xml version="1.0" encoding="utf-8"?>
+<ds:datastoreItem xmlns:ds="http://schemas.openxmlformats.org/officeDocument/2006/customXml" ds:itemID="{C87F4215-C6BB-44A3-9A5E-9446E6835900}">
+  <ds:schemaRefs>
+    <ds:schemaRef ds:uri="http://schemas.microsoft.com/office/2006/metadata/properties"/>
+    <ds:schemaRef ds:uri="http://schemas.microsoft.com/office/infopath/2007/PartnerControls"/>
+    <ds:schemaRef ds:uri="71af3243-3dd4-4a8d-8c0d-dd76da1f02a5"/>
+  </ds:schemaRefs>
+</ds:datastoreItem>
 </file>
--- a/ML Group Project_Sentiment Analysis of Twitter Data.pptx
+++ b/ML Group Project_Sentiment Analysis of Twitter Data.pptx
@@ -22,9 +22,9 @@
     <p:sldId id="274" r:id="rId13"/>
     <p:sldId id="281" r:id="rId14"/>
     <p:sldId id="275" r:id="rId15"/>
-    <p:sldId id="280" r:id="rId16"/>
-    <p:sldId id="282" r:id="rId17"/>
-    <p:sldId id="277" r:id="rId18"/>
+    <p:sldId id="282" r:id="rId16"/>
+    <p:sldId id="277" r:id="rId17"/>
+    <p:sldId id="280" r:id="rId18"/>
     <p:sldId id="276" r:id="rId19"/>
     <p:sldId id="272" r:id="rId20"/>
   </p:sldIdLst>
@@ -13701,396 +13701,6 @@
             <p:ph type="title"/>
           </p:nvPr>
         </p:nvSpPr>
-        <p:spPr>
-          <a:xfrm>
-            <a:off x="1725296" y="86934"/>
-            <a:ext cx="8333222" cy="1147969"/>
-          </a:xfrm>
-        </p:spPr>
-        <p:txBody>
-          <a:bodyPr/>
-          <a:lstStyle/>
-          <a:p>
-            <a:pPr algn="ctr"/>
-            <a:r>
-              <a:rPr lang="en-US" dirty="0"/>
-              <a:t>Company </a:t>
-            </a:r>
-            <a:r>
-              <a:rPr lang="en-US" b="0" dirty="0"/>
-              <a:t>Analysis</a:t>
-            </a:r>
-          </a:p>
-        </p:txBody>
-      </p:sp>
-      <p:sp>
-        <p:nvSpPr>
-          <p:cNvPr id="4" name="Slide Number Placeholder 3">
-            <a:extLst>
-              <a:ext uri="{FF2B5EF4-FFF2-40B4-BE49-F238E27FC236}">
-                <a16:creationId xmlns:a16="http://schemas.microsoft.com/office/drawing/2014/main" id="{B2228214-87DB-4B3A-BD81-9A709A69BAAC}"/>
-              </a:ext>
-            </a:extLst>
-          </p:cNvPr>
-          <p:cNvSpPr>
-            <a:spLocks noGrp="1"/>
-          </p:cNvSpPr>
-          <p:nvPr>
-            <p:ph type="sldNum" sz="quarter" idx="18"/>
-          </p:nvPr>
-        </p:nvSpPr>
-        <p:spPr/>
-        <p:txBody>
-          <a:bodyPr/>
-          <a:lstStyle/>
-          <a:p>
-            <a:fld id="{8699F50C-BE38-4BD0-BA84-9B090E1F2B9B}" type="slidenum">
-              <a:rPr lang="en-US" smtClean="0"/>
-              <a:pPr/>
-              <a:t>12</a:t>
-            </a:fld>
-            <a:endParaRPr lang="en-US" dirty="0"/>
-          </a:p>
-        </p:txBody>
-      </p:sp>
-      <p:sp>
-        <p:nvSpPr>
-          <p:cNvPr id="8" name="Rectangle 7">
-            <a:extLst>
-              <a:ext uri="{FF2B5EF4-FFF2-40B4-BE49-F238E27FC236}">
-                <a16:creationId xmlns:a16="http://schemas.microsoft.com/office/drawing/2014/main" id="{6F9714D7-847D-42AD-91A8-060CEF90428C}"/>
-              </a:ext>
-            </a:extLst>
-          </p:cNvPr>
-          <p:cNvSpPr/>
-          <p:nvPr/>
-        </p:nvSpPr>
-        <p:spPr>
-          <a:xfrm>
-            <a:off x="11146971" y="292608"/>
-            <a:ext cx="667077" cy="484632"/>
-          </a:xfrm>
-          <a:prstGeom prst="rect">
-            <a:avLst/>
-          </a:prstGeom>
-          <a:solidFill>
-            <a:schemeClr val="bg1"/>
-          </a:solidFill>
-          <a:ln>
-            <a:noFill/>
-          </a:ln>
-        </p:spPr>
-        <p:style>
-          <a:lnRef idx="2">
-            <a:schemeClr val="accent1">
-              <a:shade val="50000"/>
-            </a:schemeClr>
-          </a:lnRef>
-          <a:fillRef idx="1">
-            <a:schemeClr val="accent1"/>
-          </a:fillRef>
-          <a:effectRef idx="0">
-            <a:schemeClr val="accent1"/>
-          </a:effectRef>
-          <a:fontRef idx="minor">
-            <a:schemeClr val="lt1"/>
-          </a:fontRef>
-        </p:style>
-        <p:txBody>
-          <a:bodyPr rtlCol="0" anchor="ctr"/>
-          <a:lstStyle/>
-          <a:p>
-            <a:pPr algn="ctr"/>
-            <a:endParaRPr lang="en-US"/>
-          </a:p>
-        </p:txBody>
-      </p:sp>
-      <p:pic>
-        <p:nvPicPr>
-          <p:cNvPr id="3" name="Picture 2" descr="Chart, histogram&#10;&#10;Description automatically generated">
-            <a:extLst>
-              <a:ext uri="{FF2B5EF4-FFF2-40B4-BE49-F238E27FC236}">
-                <a16:creationId xmlns:a16="http://schemas.microsoft.com/office/drawing/2014/main" id="{5E33C8A4-8B79-4E8A-960A-6367E05B2030}"/>
-              </a:ext>
-            </a:extLst>
-          </p:cNvPr>
-          <p:cNvPicPr>
-            <a:picLocks noChangeAspect="1"/>
-          </p:cNvPicPr>
-          <p:nvPr/>
-        </p:nvPicPr>
-        <p:blipFill>
-          <a:blip r:embed="rId2"/>
-          <a:stretch>
-            <a:fillRect/>
-          </a:stretch>
-        </p:blipFill>
-        <p:spPr>
-          <a:xfrm>
-            <a:off x="254387" y="1476463"/>
-            <a:ext cx="2941819" cy="2491530"/>
-          </a:xfrm>
-          <a:prstGeom prst="rect">
-            <a:avLst/>
-          </a:prstGeom>
-        </p:spPr>
-      </p:pic>
-      <p:pic>
-        <p:nvPicPr>
-          <p:cNvPr id="9" name="Picture 8" descr="Chart, histogram&#10;&#10;Description automatically generated">
-            <a:extLst>
-              <a:ext uri="{FF2B5EF4-FFF2-40B4-BE49-F238E27FC236}">
-                <a16:creationId xmlns:a16="http://schemas.microsoft.com/office/drawing/2014/main" id="{0F970402-2CEC-4886-8E93-821B7376A48D}"/>
-              </a:ext>
-            </a:extLst>
-          </p:cNvPr>
-          <p:cNvPicPr>
-            <a:picLocks noChangeAspect="1"/>
-          </p:cNvPicPr>
-          <p:nvPr/>
-        </p:nvPicPr>
-        <p:blipFill>
-          <a:blip r:embed="rId3"/>
-          <a:stretch>
-            <a:fillRect/>
-          </a:stretch>
-        </p:blipFill>
-        <p:spPr>
-          <a:xfrm>
-            <a:off x="6339360" y="1476463"/>
-            <a:ext cx="2813030" cy="2492658"/>
-          </a:xfrm>
-          <a:prstGeom prst="rect">
-            <a:avLst/>
-          </a:prstGeom>
-        </p:spPr>
-      </p:pic>
-      <p:pic>
-        <p:nvPicPr>
-          <p:cNvPr id="11" name="Picture 10" descr="Chart, histogram&#10;&#10;Description automatically generated">
-            <a:extLst>
-              <a:ext uri="{FF2B5EF4-FFF2-40B4-BE49-F238E27FC236}">
-                <a16:creationId xmlns:a16="http://schemas.microsoft.com/office/drawing/2014/main" id="{5270071C-9F9E-4ECF-B972-A740FFAFFD3E}"/>
-              </a:ext>
-            </a:extLst>
-          </p:cNvPr>
-          <p:cNvPicPr>
-            <a:picLocks noChangeAspect="1"/>
-          </p:cNvPicPr>
-          <p:nvPr/>
-        </p:nvPicPr>
-        <p:blipFill>
-          <a:blip r:embed="rId4"/>
-          <a:stretch>
-            <a:fillRect/>
-          </a:stretch>
-        </p:blipFill>
-        <p:spPr>
-          <a:xfrm>
-            <a:off x="9152390" y="1476800"/>
-            <a:ext cx="2653717" cy="2486542"/>
-          </a:xfrm>
-          <a:prstGeom prst="rect">
-            <a:avLst/>
-          </a:prstGeom>
-        </p:spPr>
-      </p:pic>
-      <p:pic>
-        <p:nvPicPr>
-          <p:cNvPr id="13" name="Picture 12" descr="Chart, histogram&#10;&#10;Description automatically generated">
-            <a:extLst>
-              <a:ext uri="{FF2B5EF4-FFF2-40B4-BE49-F238E27FC236}">
-                <a16:creationId xmlns:a16="http://schemas.microsoft.com/office/drawing/2014/main" id="{6AC0697E-AFB1-4F09-87E2-AD1538C0C481}"/>
-              </a:ext>
-            </a:extLst>
-          </p:cNvPr>
-          <p:cNvPicPr>
-            <a:picLocks noChangeAspect="1"/>
-          </p:cNvPicPr>
-          <p:nvPr/>
-        </p:nvPicPr>
-        <p:blipFill>
-          <a:blip r:embed="rId5"/>
-          <a:stretch>
-            <a:fillRect/>
-          </a:stretch>
-        </p:blipFill>
-        <p:spPr>
-          <a:xfrm>
-            <a:off x="254387" y="4356151"/>
-            <a:ext cx="2460849" cy="2501849"/>
-          </a:xfrm>
-          <a:prstGeom prst="rect">
-            <a:avLst/>
-          </a:prstGeom>
-        </p:spPr>
-      </p:pic>
-      <p:pic>
-        <p:nvPicPr>
-          <p:cNvPr id="15" name="Picture 14" descr="Chart, histogram&#10;&#10;Description automatically generated">
-            <a:extLst>
-              <a:ext uri="{FF2B5EF4-FFF2-40B4-BE49-F238E27FC236}">
-                <a16:creationId xmlns:a16="http://schemas.microsoft.com/office/drawing/2014/main" id="{4B8D0811-A181-403E-BD18-45A9841B150C}"/>
-              </a:ext>
-            </a:extLst>
-          </p:cNvPr>
-          <p:cNvPicPr>
-            <a:picLocks noChangeAspect="1"/>
-          </p:cNvPicPr>
-          <p:nvPr/>
-        </p:nvPicPr>
-        <p:blipFill>
-          <a:blip r:embed="rId6"/>
-          <a:stretch>
-            <a:fillRect/>
-          </a:stretch>
-        </p:blipFill>
-        <p:spPr>
-          <a:xfrm>
-            <a:off x="3196206" y="4356152"/>
-            <a:ext cx="2460849" cy="2431692"/>
-          </a:xfrm>
-          <a:prstGeom prst="rect">
-            <a:avLst/>
-          </a:prstGeom>
-        </p:spPr>
-      </p:pic>
-      <p:pic>
-        <p:nvPicPr>
-          <p:cNvPr id="17" name="Picture 16" descr="Chart, histogram&#10;&#10;Description automatically generated">
-            <a:extLst>
-              <a:ext uri="{FF2B5EF4-FFF2-40B4-BE49-F238E27FC236}">
-                <a16:creationId xmlns:a16="http://schemas.microsoft.com/office/drawing/2014/main" id="{47AEA447-1D30-4268-B763-42F40A7BB9B8}"/>
-              </a:ext>
-            </a:extLst>
-          </p:cNvPr>
-          <p:cNvPicPr>
-            <a:picLocks noChangeAspect="1"/>
-          </p:cNvPicPr>
-          <p:nvPr/>
-        </p:nvPicPr>
-        <p:blipFill>
-          <a:blip r:embed="rId7"/>
-          <a:stretch>
-            <a:fillRect/>
-          </a:stretch>
-        </p:blipFill>
-        <p:spPr>
-          <a:xfrm>
-            <a:off x="5981194" y="4356151"/>
-            <a:ext cx="2944537" cy="2431692"/>
-          </a:xfrm>
-          <a:prstGeom prst="rect">
-            <a:avLst/>
-          </a:prstGeom>
-        </p:spPr>
-      </p:pic>
-      <p:pic>
-        <p:nvPicPr>
-          <p:cNvPr id="20" name="Picture 19" descr="Chart, histogram&#10;&#10;Description automatically generated">
-            <a:extLst>
-              <a:ext uri="{FF2B5EF4-FFF2-40B4-BE49-F238E27FC236}">
-                <a16:creationId xmlns:a16="http://schemas.microsoft.com/office/drawing/2014/main" id="{4CA2A155-7D44-4756-97FB-63CE755BD252}"/>
-              </a:ext>
-            </a:extLst>
-          </p:cNvPr>
-          <p:cNvPicPr>
-            <a:picLocks noChangeAspect="1"/>
-          </p:cNvPicPr>
-          <p:nvPr/>
-        </p:nvPicPr>
-        <p:blipFill>
-          <a:blip r:embed="rId8"/>
-          <a:stretch>
-            <a:fillRect/>
-          </a:stretch>
-        </p:blipFill>
-        <p:spPr>
-          <a:xfrm>
-            <a:off x="9152390" y="4356151"/>
-            <a:ext cx="2858084" cy="2501849"/>
-          </a:xfrm>
-          <a:prstGeom prst="rect">
-            <a:avLst/>
-          </a:prstGeom>
-        </p:spPr>
-      </p:pic>
-      <p:pic>
-        <p:nvPicPr>
-          <p:cNvPr id="24" name="Picture 23" descr="Chart, histogram&#10;&#10;Description automatically generated">
-            <a:extLst>
-              <a:ext uri="{FF2B5EF4-FFF2-40B4-BE49-F238E27FC236}">
-                <a16:creationId xmlns:a16="http://schemas.microsoft.com/office/drawing/2014/main" id="{622F476A-EF42-4A4D-9F77-70FAAB2B977C}"/>
-              </a:ext>
-            </a:extLst>
-          </p:cNvPr>
-          <p:cNvPicPr>
-            <a:picLocks noChangeAspect="1"/>
-          </p:cNvPicPr>
-          <p:nvPr/>
-        </p:nvPicPr>
-        <p:blipFill>
-          <a:blip r:embed="rId9"/>
-          <a:stretch>
-            <a:fillRect/>
-          </a:stretch>
-        </p:blipFill>
-        <p:spPr>
-          <a:xfrm>
-            <a:off x="3196206" y="1470686"/>
-            <a:ext cx="3095537" cy="2497308"/>
-          </a:xfrm>
-          <a:prstGeom prst="rect">
-            <a:avLst/>
-          </a:prstGeom>
-        </p:spPr>
-      </p:pic>
-    </p:spTree>
-    <p:extLst>
-      <p:ext uri="{BB962C8B-B14F-4D97-AF65-F5344CB8AC3E}">
-        <p14:creationId xmlns:p14="http://schemas.microsoft.com/office/powerpoint/2010/main" val="168838203"/>
-      </p:ext>
-    </p:extLst>
-  </p:cSld>
-  <p:clrMapOvr>
-    <a:masterClrMapping/>
-  </p:clrMapOvr>
-</p:sld>
-</file>
-
-<file path=ppt/slides/slide13.xml><?xml version="1.0" encoding="utf-8"?>
-<p:sld xmlns:a="http://schemas.openxmlformats.org/drawingml/2006/main" xmlns:r="http://schemas.openxmlformats.org/officeDocument/2006/relationships" xmlns:p="http://schemas.openxmlformats.org/presentationml/2006/main">
-  <p:cSld>
-    <p:spTree>
-      <p:nvGrpSpPr>
-        <p:cNvPr id="1" name=""/>
-        <p:cNvGrpSpPr/>
-        <p:nvPr/>
-      </p:nvGrpSpPr>
-      <p:grpSpPr>
-        <a:xfrm>
-          <a:off x="0" y="0"/>
-          <a:ext cx="0" cy="0"/>
-          <a:chOff x="0" y="0"/>
-          <a:chExt cx="0" cy="0"/>
-        </a:xfrm>
-      </p:grpSpPr>
-      <p:sp>
-        <p:nvSpPr>
-          <p:cNvPr id="18" name="Title 13">
-            <a:extLst>
-              <a:ext uri="{FF2B5EF4-FFF2-40B4-BE49-F238E27FC236}">
-                <a16:creationId xmlns:a16="http://schemas.microsoft.com/office/drawing/2014/main" id="{92896B42-4638-40D0-8887-7AB8D1D86B3D}"/>
-              </a:ext>
-            </a:extLst>
-          </p:cNvPr>
-          <p:cNvSpPr>
-            <a:spLocks noGrp="1"/>
-          </p:cNvSpPr>
-          <p:nvPr>
-            <p:ph type="title"/>
-          </p:nvPr>
-        </p:nvSpPr>
         <p:spPr/>
         <p:txBody>
           <a:bodyPr/>
@@ -14231,7 +13841,7 @@
             <a:fld id="{8699F50C-BE38-4BD0-BA84-9B090E1F2B9B}" type="slidenum">
               <a:rPr lang="en-US" smtClean="0"/>
               <a:pPr/>
-              <a:t>13</a:t>
+              <a:t>12</a:t>
             </a:fld>
             <a:endParaRPr lang="en-US" dirty="0"/>
           </a:p>
@@ -14366,7 +13976,7 @@
 </p:sld>
 </file>
 
-<file path=ppt/slides/slide14.xml><?xml version="1.0" encoding="utf-8"?>
+<file path=ppt/slides/slide13.xml><?xml version="1.0" encoding="utf-8"?>
 <p:sld xmlns:a="http://schemas.openxmlformats.org/drawingml/2006/main" xmlns:r="http://schemas.openxmlformats.org/officeDocument/2006/relationships" xmlns:p="http://schemas.openxmlformats.org/presentationml/2006/main">
   <p:cSld>
     <p:spTree>
@@ -14526,7 +14136,7 @@
             <a:fld id="{8699F50C-BE38-4BD0-BA84-9B090E1F2B9B}" type="slidenum">
               <a:rPr lang="en-US" smtClean="0"/>
               <a:pPr/>
-              <a:t>14</a:t>
+              <a:t>13</a:t>
             </a:fld>
             <a:endParaRPr lang="en-US" dirty="0"/>
           </a:p>
@@ -14652,6 +14262,396 @@
     <p:extLst>
       <p:ext uri="{BB962C8B-B14F-4D97-AF65-F5344CB8AC3E}">
         <p14:creationId xmlns:p14="http://schemas.microsoft.com/office/powerpoint/2010/main" val="3501123686"/>
+      </p:ext>
+    </p:extLst>
+  </p:cSld>
+  <p:clrMapOvr>
+    <a:masterClrMapping/>
+  </p:clrMapOvr>
+</p:sld>
+</file>
+
+<file path=ppt/slides/slide14.xml><?xml version="1.0" encoding="utf-8"?>
+<p:sld xmlns:a="http://schemas.openxmlformats.org/drawingml/2006/main" xmlns:r="http://schemas.openxmlformats.org/officeDocument/2006/relationships" xmlns:p="http://schemas.openxmlformats.org/presentationml/2006/main">
+  <p:cSld>
+    <p:spTree>
+      <p:nvGrpSpPr>
+        <p:cNvPr id="1" name=""/>
+        <p:cNvGrpSpPr/>
+        <p:nvPr/>
+      </p:nvGrpSpPr>
+      <p:grpSpPr>
+        <a:xfrm>
+          <a:off x="0" y="0"/>
+          <a:ext cx="0" cy="0"/>
+          <a:chOff x="0" y="0"/>
+          <a:chExt cx="0" cy="0"/>
+        </a:xfrm>
+      </p:grpSpPr>
+      <p:sp>
+        <p:nvSpPr>
+          <p:cNvPr id="18" name="Title 13">
+            <a:extLst>
+              <a:ext uri="{FF2B5EF4-FFF2-40B4-BE49-F238E27FC236}">
+                <a16:creationId xmlns:a16="http://schemas.microsoft.com/office/drawing/2014/main" id="{92896B42-4638-40D0-8887-7AB8D1D86B3D}"/>
+              </a:ext>
+            </a:extLst>
+          </p:cNvPr>
+          <p:cNvSpPr>
+            <a:spLocks noGrp="1"/>
+          </p:cNvSpPr>
+          <p:nvPr>
+            <p:ph type="title"/>
+          </p:nvPr>
+        </p:nvSpPr>
+        <p:spPr>
+          <a:xfrm>
+            <a:off x="1725296" y="86934"/>
+            <a:ext cx="8333222" cy="1147969"/>
+          </a:xfrm>
+        </p:spPr>
+        <p:txBody>
+          <a:bodyPr/>
+          <a:lstStyle/>
+          <a:p>
+            <a:pPr algn="ctr"/>
+            <a:r>
+              <a:rPr lang="en-US" dirty="0"/>
+              <a:t>Company </a:t>
+            </a:r>
+            <a:r>
+              <a:rPr lang="en-US" b="0" dirty="0"/>
+              <a:t>Analysis</a:t>
+            </a:r>
+          </a:p>
+        </p:txBody>
+      </p:sp>
+      <p:sp>
+        <p:nvSpPr>
+          <p:cNvPr id="4" name="Slide Number Placeholder 3">
+            <a:extLst>
+              <a:ext uri="{FF2B5EF4-FFF2-40B4-BE49-F238E27FC236}">
+                <a16:creationId xmlns:a16="http://schemas.microsoft.com/office/drawing/2014/main" id="{B2228214-87DB-4B3A-BD81-9A709A69BAAC}"/>
+              </a:ext>
+            </a:extLst>
+          </p:cNvPr>
+          <p:cNvSpPr>
+            <a:spLocks noGrp="1"/>
+          </p:cNvSpPr>
+          <p:nvPr>
+            <p:ph type="sldNum" sz="quarter" idx="18"/>
+          </p:nvPr>
+        </p:nvSpPr>
+        <p:spPr/>
+        <p:txBody>
+          <a:bodyPr/>
+          <a:lstStyle/>
+          <a:p>
+            <a:fld id="{8699F50C-BE38-4BD0-BA84-9B090E1F2B9B}" type="slidenum">
+              <a:rPr lang="en-US" smtClean="0"/>
+              <a:pPr/>
+              <a:t>14</a:t>
+            </a:fld>
+            <a:endParaRPr lang="en-US" dirty="0"/>
+          </a:p>
+        </p:txBody>
+      </p:sp>
+      <p:sp>
+        <p:nvSpPr>
+          <p:cNvPr id="8" name="Rectangle 7">
+            <a:extLst>
+              <a:ext uri="{FF2B5EF4-FFF2-40B4-BE49-F238E27FC236}">
+                <a16:creationId xmlns:a16="http://schemas.microsoft.com/office/drawing/2014/main" id="{6F9714D7-847D-42AD-91A8-060CEF90428C}"/>
+              </a:ext>
+            </a:extLst>
+          </p:cNvPr>
+          <p:cNvSpPr/>
+          <p:nvPr/>
+        </p:nvSpPr>
+        <p:spPr>
+          <a:xfrm>
+            <a:off x="11146971" y="292608"/>
+            <a:ext cx="667077" cy="484632"/>
+          </a:xfrm>
+          <a:prstGeom prst="rect">
+            <a:avLst/>
+          </a:prstGeom>
+          <a:solidFill>
+            <a:schemeClr val="bg1"/>
+          </a:solidFill>
+          <a:ln>
+            <a:noFill/>
+          </a:ln>
+        </p:spPr>
+        <p:style>
+          <a:lnRef idx="2">
+            <a:schemeClr val="accent1">
+              <a:shade val="50000"/>
+            </a:schemeClr>
+          </a:lnRef>
+          <a:fillRef idx="1">
+            <a:schemeClr val="accent1"/>
+          </a:fillRef>
+          <a:effectRef idx="0">
+            <a:schemeClr val="accent1"/>
+          </a:effectRef>
+          <a:fontRef idx="minor">
+            <a:schemeClr val="lt1"/>
+          </a:fontRef>
+        </p:style>
+        <p:txBody>
+          <a:bodyPr rtlCol="0" anchor="ctr"/>
+          <a:lstStyle/>
+          <a:p>
+            <a:pPr algn="ctr"/>
+            <a:endParaRPr lang="en-US"/>
+          </a:p>
+        </p:txBody>
+      </p:sp>
+      <p:pic>
+        <p:nvPicPr>
+          <p:cNvPr id="3" name="Picture 2" descr="Chart, histogram&#10;&#10;Description automatically generated">
+            <a:extLst>
+              <a:ext uri="{FF2B5EF4-FFF2-40B4-BE49-F238E27FC236}">
+                <a16:creationId xmlns:a16="http://schemas.microsoft.com/office/drawing/2014/main" id="{5E33C8A4-8B79-4E8A-960A-6367E05B2030}"/>
+              </a:ext>
+            </a:extLst>
+          </p:cNvPr>
+          <p:cNvPicPr>
+            <a:picLocks noChangeAspect="1"/>
+          </p:cNvPicPr>
+          <p:nvPr/>
+        </p:nvPicPr>
+        <p:blipFill>
+          <a:blip r:embed="rId2"/>
+          <a:stretch>
+            <a:fillRect/>
+          </a:stretch>
+        </p:blipFill>
+        <p:spPr>
+          <a:xfrm>
+            <a:off x="254387" y="1476463"/>
+            <a:ext cx="2941819" cy="2491530"/>
+          </a:xfrm>
+          <a:prstGeom prst="rect">
+            <a:avLst/>
+          </a:prstGeom>
+        </p:spPr>
+      </p:pic>
+      <p:pic>
+        <p:nvPicPr>
+          <p:cNvPr id="9" name="Picture 8" descr="Chart, histogram&#10;&#10;Description automatically generated">
+            <a:extLst>
+              <a:ext uri="{FF2B5EF4-FFF2-40B4-BE49-F238E27FC236}">
+                <a16:creationId xmlns:a16="http://schemas.microsoft.com/office/drawing/2014/main" id="{0F970402-2CEC-4886-8E93-821B7376A48D}"/>
+              </a:ext>
+            </a:extLst>
+          </p:cNvPr>
+          <p:cNvPicPr>
+            <a:picLocks noChangeAspect="1"/>
+          </p:cNvPicPr>
+          <p:nvPr/>
+        </p:nvPicPr>
+        <p:blipFill>
+          <a:blip r:embed="rId3"/>
+          <a:stretch>
+            <a:fillRect/>
+          </a:stretch>
+        </p:blipFill>
+        <p:spPr>
+          <a:xfrm>
+            <a:off x="6339360" y="1476463"/>
+            <a:ext cx="2813030" cy="2492658"/>
+          </a:xfrm>
+          <a:prstGeom prst="rect">
+            <a:avLst/>
+          </a:prstGeom>
+        </p:spPr>
+      </p:pic>
+      <p:pic>
+        <p:nvPicPr>
+          <p:cNvPr id="11" name="Picture 10" descr="Chart, histogram&#10;&#10;Description automatically generated">
+            <a:extLst>
+              <a:ext uri="{FF2B5EF4-FFF2-40B4-BE49-F238E27FC236}">
+                <a16:creationId xmlns:a16="http://schemas.microsoft.com/office/drawing/2014/main" id="{5270071C-9F9E-4ECF-B972-A740FFAFFD3E}"/>
+              </a:ext>
+            </a:extLst>
+          </p:cNvPr>
+          <p:cNvPicPr>
+            <a:picLocks noChangeAspect="1"/>
+          </p:cNvPicPr>
+          <p:nvPr/>
+        </p:nvPicPr>
+        <p:blipFill>
+          <a:blip r:embed="rId4"/>
+          <a:stretch>
+            <a:fillRect/>
+          </a:stretch>
+        </p:blipFill>
+        <p:spPr>
+          <a:xfrm>
+            <a:off x="9152390" y="1476800"/>
+            <a:ext cx="2653717" cy="2486542"/>
+          </a:xfrm>
+          <a:prstGeom prst="rect">
+            <a:avLst/>
+          </a:prstGeom>
+        </p:spPr>
+      </p:pic>
+      <p:pic>
+        <p:nvPicPr>
+          <p:cNvPr id="13" name="Picture 12" descr="Chart, histogram&#10;&#10;Description automatically generated">
+            <a:extLst>
+              <a:ext uri="{FF2B5EF4-FFF2-40B4-BE49-F238E27FC236}">
+                <a16:creationId xmlns:a16="http://schemas.microsoft.com/office/drawing/2014/main" id="{6AC0697E-AFB1-4F09-87E2-AD1538C0C481}"/>
+              </a:ext>
+            </a:extLst>
+          </p:cNvPr>
+          <p:cNvPicPr>
+            <a:picLocks noChangeAspect="1"/>
+          </p:cNvPicPr>
+          <p:nvPr/>
+        </p:nvPicPr>
+        <p:blipFill>
+          <a:blip r:embed="rId5"/>
+          <a:stretch>
+            <a:fillRect/>
+          </a:stretch>
+        </p:blipFill>
+        <p:spPr>
+          <a:xfrm>
+            <a:off x="254387" y="4356151"/>
+            <a:ext cx="2460849" cy="2501849"/>
+          </a:xfrm>
+          <a:prstGeom prst="rect">
+            <a:avLst/>
+          </a:prstGeom>
+        </p:spPr>
+      </p:pic>
+      <p:pic>
+        <p:nvPicPr>
+          <p:cNvPr id="15" name="Picture 14" descr="Chart, histogram&#10;&#10;Description automatically generated">
+            <a:extLst>
+              <a:ext uri="{FF2B5EF4-FFF2-40B4-BE49-F238E27FC236}">
+                <a16:creationId xmlns:a16="http://schemas.microsoft.com/office/drawing/2014/main" id="{4B8D0811-A181-403E-BD18-45A9841B150C}"/>
+              </a:ext>
+            </a:extLst>
+          </p:cNvPr>
+          <p:cNvPicPr>
+            <a:picLocks noChangeAspect="1"/>
+          </p:cNvPicPr>
+          <p:nvPr/>
+        </p:nvPicPr>
+        <p:blipFill>
+          <a:blip r:embed="rId6"/>
+          <a:stretch>
+            <a:fillRect/>
+          </a:stretch>
+        </p:blipFill>
+        <p:spPr>
+          <a:xfrm>
+            <a:off x="3196206" y="4356152"/>
+            <a:ext cx="2460849" cy="2431692"/>
+          </a:xfrm>
+          <a:prstGeom prst="rect">
+            <a:avLst/>
+          </a:prstGeom>
+        </p:spPr>
+      </p:pic>
+      <p:pic>
+        <p:nvPicPr>
+          <p:cNvPr id="17" name="Picture 16" descr="Chart, histogram&#10;&#10;Description automatically generated">
+            <a:extLst>
+              <a:ext uri="{FF2B5EF4-FFF2-40B4-BE49-F238E27FC236}">
+                <a16:creationId xmlns:a16="http://schemas.microsoft.com/office/drawing/2014/main" id="{47AEA447-1D30-4268-B763-42F40A7BB9B8}"/>
+              </a:ext>
+            </a:extLst>
+          </p:cNvPr>
+          <p:cNvPicPr>
+            <a:picLocks noChangeAspect="1"/>
+          </p:cNvPicPr>
+          <p:nvPr/>
+        </p:nvPicPr>
+        <p:blipFill>
+          <a:blip r:embed="rId7"/>
+          <a:stretch>
+            <a:fillRect/>
+          </a:stretch>
+        </p:blipFill>
+        <p:spPr>
+          <a:xfrm>
+            <a:off x="5981194" y="4356151"/>
+            <a:ext cx="2944537" cy="2431692"/>
+          </a:xfrm>
+          <a:prstGeom prst="rect">
+            <a:avLst/>
+          </a:prstGeom>
+        </p:spPr>
+      </p:pic>
+      <p:pic>
+        <p:nvPicPr>
+          <p:cNvPr id="20" name="Picture 19" descr="Chart, histogram&#10;&#10;Description automatically generated">
+            <a:extLst>
+              <a:ext uri="{FF2B5EF4-FFF2-40B4-BE49-F238E27FC236}">
+                <a16:creationId xmlns:a16="http://schemas.microsoft.com/office/drawing/2014/main" id="{4CA2A155-7D44-4756-97FB-63CE755BD252}"/>
+              </a:ext>
+            </a:extLst>
+          </p:cNvPr>
+          <p:cNvPicPr>
+            <a:picLocks noChangeAspect="1"/>
+          </p:cNvPicPr>
+          <p:nvPr/>
+        </p:nvPicPr>
+        <p:blipFill>
+          <a:blip r:embed="rId8"/>
+          <a:stretch>
+            <a:fillRect/>
+          </a:stretch>
+        </p:blipFill>
+        <p:spPr>
+          <a:xfrm>
+            <a:off x="9152390" y="4356151"/>
+            <a:ext cx="2858084" cy="2501849"/>
+          </a:xfrm>
+          <a:prstGeom prst="rect">
+            <a:avLst/>
+          </a:prstGeom>
+        </p:spPr>
+      </p:pic>
+      <p:pic>
+        <p:nvPicPr>
+          <p:cNvPr id="24" name="Picture 23" descr="Chart, histogram&#10;&#10;Description automatically generated">
+            <a:extLst>
+              <a:ext uri="{FF2B5EF4-FFF2-40B4-BE49-F238E27FC236}">
+                <a16:creationId xmlns:a16="http://schemas.microsoft.com/office/drawing/2014/main" id="{622F476A-EF42-4A4D-9F77-70FAAB2B977C}"/>
+              </a:ext>
+            </a:extLst>
+          </p:cNvPr>
+          <p:cNvPicPr>
+            <a:picLocks noChangeAspect="1"/>
+          </p:cNvPicPr>
+          <p:nvPr/>
+        </p:nvPicPr>
+        <p:blipFill>
+          <a:blip r:embed="rId9"/>
+          <a:stretch>
+            <a:fillRect/>
+          </a:stretch>
+        </p:blipFill>
+        <p:spPr>
+          <a:xfrm>
+            <a:off x="3196206" y="1470686"/>
+            <a:ext cx="3095537" cy="2497308"/>
+          </a:xfrm>
+          <a:prstGeom prst="rect">
+            <a:avLst/>
+          </a:prstGeom>
+        </p:spPr>
+      </p:pic>
+    </p:spTree>
+    <p:extLst>
+      <p:ext uri="{BB962C8B-B14F-4D97-AF65-F5344CB8AC3E}">
+        <p14:creationId xmlns:p14="http://schemas.microsoft.com/office/powerpoint/2010/main" val="168838203"/>
       </p:ext>
     </p:extLst>
   </p:cSld>
@@ -15640,7 +15640,7 @@
             <a:pPr lvl="1"/>
             <a:r>
               <a:rPr lang="en-US" dirty="0"/>
-              <a:t>2020-11-01 to Present</a:t>
+              <a:t>2020-01-01 to Present</a:t>
             </a:r>
           </a:p>
           <a:p>
@@ -15654,7 +15654,14 @@
             <a:pPr lvl="1"/>
             <a:r>
               <a:rPr lang="en-US" dirty="0"/>
-              <a:t>Index of 2,400 values</a:t>
+              <a:t>Index of 300 values per company</a:t>
+            </a:r>
+          </a:p>
+          <a:p>
+            <a:pPr lvl="2"/>
+            <a:r>
+              <a:rPr lang="en-US" dirty="0"/>
+              <a:t>Total of 2,400 values</a:t>
             </a:r>
           </a:p>
         </p:txBody>
@@ -17633,23 +17640,7 @@
                   <a:schemeClr val="tx1"/>
                 </a:solidFill>
               </a:rPr>
-              <a:t>Eliminate </a:t>
-            </a:r>
-            <a:r>
-              <a:rPr lang="en-US" dirty="0" err="1">
-                <a:solidFill>
-                  <a:schemeClr val="tx1"/>
-                </a:solidFill>
-              </a:rPr>
-              <a:t>uneccesary</a:t>
-            </a:r>
-            <a:r>
-              <a:rPr lang="en-US" dirty="0">
-                <a:solidFill>
-                  <a:schemeClr val="tx1"/>
-                </a:solidFill>
-              </a:rPr>
-              <a:t> words such as </a:t>
+              <a:t>Eliminate unnecessary words such as </a:t>
             </a:r>
             <a:r>
               <a:rPr lang="en-US" dirty="0" err="1">
@@ -18745,6 +18736,23 @@
 </file>
 
 <file path=customXml/item1.xml><?xml version="1.0" encoding="utf-8"?>
+<p:properties xmlns:p="http://schemas.microsoft.com/office/2006/metadata/properties" xmlns:xsi="http://www.w3.org/2001/XMLSchema-instance" xmlns:pc="http://schemas.microsoft.com/office/infopath/2007/PartnerControls">
+  <documentManagement>
+    <MediaServiceKeyPoints xmlns="71af3243-3dd4-4a8d-8c0d-dd76da1f02a5" xsi:nil="true"/>
+  </documentManagement>
+</p:properties>
+</file>
+
+<file path=customXml/item2.xml><?xml version="1.0" encoding="utf-8"?>
+<?mso-contentType ?>
+<FormTemplates xmlns="http://schemas.microsoft.com/sharepoint/v3/contenttype/forms">
+  <Display>DocumentLibraryForm</Display>
+  <Edit>DocumentLibraryForm</Edit>
+  <New>DocumentLibraryForm</New>
+</FormTemplates>
+</file>
+
+<file path=customXml/item3.xml><?xml version="1.0" encoding="utf-8"?>
 <ct:contentTypeSchema xmlns:ct="http://schemas.microsoft.com/office/2006/metadata/contentType" xmlns:ma="http://schemas.microsoft.com/office/2006/metadata/properties/metaAttributes" ct:_="" ma:_="" ma:contentTypeName="Document" ma:contentTypeID="0x01010079F111ED35F8CC479449609E8A0923A6" ma:contentTypeVersion="11" ma:contentTypeDescription="Create a new document." ma:contentTypeScope="" ma:versionID="96291512c1ee715ab617f4c07df79fc1">
   <xsd:schema xmlns:xsd="http://www.w3.org/2001/XMLSchema" xmlns:xs="http://www.w3.org/2001/XMLSchema" xmlns:p="http://schemas.microsoft.com/office/2006/metadata/properties" xmlns:ns2="71af3243-3dd4-4a8d-8c0d-dd76da1f02a5" xmlns:ns3="16c05727-aa75-4e4a-9b5f-8a80a1165891" targetNamespace="http://schemas.microsoft.com/office/2006/metadata/properties" ma:root="true" ma:fieldsID="8256c27c40ca5c40ce1cf6c44f0205df" ns2:_="" ns3:_="">
     <xsd:import namespace="71af3243-3dd4-4a8d-8c0d-dd76da1f02a5"/>
@@ -18955,24 +18963,25 @@
 </ct:contentTypeSchema>
 </file>
 
-<file path=customXml/item2.xml><?xml version="1.0" encoding="utf-8"?>
-<?mso-contentType ?>
-<FormTemplates xmlns="http://schemas.microsoft.com/sharepoint/v3/contenttype/forms">
-  <Display>DocumentLibraryForm</Display>
-  <Edit>DocumentLibraryForm</Edit>
-  <New>DocumentLibraryForm</New>
-</FormTemplates>
+<file path=customXml/itemProps1.xml><?xml version="1.0" encoding="utf-8"?>
+<ds:datastoreItem xmlns:ds="http://schemas.openxmlformats.org/officeDocument/2006/customXml" ds:itemID="{C87F4215-C6BB-44A3-9A5E-9446E6835900}">
+  <ds:schemaRefs>
+    <ds:schemaRef ds:uri="http://schemas.microsoft.com/office/2006/metadata/properties"/>
+    <ds:schemaRef ds:uri="http://schemas.microsoft.com/office/infopath/2007/PartnerControls"/>
+    <ds:schemaRef ds:uri="71af3243-3dd4-4a8d-8c0d-dd76da1f02a5"/>
+  </ds:schemaRefs>
+</ds:datastoreItem>
 </file>
 
-<file path=customXml/item3.xml><?xml version="1.0" encoding="utf-8"?>
-<p:properties xmlns:p="http://schemas.microsoft.com/office/2006/metadata/properties" xmlns:xsi="http://www.w3.org/2001/XMLSchema-instance" xmlns:pc="http://schemas.microsoft.com/office/infopath/2007/PartnerControls">
-  <documentManagement>
-    <MediaServiceKeyPoints xmlns="71af3243-3dd4-4a8d-8c0d-dd76da1f02a5" xsi:nil="true"/>
-  </documentManagement>
-</p:properties>
+<file path=customXml/itemProps2.xml><?xml version="1.0" encoding="utf-8"?>
+<ds:datastoreItem xmlns:ds="http://schemas.openxmlformats.org/officeDocument/2006/customXml" ds:itemID="{A80A5AF1-8C57-4290-936E-5FD27C957251}">
+  <ds:schemaRefs>
+    <ds:schemaRef ds:uri="http://schemas.microsoft.com/sharepoint/v3/contenttype/forms"/>
+  </ds:schemaRefs>
+</ds:datastoreItem>
 </file>
 
-<file path=customXml/itemProps1.xml><?xml version="1.0" encoding="utf-8"?>
+<file path=customXml/itemProps3.xml><?xml version="1.0" encoding="utf-8"?>
 <ds:datastoreItem xmlns:ds="http://schemas.openxmlformats.org/officeDocument/2006/customXml" ds:itemID="{8F8919DE-9BD9-47A9-9F5D-16EBB9687974}">
   <ds:schemaRefs>
     <ds:schemaRef ds:uri="http://schemas.microsoft.com/office/2006/metadata/contentType"/>
@@ -18989,22 +18998,4 @@
     <ds:schemaRef ds:uri="http://schemas.microsoft.com/internal/obd"/>
   </ds:schemaRefs>
 </ds:datastoreItem>
-</file>
-
-<file path=customXml/itemProps2.xml><?xml version="1.0" encoding="utf-8"?>
-<ds:datastoreItem xmlns:ds="http://schemas.openxmlformats.org/officeDocument/2006/customXml" ds:itemID="{A80A5AF1-8C57-4290-936E-5FD27C957251}">
-  <ds:schemaRefs>
-    <ds:schemaRef ds:uri="http://schemas.microsoft.com/sharepoint/v3/contenttype/forms"/>
-  </ds:schemaRefs>
-</ds:datastoreItem>
-</file>
-
-<file path=customXml/itemProps3.xml><?xml version="1.0" encoding="utf-8"?>
-<ds:datastoreItem xmlns:ds="http://schemas.openxmlformats.org/officeDocument/2006/customXml" ds:itemID="{C87F4215-C6BB-44A3-9A5E-9446E6835900}">
-  <ds:schemaRefs>
-    <ds:schemaRef ds:uri="http://schemas.microsoft.com/office/2006/metadata/properties"/>
-    <ds:schemaRef ds:uri="http://schemas.microsoft.com/office/infopath/2007/PartnerControls"/>
-    <ds:schemaRef ds:uri="71af3243-3dd4-4a8d-8c0d-dd76da1f02a5"/>
-  </ds:schemaRefs>
-</ds:datastoreItem>
 </file>